--- a/presentation/presentation_sda.pptx
+++ b/presentation/presentation_sda.pptx
@@ -5,24 +5,28 @@
     <p:sldMasterId id="2147483648" r:id="rId1"/>
   </p:sldMasterIdLst>
   <p:sldIdLst>
-    <p:sldId id="256" r:id="rId7"/>
-    <p:sldId id="257" r:id="rId8"/>
-    <p:sldId id="258" r:id="rId9"/>
-    <p:sldId id="259" r:id="rId10"/>
-    <p:sldId id="260" r:id="rId11"/>
-    <p:sldId id="261" r:id="rId12"/>
-    <p:sldId id="262" r:id="rId13"/>
-    <p:sldId id="263" r:id="rId14"/>
-    <p:sldId id="264" r:id="rId15"/>
-    <p:sldId id="265" r:id="rId16"/>
-    <p:sldId id="266" r:id="rId17"/>
-    <p:sldId id="267" r:id="rId18"/>
-    <p:sldId id="268" r:id="rId19"/>
-    <p:sldId id="269" r:id="rId20"/>
-    <p:sldId id="270" r:id="rId21"/>
-    <p:sldId id="271" r:id="rId22"/>
-    <p:sldId id="272" r:id="rId23"/>
-    <p:sldId id="273" r:id="rId24"/>
+    <p:sldId id="256" r:id="rId2"/>
+    <p:sldId id="257" r:id="rId3"/>
+    <p:sldId id="258" r:id="rId4"/>
+    <p:sldId id="259" r:id="rId5"/>
+    <p:sldId id="260" r:id="rId6"/>
+    <p:sldId id="261" r:id="rId7"/>
+    <p:sldId id="262" r:id="rId8"/>
+    <p:sldId id="263" r:id="rId9"/>
+    <p:sldId id="275" r:id="rId10"/>
+    <p:sldId id="276" r:id="rId11"/>
+    <p:sldId id="264" r:id="rId12"/>
+    <p:sldId id="277" r:id="rId13"/>
+    <p:sldId id="265" r:id="rId14"/>
+    <p:sldId id="266" r:id="rId15"/>
+    <p:sldId id="267" r:id="rId16"/>
+    <p:sldId id="274" r:id="rId17"/>
+    <p:sldId id="268" r:id="rId18"/>
+    <p:sldId id="269" r:id="rId19"/>
+    <p:sldId id="270" r:id="rId20"/>
+    <p:sldId id="271" r:id="rId21"/>
+    <p:sldId id="272" r:id="rId22"/>
+    <p:sldId id="273" r:id="rId23"/>
   </p:sldIdLst>
   <p:sldSz cx="9144000" cy="6858000" type="screen4x3"/>
   <p:notesSz cx="6858000" cy="9144000"/>
@@ -121,7 +125,31 @@
       </a:defRPr>
     </a:lvl9pPr>
   </p:defaultTextStyle>
+  <p:extLst>
+    <p:ext uri="{EFAFB233-063F-42B5-8137-9DF3F51BA10A}">
+      <p15:sldGuideLst xmlns:p15="http://schemas.microsoft.com/office/powerpoint/2012/main">
+        <p15:guide id="1" orient="horz" pos="2160">
+          <p15:clr>
+            <a:srgbClr val="A4A3A4"/>
+          </p15:clr>
+        </p15:guide>
+        <p15:guide id="2" pos="2880">
+          <p15:clr>
+            <a:srgbClr val="A4A3A4"/>
+          </p15:clr>
+        </p15:guide>
+      </p15:sldGuideLst>
+    </p:ext>
+  </p:extLst>
 </p:presentation>
+</file>
+
+<file path=ppt/revisionInfo.xml><?xml version="1.0" encoding="utf-8"?>
+<p1510:revInfo xmlns:a="http://schemas.openxmlformats.org/drawingml/2006/main" xmlns:r="http://schemas.openxmlformats.org/officeDocument/2006/relationships" xmlns:p1510="http://schemas.microsoft.com/office/powerpoint/2015/10/main">
+  <p1510:revLst>
+    <p1510:client id="{88AEBE6F-C4DB-46BF-9480-0A1E6640FDEF}" v="866" dt="2026-01-14T19:50:02.809"/>
+  </p1510:revLst>
+</p1510:revInfo>
 </file>
 
 <file path=ppt/slideLayouts/slideLayout1.xml><?xml version="1.0" encoding="utf-8"?>
@@ -162,10 +190,9 @@
           <a:lstStyle/>
           <a:p>
             <a:r>
-              <a:rPr lang="en-US" smtClean="0"/>
+              <a:rPr lang="en-US"/>
               <a:t>Click to edit Master title style</a:t>
             </a:r>
-            <a:endParaRPr lang="en-US"/>
           </a:p>
         </p:txBody>
       </p:sp>
@@ -281,10 +308,9 @@
           </a:lstStyle>
           <a:p>
             <a:r>
-              <a:rPr lang="en-US" smtClean="0"/>
+              <a:rPr lang="en-US"/>
               <a:t>Click to edit Master subtitle style</a:t>
             </a:r>
-            <a:endParaRPr lang="en-US"/>
           </a:p>
         </p:txBody>
       </p:sp>
@@ -305,7 +331,7 @@
           <a:p>
             <a:fld id="{5BCAD085-E8A6-8845-BD4E-CB4CCA059FC4}" type="datetimeFigureOut">
               <a:rPr lang="en-US" smtClean="0"/>
-              <a:t>1/27/13</a:t>
+              <a:t>1/14/2026</a:t>
             </a:fld>
             <a:endParaRPr lang="en-US"/>
           </a:p>
@@ -347,7 +373,7 @@
           <a:p>
             <a:fld id="{C1FF6DA9-008F-8B48-92A6-B652298478BF}" type="slidenum">
               <a:rPr lang="en-US" smtClean="0"/>
-              <a:t>‹#›</a:t>
+              <a:t>‹N°›</a:t>
             </a:fld>
             <a:endParaRPr lang="en-US"/>
           </a:p>
@@ -399,10 +425,9 @@
           <a:lstStyle/>
           <a:p>
             <a:r>
-              <a:rPr lang="en-US" smtClean="0"/>
+              <a:rPr lang="en-US"/>
               <a:t>Click to edit Master title style</a:t>
             </a:r>
-            <a:endParaRPr lang="en-US"/>
           </a:p>
         </p:txBody>
       </p:sp>
@@ -423,38 +448,37 @@
           <a:p>
             <a:pPr lvl="0"/>
             <a:r>
-              <a:rPr lang="en-US" smtClean="0"/>
+              <a:rPr lang="en-US"/>
               <a:t>Click to edit Master text styles</a:t>
             </a:r>
           </a:p>
           <a:p>
             <a:pPr lvl="1"/>
             <a:r>
-              <a:rPr lang="en-US" smtClean="0"/>
+              <a:rPr lang="en-US"/>
               <a:t>Second level</a:t>
             </a:r>
           </a:p>
           <a:p>
             <a:pPr lvl="2"/>
             <a:r>
-              <a:rPr lang="en-US" smtClean="0"/>
+              <a:rPr lang="en-US"/>
               <a:t>Third level</a:t>
             </a:r>
           </a:p>
           <a:p>
             <a:pPr lvl="3"/>
             <a:r>
-              <a:rPr lang="en-US" smtClean="0"/>
+              <a:rPr lang="en-US"/>
               <a:t>Fourth level</a:t>
             </a:r>
           </a:p>
           <a:p>
             <a:pPr lvl="4"/>
             <a:r>
-              <a:rPr lang="en-US" smtClean="0"/>
+              <a:rPr lang="en-US"/>
               <a:t>Fifth level</a:t>
             </a:r>
-            <a:endParaRPr lang="en-US"/>
           </a:p>
         </p:txBody>
       </p:sp>
@@ -475,7 +499,7 @@
           <a:p>
             <a:fld id="{5BCAD085-E8A6-8845-BD4E-CB4CCA059FC4}" type="datetimeFigureOut">
               <a:rPr lang="en-US" smtClean="0"/>
-              <a:t>1/27/13</a:t>
+              <a:t>1/14/2026</a:t>
             </a:fld>
             <a:endParaRPr lang="en-US"/>
           </a:p>
@@ -517,7 +541,7 @@
           <a:p>
             <a:fld id="{C1FF6DA9-008F-8B48-92A6-B652298478BF}" type="slidenum">
               <a:rPr lang="en-US" smtClean="0"/>
-              <a:t>‹#›</a:t>
+              <a:t>‹N°›</a:t>
             </a:fld>
             <a:endParaRPr lang="en-US"/>
           </a:p>
@@ -574,10 +598,9 @@
           <a:lstStyle/>
           <a:p>
             <a:r>
-              <a:rPr lang="en-US" smtClean="0"/>
+              <a:rPr lang="en-US"/>
               <a:t>Click to edit Master title style</a:t>
             </a:r>
-            <a:endParaRPr lang="en-US"/>
           </a:p>
         </p:txBody>
       </p:sp>
@@ -603,38 +626,37 @@
           <a:p>
             <a:pPr lvl="0"/>
             <a:r>
-              <a:rPr lang="en-US" smtClean="0"/>
+              <a:rPr lang="en-US"/>
               <a:t>Click to edit Master text styles</a:t>
             </a:r>
           </a:p>
           <a:p>
             <a:pPr lvl="1"/>
             <a:r>
-              <a:rPr lang="en-US" smtClean="0"/>
+              <a:rPr lang="en-US"/>
               <a:t>Second level</a:t>
             </a:r>
           </a:p>
           <a:p>
             <a:pPr lvl="2"/>
             <a:r>
-              <a:rPr lang="en-US" smtClean="0"/>
+              <a:rPr lang="en-US"/>
               <a:t>Third level</a:t>
             </a:r>
           </a:p>
           <a:p>
             <a:pPr lvl="3"/>
             <a:r>
-              <a:rPr lang="en-US" smtClean="0"/>
+              <a:rPr lang="en-US"/>
               <a:t>Fourth level</a:t>
             </a:r>
           </a:p>
           <a:p>
             <a:pPr lvl="4"/>
             <a:r>
-              <a:rPr lang="en-US" smtClean="0"/>
+              <a:rPr lang="en-US"/>
               <a:t>Fifth level</a:t>
             </a:r>
-            <a:endParaRPr lang="en-US"/>
           </a:p>
         </p:txBody>
       </p:sp>
@@ -655,7 +677,7 @@
           <a:p>
             <a:fld id="{5BCAD085-E8A6-8845-BD4E-CB4CCA059FC4}" type="datetimeFigureOut">
               <a:rPr lang="en-US" smtClean="0"/>
-              <a:t>1/27/13</a:t>
+              <a:t>1/14/2026</a:t>
             </a:fld>
             <a:endParaRPr lang="en-US"/>
           </a:p>
@@ -697,7 +719,7 @@
           <a:p>
             <a:fld id="{C1FF6DA9-008F-8B48-92A6-B652298478BF}" type="slidenum">
               <a:rPr lang="en-US" smtClean="0"/>
-              <a:t>‹#›</a:t>
+              <a:t>‹N°›</a:t>
             </a:fld>
             <a:endParaRPr lang="en-US"/>
           </a:p>
@@ -749,10 +771,9 @@
           <a:lstStyle/>
           <a:p>
             <a:r>
-              <a:rPr lang="en-US" smtClean="0"/>
+              <a:rPr lang="en-US"/>
               <a:t>Click to edit Master title style</a:t>
             </a:r>
-            <a:endParaRPr lang="en-US"/>
           </a:p>
         </p:txBody>
       </p:sp>
@@ -773,38 +794,37 @@
           <a:p>
             <a:pPr lvl="0"/>
             <a:r>
-              <a:rPr lang="en-US" smtClean="0"/>
+              <a:rPr lang="en-US"/>
               <a:t>Click to edit Master text styles</a:t>
             </a:r>
           </a:p>
           <a:p>
             <a:pPr lvl="1"/>
             <a:r>
-              <a:rPr lang="en-US" smtClean="0"/>
+              <a:rPr lang="en-US"/>
               <a:t>Second level</a:t>
             </a:r>
           </a:p>
           <a:p>
             <a:pPr lvl="2"/>
             <a:r>
-              <a:rPr lang="en-US" smtClean="0"/>
+              <a:rPr lang="en-US"/>
               <a:t>Third level</a:t>
             </a:r>
           </a:p>
           <a:p>
             <a:pPr lvl="3"/>
             <a:r>
-              <a:rPr lang="en-US" smtClean="0"/>
+              <a:rPr lang="en-US"/>
               <a:t>Fourth level</a:t>
             </a:r>
           </a:p>
           <a:p>
             <a:pPr lvl="4"/>
             <a:r>
-              <a:rPr lang="en-US" smtClean="0"/>
+              <a:rPr lang="en-US"/>
               <a:t>Fifth level</a:t>
             </a:r>
-            <a:endParaRPr lang="en-US"/>
           </a:p>
         </p:txBody>
       </p:sp>
@@ -825,7 +845,7 @@
           <a:p>
             <a:fld id="{5BCAD085-E8A6-8845-BD4E-CB4CCA059FC4}" type="datetimeFigureOut">
               <a:rPr lang="en-US" smtClean="0"/>
-              <a:t>1/27/13</a:t>
+              <a:t>1/14/2026</a:t>
             </a:fld>
             <a:endParaRPr lang="en-US"/>
           </a:p>
@@ -867,7 +887,7 @@
           <a:p>
             <a:fld id="{C1FF6DA9-008F-8B48-92A6-B652298478BF}" type="slidenum">
               <a:rPr lang="en-US" smtClean="0"/>
-              <a:t>‹#›</a:t>
+              <a:t>‹N°›</a:t>
             </a:fld>
             <a:endParaRPr lang="en-US"/>
           </a:p>
@@ -928,10 +948,9 @@
           </a:lstStyle>
           <a:p>
             <a:r>
-              <a:rPr lang="en-US" smtClean="0"/>
+              <a:rPr lang="en-US"/>
               <a:t>Click to edit Master title style</a:t>
             </a:r>
-            <a:endParaRPr lang="en-US"/>
           </a:p>
         </p:txBody>
       </p:sp>
@@ -1048,7 +1067,7 @@
           <a:p>
             <a:pPr lvl="0"/>
             <a:r>
-              <a:rPr lang="en-US" smtClean="0"/>
+              <a:rPr lang="en-US"/>
               <a:t>Click to edit Master text styles</a:t>
             </a:r>
           </a:p>
@@ -1071,7 +1090,7 @@
           <a:p>
             <a:fld id="{5BCAD085-E8A6-8845-BD4E-CB4CCA059FC4}" type="datetimeFigureOut">
               <a:rPr lang="en-US" smtClean="0"/>
-              <a:t>1/27/13</a:t>
+              <a:t>1/14/2026</a:t>
             </a:fld>
             <a:endParaRPr lang="en-US"/>
           </a:p>
@@ -1113,7 +1132,7 @@
           <a:p>
             <a:fld id="{C1FF6DA9-008F-8B48-92A6-B652298478BF}" type="slidenum">
               <a:rPr lang="en-US" smtClean="0"/>
-              <a:t>‹#›</a:t>
+              <a:t>‹N°›</a:t>
             </a:fld>
             <a:endParaRPr lang="en-US"/>
           </a:p>
@@ -1165,10 +1184,9 @@
           <a:lstStyle/>
           <a:p>
             <a:r>
-              <a:rPr lang="en-US" smtClean="0"/>
+              <a:rPr lang="en-US"/>
               <a:t>Click to edit Master title style</a:t>
             </a:r>
-            <a:endParaRPr lang="en-US"/>
           </a:p>
         </p:txBody>
       </p:sp>
@@ -1222,38 +1240,37 @@
           <a:p>
             <a:pPr lvl="0"/>
             <a:r>
-              <a:rPr lang="en-US" smtClean="0"/>
+              <a:rPr lang="en-US"/>
               <a:t>Click to edit Master text styles</a:t>
             </a:r>
           </a:p>
           <a:p>
             <a:pPr lvl="1"/>
             <a:r>
-              <a:rPr lang="en-US" smtClean="0"/>
+              <a:rPr lang="en-US"/>
               <a:t>Second level</a:t>
             </a:r>
           </a:p>
           <a:p>
             <a:pPr lvl="2"/>
             <a:r>
-              <a:rPr lang="en-US" smtClean="0"/>
+              <a:rPr lang="en-US"/>
               <a:t>Third level</a:t>
             </a:r>
           </a:p>
           <a:p>
             <a:pPr lvl="3"/>
             <a:r>
-              <a:rPr lang="en-US" smtClean="0"/>
+              <a:rPr lang="en-US"/>
               <a:t>Fourth level</a:t>
             </a:r>
           </a:p>
           <a:p>
             <a:pPr lvl="4"/>
             <a:r>
-              <a:rPr lang="en-US" smtClean="0"/>
+              <a:rPr lang="en-US"/>
               <a:t>Fifth level</a:t>
             </a:r>
-            <a:endParaRPr lang="en-US"/>
           </a:p>
         </p:txBody>
       </p:sp>
@@ -1307,38 +1324,37 @@
           <a:p>
             <a:pPr lvl="0"/>
             <a:r>
-              <a:rPr lang="en-US" smtClean="0"/>
+              <a:rPr lang="en-US"/>
               <a:t>Click to edit Master text styles</a:t>
             </a:r>
           </a:p>
           <a:p>
             <a:pPr lvl="1"/>
             <a:r>
-              <a:rPr lang="en-US" smtClean="0"/>
+              <a:rPr lang="en-US"/>
               <a:t>Second level</a:t>
             </a:r>
           </a:p>
           <a:p>
             <a:pPr lvl="2"/>
             <a:r>
-              <a:rPr lang="en-US" smtClean="0"/>
+              <a:rPr lang="en-US"/>
               <a:t>Third level</a:t>
             </a:r>
           </a:p>
           <a:p>
             <a:pPr lvl="3"/>
             <a:r>
-              <a:rPr lang="en-US" smtClean="0"/>
+              <a:rPr lang="en-US"/>
               <a:t>Fourth level</a:t>
             </a:r>
           </a:p>
           <a:p>
             <a:pPr lvl="4"/>
             <a:r>
-              <a:rPr lang="en-US" smtClean="0"/>
+              <a:rPr lang="en-US"/>
               <a:t>Fifth level</a:t>
             </a:r>
-            <a:endParaRPr lang="en-US"/>
           </a:p>
         </p:txBody>
       </p:sp>
@@ -1359,7 +1375,7 @@
           <a:p>
             <a:fld id="{5BCAD085-E8A6-8845-BD4E-CB4CCA059FC4}" type="datetimeFigureOut">
               <a:rPr lang="en-US" smtClean="0"/>
-              <a:t>1/27/13</a:t>
+              <a:t>1/14/2026</a:t>
             </a:fld>
             <a:endParaRPr lang="en-US"/>
           </a:p>
@@ -1401,7 +1417,7 @@
           <a:p>
             <a:fld id="{C1FF6DA9-008F-8B48-92A6-B652298478BF}" type="slidenum">
               <a:rPr lang="en-US" smtClean="0"/>
-              <a:t>‹#›</a:t>
+              <a:t>‹N°›</a:t>
             </a:fld>
             <a:endParaRPr lang="en-US"/>
           </a:p>
@@ -1457,10 +1473,9 @@
           </a:lstStyle>
           <a:p>
             <a:r>
-              <a:rPr lang="en-US" smtClean="0"/>
+              <a:rPr lang="en-US"/>
               <a:t>Click to edit Master title style</a:t>
             </a:r>
-            <a:endParaRPr lang="en-US"/>
           </a:p>
         </p:txBody>
       </p:sp>
@@ -1523,7 +1538,7 @@
           <a:p>
             <a:pPr lvl="0"/>
             <a:r>
-              <a:rPr lang="en-US" smtClean="0"/>
+              <a:rPr lang="en-US"/>
               <a:t>Click to edit Master text styles</a:t>
             </a:r>
           </a:p>
@@ -1579,38 +1594,37 @@
           <a:p>
             <a:pPr lvl="0"/>
             <a:r>
-              <a:rPr lang="en-US" smtClean="0"/>
+              <a:rPr lang="en-US"/>
               <a:t>Click to edit Master text styles</a:t>
             </a:r>
           </a:p>
           <a:p>
             <a:pPr lvl="1"/>
             <a:r>
-              <a:rPr lang="en-US" smtClean="0"/>
+              <a:rPr lang="en-US"/>
               <a:t>Second level</a:t>
             </a:r>
           </a:p>
           <a:p>
             <a:pPr lvl="2"/>
             <a:r>
-              <a:rPr lang="en-US" smtClean="0"/>
+              <a:rPr lang="en-US"/>
               <a:t>Third level</a:t>
             </a:r>
           </a:p>
           <a:p>
             <a:pPr lvl="3"/>
             <a:r>
-              <a:rPr lang="en-US" smtClean="0"/>
+              <a:rPr lang="en-US"/>
               <a:t>Fourth level</a:t>
             </a:r>
           </a:p>
           <a:p>
             <a:pPr lvl="4"/>
             <a:r>
-              <a:rPr lang="en-US" smtClean="0"/>
+              <a:rPr lang="en-US"/>
               <a:t>Fifth level</a:t>
             </a:r>
-            <a:endParaRPr lang="en-US"/>
           </a:p>
         </p:txBody>
       </p:sp>
@@ -1673,7 +1687,7 @@
           <a:p>
             <a:pPr lvl="0"/>
             <a:r>
-              <a:rPr lang="en-US" smtClean="0"/>
+              <a:rPr lang="en-US"/>
               <a:t>Click to edit Master text styles</a:t>
             </a:r>
           </a:p>
@@ -1729,38 +1743,37 @@
           <a:p>
             <a:pPr lvl="0"/>
             <a:r>
-              <a:rPr lang="en-US" smtClean="0"/>
+              <a:rPr lang="en-US"/>
               <a:t>Click to edit Master text styles</a:t>
             </a:r>
           </a:p>
           <a:p>
             <a:pPr lvl="1"/>
             <a:r>
-              <a:rPr lang="en-US" smtClean="0"/>
+              <a:rPr lang="en-US"/>
               <a:t>Second level</a:t>
             </a:r>
           </a:p>
           <a:p>
             <a:pPr lvl="2"/>
             <a:r>
-              <a:rPr lang="en-US" smtClean="0"/>
+              <a:rPr lang="en-US"/>
               <a:t>Third level</a:t>
             </a:r>
           </a:p>
           <a:p>
             <a:pPr lvl="3"/>
             <a:r>
-              <a:rPr lang="en-US" smtClean="0"/>
+              <a:rPr lang="en-US"/>
               <a:t>Fourth level</a:t>
             </a:r>
           </a:p>
           <a:p>
             <a:pPr lvl="4"/>
             <a:r>
-              <a:rPr lang="en-US" smtClean="0"/>
+              <a:rPr lang="en-US"/>
               <a:t>Fifth level</a:t>
             </a:r>
-            <a:endParaRPr lang="en-US"/>
           </a:p>
         </p:txBody>
       </p:sp>
@@ -1781,7 +1794,7 @@
           <a:p>
             <a:fld id="{5BCAD085-E8A6-8845-BD4E-CB4CCA059FC4}" type="datetimeFigureOut">
               <a:rPr lang="en-US" smtClean="0"/>
-              <a:t>1/27/13</a:t>
+              <a:t>1/14/2026</a:t>
             </a:fld>
             <a:endParaRPr lang="en-US"/>
           </a:p>
@@ -1823,7 +1836,7 @@
           <a:p>
             <a:fld id="{C1FF6DA9-008F-8B48-92A6-B652298478BF}" type="slidenum">
               <a:rPr lang="en-US" smtClean="0"/>
-              <a:t>‹#›</a:t>
+              <a:t>‹N°›</a:t>
             </a:fld>
             <a:endParaRPr lang="en-US"/>
           </a:p>
@@ -1875,10 +1888,9 @@
           <a:lstStyle/>
           <a:p>
             <a:r>
-              <a:rPr lang="en-US" smtClean="0"/>
+              <a:rPr lang="en-US"/>
               <a:t>Click to edit Master title style</a:t>
             </a:r>
-            <a:endParaRPr lang="en-US"/>
           </a:p>
         </p:txBody>
       </p:sp>
@@ -1899,7 +1911,7 @@
           <a:p>
             <a:fld id="{5BCAD085-E8A6-8845-BD4E-CB4CCA059FC4}" type="datetimeFigureOut">
               <a:rPr lang="en-US" smtClean="0"/>
-              <a:t>1/27/13</a:t>
+              <a:t>1/14/2026</a:t>
             </a:fld>
             <a:endParaRPr lang="en-US"/>
           </a:p>
@@ -1941,7 +1953,7 @@
           <a:p>
             <a:fld id="{C1FF6DA9-008F-8B48-92A6-B652298478BF}" type="slidenum">
               <a:rPr lang="en-US" smtClean="0"/>
-              <a:t>‹#›</a:t>
+              <a:t>‹N°›</a:t>
             </a:fld>
             <a:endParaRPr lang="en-US"/>
           </a:p>
@@ -1994,7 +2006,7 @@
           <a:p>
             <a:fld id="{5BCAD085-E8A6-8845-BD4E-CB4CCA059FC4}" type="datetimeFigureOut">
               <a:rPr lang="en-US" smtClean="0"/>
-              <a:t>1/27/13</a:t>
+              <a:t>1/14/2026</a:t>
             </a:fld>
             <a:endParaRPr lang="en-US"/>
           </a:p>
@@ -2036,7 +2048,7 @@
           <a:p>
             <a:fld id="{C1FF6DA9-008F-8B48-92A6-B652298478BF}" type="slidenum">
               <a:rPr lang="en-US" smtClean="0"/>
-              <a:t>‹#›</a:t>
+              <a:t>‹N°›</a:t>
             </a:fld>
             <a:endParaRPr lang="en-US"/>
           </a:p>
@@ -2097,10 +2109,9 @@
           </a:lstStyle>
           <a:p>
             <a:r>
-              <a:rPr lang="en-US" smtClean="0"/>
+              <a:rPr lang="en-US"/>
               <a:t>Click to edit Master title style</a:t>
             </a:r>
-            <a:endParaRPr lang="en-US"/>
           </a:p>
         </p:txBody>
       </p:sp>
@@ -2154,38 +2165,37 @@
           <a:p>
             <a:pPr lvl="0"/>
             <a:r>
-              <a:rPr lang="en-US" smtClean="0"/>
+              <a:rPr lang="en-US"/>
               <a:t>Click to edit Master text styles</a:t>
             </a:r>
           </a:p>
           <a:p>
             <a:pPr lvl="1"/>
             <a:r>
-              <a:rPr lang="en-US" smtClean="0"/>
+              <a:rPr lang="en-US"/>
               <a:t>Second level</a:t>
             </a:r>
           </a:p>
           <a:p>
             <a:pPr lvl="2"/>
             <a:r>
-              <a:rPr lang="en-US" smtClean="0"/>
+              <a:rPr lang="en-US"/>
               <a:t>Third level</a:t>
             </a:r>
           </a:p>
           <a:p>
             <a:pPr lvl="3"/>
             <a:r>
-              <a:rPr lang="en-US" smtClean="0"/>
+              <a:rPr lang="en-US"/>
               <a:t>Fourth level</a:t>
             </a:r>
           </a:p>
           <a:p>
             <a:pPr lvl="4"/>
             <a:r>
-              <a:rPr lang="en-US" smtClean="0"/>
+              <a:rPr lang="en-US"/>
               <a:t>Fifth level</a:t>
             </a:r>
-            <a:endParaRPr lang="en-US"/>
           </a:p>
         </p:txBody>
       </p:sp>
@@ -2248,7 +2258,7 @@
           <a:p>
             <a:pPr lvl="0"/>
             <a:r>
-              <a:rPr lang="en-US" smtClean="0"/>
+              <a:rPr lang="en-US"/>
               <a:t>Click to edit Master text styles</a:t>
             </a:r>
           </a:p>
@@ -2271,7 +2281,7 @@
           <a:p>
             <a:fld id="{5BCAD085-E8A6-8845-BD4E-CB4CCA059FC4}" type="datetimeFigureOut">
               <a:rPr lang="en-US" smtClean="0"/>
-              <a:t>1/27/13</a:t>
+              <a:t>1/14/2026</a:t>
             </a:fld>
             <a:endParaRPr lang="en-US"/>
           </a:p>
@@ -2313,7 +2323,7 @@
           <a:p>
             <a:fld id="{C1FF6DA9-008F-8B48-92A6-B652298478BF}" type="slidenum">
               <a:rPr lang="en-US" smtClean="0"/>
-              <a:t>‹#›</a:t>
+              <a:t>‹N°›</a:t>
             </a:fld>
             <a:endParaRPr lang="en-US"/>
           </a:p>
@@ -2374,10 +2384,9 @@
           </a:lstStyle>
           <a:p>
             <a:r>
-              <a:rPr lang="en-US" smtClean="0"/>
+              <a:rPr lang="en-US"/>
               <a:t>Click to edit Master title style</a:t>
             </a:r>
-            <a:endParaRPr lang="en-US"/>
           </a:p>
         </p:txBody>
       </p:sp>
@@ -2501,7 +2510,7 @@
           <a:p>
             <a:pPr lvl="0"/>
             <a:r>
-              <a:rPr lang="en-US" smtClean="0"/>
+              <a:rPr lang="en-US"/>
               <a:t>Click to edit Master text styles</a:t>
             </a:r>
           </a:p>
@@ -2524,7 +2533,7 @@
           <a:p>
             <a:fld id="{5BCAD085-E8A6-8845-BD4E-CB4CCA059FC4}" type="datetimeFigureOut">
               <a:rPr lang="en-US" smtClean="0"/>
-              <a:t>1/27/13</a:t>
+              <a:t>1/14/2026</a:t>
             </a:fld>
             <a:endParaRPr lang="en-US"/>
           </a:p>
@@ -2566,7 +2575,7 @@
           <a:p>
             <a:fld id="{C1FF6DA9-008F-8B48-92A6-B652298478BF}" type="slidenum">
               <a:rPr lang="en-US" smtClean="0"/>
-              <a:t>‹#›</a:t>
+              <a:t>‹N°›</a:t>
             </a:fld>
             <a:endParaRPr lang="en-US"/>
           </a:p>
@@ -2633,10 +2642,9 @@
           <a:lstStyle/>
           <a:p>
             <a:r>
-              <a:rPr lang="en-US" smtClean="0"/>
+              <a:rPr lang="en-US"/>
               <a:t>Click to edit Master title style</a:t>
             </a:r>
-            <a:endParaRPr lang="en-US"/>
           </a:p>
         </p:txBody>
       </p:sp>
@@ -2667,38 +2675,37 @@
           <a:p>
             <a:pPr lvl="0"/>
             <a:r>
-              <a:rPr lang="en-US" smtClean="0"/>
+              <a:rPr lang="en-US"/>
               <a:t>Click to edit Master text styles</a:t>
             </a:r>
           </a:p>
           <a:p>
             <a:pPr lvl="1"/>
             <a:r>
-              <a:rPr lang="en-US" smtClean="0"/>
+              <a:rPr lang="en-US"/>
               <a:t>Second level</a:t>
             </a:r>
           </a:p>
           <a:p>
             <a:pPr lvl="2"/>
             <a:r>
-              <a:rPr lang="en-US" smtClean="0"/>
+              <a:rPr lang="en-US"/>
               <a:t>Third level</a:t>
             </a:r>
           </a:p>
           <a:p>
             <a:pPr lvl="3"/>
             <a:r>
-              <a:rPr lang="en-US" smtClean="0"/>
+              <a:rPr lang="en-US"/>
               <a:t>Fourth level</a:t>
             </a:r>
           </a:p>
           <a:p>
             <a:pPr lvl="4"/>
             <a:r>
-              <a:rPr lang="en-US" smtClean="0"/>
+              <a:rPr lang="en-US"/>
               <a:t>Fifth level</a:t>
             </a:r>
-            <a:endParaRPr lang="en-US"/>
           </a:p>
         </p:txBody>
       </p:sp>
@@ -2737,7 +2744,7 @@
           <a:p>
             <a:fld id="{5BCAD085-E8A6-8845-BD4E-CB4CCA059FC4}" type="datetimeFigureOut">
               <a:rPr lang="en-US" smtClean="0"/>
-              <a:t>1/27/13</a:t>
+              <a:t>1/14/2026</a:t>
             </a:fld>
             <a:endParaRPr lang="en-US"/>
           </a:p>
@@ -2815,7 +2822,7 @@
           <a:p>
             <a:fld id="{C1FF6DA9-008F-8B48-92A6-B652298478BF}" type="slidenum">
               <a:rPr lang="en-US" smtClean="0"/>
-              <a:t>‹#›</a:t>
+              <a:t>‹N°›</a:t>
             </a:fld>
             <a:endParaRPr lang="en-US"/>
           </a:p>
@@ -3096,7 +3103,7 @@
 </file>
 
 <file path=ppt/slides/slide1.xml><?xml version="1.0" encoding="utf-8"?>
-<p:sld xmlns:a="http://schemas.openxmlformats.org/drawingml/2006/main" xmlns:p="http://schemas.openxmlformats.org/presentationml/2006/main" xmlns:r="http://schemas.openxmlformats.org/officeDocument/2006/relationships">
+<p:sld xmlns:a="http://schemas.openxmlformats.org/drawingml/2006/main" xmlns:r="http://schemas.openxmlformats.org/officeDocument/2006/relationships" xmlns:p="http://schemas.openxmlformats.org/presentationml/2006/main">
   <p:cSld>
     <p:spTree>
       <p:nvGrpSpPr>
@@ -3104,7 +3111,14 @@
         <p:cNvGrpSpPr/>
         <p:nvPr/>
       </p:nvGrpSpPr>
-      <p:grpSpPr/>
+      <p:grpSpPr>
+        <a:xfrm>
+          <a:off x="0" y="0"/>
+          <a:ext cx="0" cy="0"/>
+          <a:chOff x="0" y="0"/>
+          <a:chExt cx="0" cy="0"/>
+        </a:xfrm>
+      </p:grpSpPr>
       <p:sp>
         <p:nvSpPr>
           <p:cNvPr id="2" name="TextBox 1"/>
@@ -3170,25 +3184,44 @@
 </file>
 
 <file path=ppt/slides/slide10.xml><?xml version="1.0" encoding="utf-8"?>
-<p:sld xmlns:a="http://schemas.openxmlformats.org/drawingml/2006/main" xmlns:p="http://schemas.openxmlformats.org/presentationml/2006/main" xmlns:r="http://schemas.openxmlformats.org/officeDocument/2006/relationships">
+<p:sld xmlns:a="http://schemas.openxmlformats.org/drawingml/2006/main" xmlns:r="http://schemas.openxmlformats.org/officeDocument/2006/relationships" xmlns:p="http://schemas.openxmlformats.org/presentationml/2006/main">
   <p:cSld>
     <p:spTree>
       <p:nvGrpSpPr>
-        <p:cNvPr id="1" name=""/>
+        <p:cNvPr id="1" name="">
+          <a:extLst>
+            <a:ext uri="{FF2B5EF4-FFF2-40B4-BE49-F238E27FC236}">
+              <a16:creationId xmlns:a16="http://schemas.microsoft.com/office/drawing/2014/main" id="{CFE5D24D-8815-27E6-FF53-5DC5E8861F19}"/>
+            </a:ext>
+          </a:extLst>
+        </p:cNvPr>
         <p:cNvGrpSpPr/>
         <p:nvPr/>
       </p:nvGrpSpPr>
-      <p:grpSpPr/>
-      <p:sp>
-        <p:nvSpPr>
-          <p:cNvPr id="2" name="TextBox 1"/>
+      <p:grpSpPr>
+        <a:xfrm>
+          <a:off x="0" y="0"/>
+          <a:ext cx="0" cy="0"/>
+          <a:chOff x="0" y="0"/>
+          <a:chExt cx="0" cy="0"/>
+        </a:xfrm>
+      </p:grpSpPr>
+      <p:sp>
+        <p:nvSpPr>
+          <p:cNvPr id="2" name="TextBox 1">
+            <a:extLst>
+              <a:ext uri="{FF2B5EF4-FFF2-40B4-BE49-F238E27FC236}">
+                <a16:creationId xmlns:a16="http://schemas.microsoft.com/office/drawing/2014/main" id="{D803776E-AEAA-053B-121E-F6C98BEC32E0}"/>
+              </a:ext>
+            </a:extLst>
+          </p:cNvPr>
           <p:cNvSpPr txBox="1"/>
           <p:nvPr/>
         </p:nvSpPr>
         <p:spPr>
           <a:xfrm>
             <a:off x="457200" y="274320"/>
-            <a:ext cx="8229600" cy="731520"/>
+            <a:ext cx="5669694" cy="523220"/>
           </a:xfrm>
           <a:prstGeom prst="rect">
             <a:avLst/>
@@ -3196,7 +3229,7 @@
           <a:noFill/>
         </p:spPr>
         <p:txBody>
-          <a:bodyPr wrap="none">
+          <a:bodyPr wrap="none" lIns="91440" tIns="45720" rIns="91440" bIns="45720" anchor="t">
             <a:spAutoFit/>
           </a:bodyPr>
           <a:lstStyle/>
@@ -3209,14 +3242,33 @@
               </a:defRPr>
             </a:pPr>
             <a:r>
-              <a:t>Analyse Critique - Corrélation Paradoxale</a:t>
-            </a:r>
-          </a:p>
-        </p:txBody>
-      </p:sp>
-      <p:sp>
-        <p:nvSpPr>
-          <p:cNvPr id="3" name="Rectangle 2"/>
+              <a:rPr lang="fr-FR" dirty="0"/>
+              <a:t>Classification – </a:t>
+            </a:r>
+            <a:r>
+              <a:rPr lang="fr-FR" dirty="0" err="1"/>
+              <a:t>Features</a:t>
+            </a:r>
+            <a:r>
+              <a:rPr lang="fr-FR" dirty="0"/>
+              <a:t> importantes</a:t>
+            </a:r>
+            <a:endParaRPr lang="fr-FR" dirty="0">
+              <a:ea typeface="Calibri"/>
+              <a:cs typeface="Calibri"/>
+            </a:endParaRPr>
+          </a:p>
+        </p:txBody>
+      </p:sp>
+      <p:sp>
+        <p:nvSpPr>
+          <p:cNvPr id="3" name="Rectangle 2">
+            <a:extLst>
+              <a:ext uri="{FF2B5EF4-FFF2-40B4-BE49-F238E27FC236}">
+                <a16:creationId xmlns:a16="http://schemas.microsoft.com/office/drawing/2014/main" id="{84090185-3FA0-D9E5-7509-531CFF9D9771}"/>
+              </a:ext>
+            </a:extLst>
+          </p:cNvPr>
           <p:cNvSpPr/>
           <p:nvPr/>
         </p:nvSpPr>
@@ -3254,168 +3306,46 @@
           <a:lstStyle/>
           <a:p>
             <a:pPr algn="ctr"/>
-          </a:p>
-        </p:txBody>
-      </p:sp>
-      <p:sp>
-        <p:nvSpPr>
-          <p:cNvPr id="4" name="TextBox 3"/>
-          <p:cNvSpPr txBox="1"/>
+            <a:endParaRPr/>
+          </a:p>
+        </p:txBody>
+      </p:sp>
+      <p:pic>
+        <p:nvPicPr>
+          <p:cNvPr id="4" name="Image 3" descr="Une image contenant texte, diagramme, capture d’écran, ligne&#10;&#10;Le contenu généré par l’IA peut être incorrect.">
+            <a:extLst>
+              <a:ext uri="{FF2B5EF4-FFF2-40B4-BE49-F238E27FC236}">
+                <a16:creationId xmlns:a16="http://schemas.microsoft.com/office/drawing/2014/main" id="{80877F7D-C1F8-8F96-D85D-E8CC28A54781}"/>
+              </a:ext>
+            </a:extLst>
+          </p:cNvPr>
+          <p:cNvPicPr>
+            <a:picLocks noChangeAspect="1"/>
+          </p:cNvPicPr>
           <p:nvPr/>
-        </p:nvSpPr>
+        </p:nvPicPr>
+        <p:blipFill>
+          <a:blip r:embed="rId2"/>
+          <a:stretch>
+            <a:fillRect/>
+          </a:stretch>
+        </p:blipFill>
         <p:spPr>
           <a:xfrm>
-            <a:off x="457200" y="1188720"/>
-            <a:ext cx="8229600" cy="4572000"/>
+            <a:off x="1490241" y="1186405"/>
+            <a:ext cx="6170754" cy="5288184"/>
           </a:xfrm>
           <a:prstGeom prst="rect">
             <a:avLst/>
           </a:prstGeom>
-          <a:noFill/>
         </p:spPr>
-        <p:txBody>
-          <a:bodyPr wrap="square">
-            <a:spAutoFit/>
-          </a:bodyPr>
-          <a:lstStyle/>
-          <a:p>
-            <a:pPr>
-              <a:spcAft>
-                <a:spcPts val="1200"/>
-              </a:spcAft>
-              <a:defRPr sz="1800">
-                <a:solidFill>
-                  <a:srgbClr val="646464"/>
-                </a:solidFill>
-              </a:defRPr>
-            </a:pPr>
-            <a:r>
-              <a:t>• Plus d'aménagements → plus d'accidents (r = 0.60)</a:t>
-            </a:r>
-          </a:p>
-          <a:p>
-            <a:pPr>
-              <a:spcAft>
-                <a:spcPts val="1200"/>
-              </a:spcAft>
-              <a:defRPr sz="1800">
-                <a:solidFill>
-                  <a:srgbClr val="646464"/>
-                </a:solidFill>
-              </a:defRPr>
-            </a:pPr>
-            <a:r>
-              <a:t>• </a:t>
-            </a:r>
-          </a:p>
-          <a:p>
-            <a:pPr>
-              <a:spcAft>
-                <a:spcPts val="1200"/>
-              </a:spcAft>
-              <a:defRPr sz="1800">
-                <a:solidFill>
-                  <a:srgbClr val="646464"/>
-                </a:solidFill>
-              </a:defRPr>
-            </a:pPr>
-            <a:r>
-              <a:t>• Est-ce que les aménagements sont dangereux ? NON !</a:t>
-            </a:r>
-          </a:p>
-          <a:p>
-            <a:pPr>
-              <a:spcAft>
-                <a:spcPts val="1200"/>
-              </a:spcAft>
-              <a:defRPr sz="1800">
-                <a:solidFill>
-                  <a:srgbClr val="646464"/>
-                </a:solidFill>
-              </a:defRPr>
-            </a:pPr>
-            <a:r>
-              <a:t>• </a:t>
-            </a:r>
-          </a:p>
-          <a:p>
-            <a:pPr>
-              <a:spcAft>
-                <a:spcPts val="1200"/>
-              </a:spcAft>
-              <a:defRPr sz="1800">
-                <a:solidFill>
-                  <a:srgbClr val="646464"/>
-                </a:solidFill>
-              </a:defRPr>
-            </a:pPr>
-            <a:r>
-              <a:t>• Biais de confusion :</a:t>
-            </a:r>
-          </a:p>
-          <a:p>
-            <a:pPr>
-              <a:spcAft>
-                <a:spcPts val="1200"/>
-              </a:spcAft>
-              <a:defRPr sz="1800">
-                <a:solidFill>
-                  <a:srgbClr val="646464"/>
-                </a:solidFill>
-              </a:defRPr>
-            </a:pPr>
-            <a:r>
-              <a:t>•    • Plus d'aménagements → plus de cyclistes</a:t>
-            </a:r>
-          </a:p>
-          <a:p>
-            <a:pPr>
-              <a:spcAft>
-                <a:spcPts val="1200"/>
-              </a:spcAft>
-              <a:defRPr sz="1800">
-                <a:solidFill>
-                  <a:srgbClr val="646464"/>
-                </a:solidFill>
-              </a:defRPr>
-            </a:pPr>
-            <a:r>
-              <a:t>•    • Plus de cyclistes → plus d'accidents (en absolu)</a:t>
-            </a:r>
-          </a:p>
-          <a:p>
-            <a:pPr>
-              <a:spcAft>
-                <a:spcPts val="1200"/>
-              </a:spcAft>
-              <a:defRPr sz="1800">
-                <a:solidFill>
-                  <a:srgbClr val="646464"/>
-                </a:solidFill>
-              </a:defRPr>
-            </a:pPr>
-            <a:r>
-              <a:t>• </a:t>
-            </a:r>
-          </a:p>
-          <a:p>
-            <a:pPr>
-              <a:spcAft>
-                <a:spcPts val="1200"/>
-              </a:spcAft>
-              <a:defRPr sz="1800">
-                <a:solidFill>
-                  <a:srgbClr val="646464"/>
-                </a:solidFill>
-              </a:defRPr>
-            </a:pPr>
-            <a:r>
-              <a:t>• Le modèle apprend cette corrélation, mais elle n'est pas causale</a:t>
-            </a:r>
-          </a:p>
-        </p:txBody>
-      </p:sp>
+      </p:pic>
     </p:spTree>
+    <p:extLst>
+      <p:ext uri="{BB962C8B-B14F-4D97-AF65-F5344CB8AC3E}">
+        <p14:creationId xmlns:p14="http://schemas.microsoft.com/office/powerpoint/2010/main" val="2100272768"/>
+      </p:ext>
+    </p:extLst>
   </p:cSld>
   <p:clrMapOvr>
     <a:masterClrMapping/>
@@ -3424,7 +3354,7 @@
 </file>
 
 <file path=ppt/slides/slide11.xml><?xml version="1.0" encoding="utf-8"?>
-<p:sld xmlns:a="http://schemas.openxmlformats.org/drawingml/2006/main" xmlns:p="http://schemas.openxmlformats.org/presentationml/2006/main" xmlns:r="http://schemas.openxmlformats.org/officeDocument/2006/relationships">
+<p:sld xmlns:a="http://schemas.openxmlformats.org/drawingml/2006/main" xmlns:r="http://schemas.openxmlformats.org/officeDocument/2006/relationships" xmlns:p="http://schemas.openxmlformats.org/presentationml/2006/main">
   <p:cSld>
     <p:spTree>
       <p:nvGrpSpPr>
@@ -3432,7 +3362,14 @@
         <p:cNvGrpSpPr/>
         <p:nvPr/>
       </p:nvGrpSpPr>
-      <p:grpSpPr/>
+      <p:grpSpPr>
+        <a:xfrm>
+          <a:off x="0" y="0"/>
+          <a:ext cx="0" cy="0"/>
+          <a:chOff x="0" y="0"/>
+          <a:chExt cx="0" cy="0"/>
+        </a:xfrm>
+      </p:grpSpPr>
       <p:sp>
         <p:nvSpPr>
           <p:cNvPr id="2" name="TextBox 1"/>
@@ -3463,7 +3400,7 @@
               </a:defRPr>
             </a:pPr>
             <a:r>
-              <a:t>Analyse Critique - Effet Paris et MAPE</a:t>
+              <a:t>Régression - Résultats Initiaux</a:t>
             </a:r>
           </a:p>
         </p:txBody>
@@ -3508,6 +3445,7 @@
           <a:lstStyle/>
           <a:p>
             <a:pPr algn="ctr"/>
+            <a:endParaRPr/>
           </a:p>
         </p:txBody>
       </p:sp>
@@ -3544,7 +3482,7 @@
               </a:defRPr>
             </a:pPr>
             <a:r>
-              <a:t>• Effet Paris :</a:t>
+              <a:t>• Objectif : prédire le nombre exact d'accidents</a:t>
             </a:r>
           </a:p>
           <a:p>
@@ -3559,7 +3497,7 @@
               </a:defRPr>
             </a:pPr>
             <a:r>
-              <a:t>•    • 20 arrondissements = 61% des accidents de l'IDF</a:t>
+              <a:t>• Meilleur : Gradient Boosting (R² = 89.2%)</a:t>
             </a:r>
           </a:p>
           <a:p>
@@ -3574,116 +3512,813 @@
               </a:defRPr>
             </a:pPr>
             <a:r>
-              <a:t>•    • 13 853 accidents sur 22 609</a:t>
-            </a:r>
-          </a:p>
-          <a:p>
-            <a:pPr>
-              <a:spcAft>
-                <a:spcPts val="1200"/>
-              </a:spcAft>
-              <a:defRPr sz="1800">
-                <a:solidFill>
-                  <a:srgbClr val="646464"/>
-                </a:solidFill>
-              </a:defRPr>
-            </a:pPr>
-            <a:r>
-              <a:t>•    • Le modèle apprend surtout à identifier Paris</a:t>
-            </a:r>
-          </a:p>
-          <a:p>
-            <a:pPr>
-              <a:spcAft>
-                <a:spcPts val="1200"/>
-              </a:spcAft>
-              <a:defRPr sz="1800">
-                <a:solidFill>
-                  <a:srgbClr val="646464"/>
-                </a:solidFill>
-              </a:defRPr>
-            </a:pPr>
-            <a:r>
-              <a:t>• </a:t>
-            </a:r>
-          </a:p>
-          <a:p>
-            <a:pPr>
-              <a:spcAft>
-                <a:spcPts val="1200"/>
-              </a:spcAft>
-              <a:defRPr sz="1800">
-                <a:solidFill>
-                  <a:srgbClr val="646464"/>
-                </a:solidFill>
-              </a:defRPr>
-            </a:pPr>
-            <a:r>
-              <a:t>• MAPE élevé :</a:t>
-            </a:r>
-          </a:p>
-          <a:p>
-            <a:pPr>
-              <a:spcAft>
-                <a:spcPts val="1200"/>
-              </a:spcAft>
-              <a:defRPr sz="1800">
-                <a:solidFill>
-                  <a:srgbClr val="646464"/>
-                </a:solidFill>
-              </a:defRPr>
-            </a:pPr>
-            <a:r>
-              <a:t>•    • R² = 89% mais MAPE = 83%</a:t>
-            </a:r>
-          </a:p>
-          <a:p>
-            <a:pPr>
-              <a:spcAft>
-                <a:spcPts val="1200"/>
-              </a:spcAft>
-              <a:defRPr sz="1800">
-                <a:solidFill>
-                  <a:srgbClr val="646464"/>
-                </a:solidFill>
-              </a:defRPr>
-            </a:pPr>
-            <a:r>
-              <a:t>•    • Prédictions imprécises pour les petites communes</a:t>
-            </a:r>
-          </a:p>
-          <a:p>
-            <a:pPr>
-              <a:spcAft>
-                <a:spcPts val="1200"/>
-              </a:spcAft>
-              <a:defRPr sz="1800">
-                <a:solidFill>
-                  <a:srgbClr val="646464"/>
-                </a:solidFill>
-              </a:defRPr>
-            </a:pPr>
-            <a:r>
-              <a:t>• </a:t>
-            </a:r>
-          </a:p>
-          <a:p>
-            <a:pPr>
-              <a:spcAft>
-                <a:spcPts val="1200"/>
-              </a:spcAft>
-              <a:defRPr sz="1800">
-                <a:solidFill>
-                  <a:srgbClr val="646464"/>
-                </a:solidFill>
-              </a:defRPr>
-            </a:pPr>
-            <a:r>
-              <a:t>• Distribution asymétrique : 33.6% des communes sans accident</a:t>
-            </a:r>
-          </a:p>
-        </p:txBody>
-      </p:sp>
+              <a:t>• Résultat apparemment excellent... mais attention !</a:t>
+            </a:r>
+          </a:p>
+        </p:txBody>
+      </p:sp>
+      <p:graphicFrame>
+        <p:nvGraphicFramePr>
+          <p:cNvPr id="5" name="Table 4"/>
+          <p:cNvGraphicFramePr>
+            <a:graphicFrameLocks noGrp="1"/>
+          </p:cNvGraphicFramePr>
+          <p:nvPr>
+            <p:extLst>
+              <p:ext uri="{D42A27DB-BD31-4B8C-83A1-F6EECF244321}">
+                <p14:modId xmlns:p14="http://schemas.microsoft.com/office/powerpoint/2010/main" val="3995086549"/>
+              </p:ext>
+            </p:extLst>
+          </p:nvPr>
+        </p:nvGraphicFramePr>
+        <p:xfrm>
+          <a:off x="457200" y="2695454"/>
+          <a:ext cx="8229600" cy="2926080"/>
+        </p:xfrm>
+        <a:graphic>
+          <a:graphicData uri="http://schemas.openxmlformats.org/drawingml/2006/table">
+            <a:tbl>
+              <a:tblPr firstRow="1" bandRow="1">
+                <a:tableStyleId>{5C22544A-7EE6-4342-B048-85BDC9FD1C3A}</a:tableStyleId>
+              </a:tblPr>
+              <a:tblGrid>
+                <a:gridCol w="2057400">
+                  <a:extLst>
+                    <a:ext uri="{9D8B030D-6E8A-4147-A177-3AD203B41FA5}">
+                      <a16:colId xmlns:a16="http://schemas.microsoft.com/office/drawing/2014/main" val="20000"/>
+                    </a:ext>
+                  </a:extLst>
+                </a:gridCol>
+                <a:gridCol w="2057400">
+                  <a:extLst>
+                    <a:ext uri="{9D8B030D-6E8A-4147-A177-3AD203B41FA5}">
+                      <a16:colId xmlns:a16="http://schemas.microsoft.com/office/drawing/2014/main" val="20001"/>
+                    </a:ext>
+                  </a:extLst>
+                </a:gridCol>
+                <a:gridCol w="2057400">
+                  <a:extLst>
+                    <a:ext uri="{9D8B030D-6E8A-4147-A177-3AD203B41FA5}">
+                      <a16:colId xmlns:a16="http://schemas.microsoft.com/office/drawing/2014/main" val="20002"/>
+                    </a:ext>
+                  </a:extLst>
+                </a:gridCol>
+                <a:gridCol w="2057400">
+                  <a:extLst>
+                    <a:ext uri="{9D8B030D-6E8A-4147-A177-3AD203B41FA5}">
+                      <a16:colId xmlns:a16="http://schemas.microsoft.com/office/drawing/2014/main" val="20003"/>
+                    </a:ext>
+                  </a:extLst>
+                </a:gridCol>
+              </a:tblGrid>
+              <a:tr h="365760">
+                <a:tc>
+                  <a:txBody>
+                    <a:bodyPr/>
+                    <a:lstStyle/>
+                    <a:p>
+                      <a:pPr algn="ctr">
+                        <a:defRPr sz="1400" b="1">
+                          <a:solidFill>
+                            <a:srgbClr val="FFFFFF"/>
+                          </a:solidFill>
+                        </a:defRPr>
+                      </a:pPr>
+                      <a:r>
+                        <a:rPr dirty="0" err="1"/>
+                        <a:t>Modèle</a:t>
+                      </a:r>
+                    </a:p>
+                  </a:txBody>
+                  <a:tcPr>
+                    <a:solidFill>
+                      <a:srgbClr val="003366"/>
+                    </a:solidFill>
+                  </a:tcPr>
+                </a:tc>
+                <a:tc>
+                  <a:txBody>
+                    <a:bodyPr/>
+                    <a:lstStyle/>
+                    <a:p>
+                      <a:pPr algn="ctr">
+                        <a:defRPr sz="1400" b="1">
+                          <a:solidFill>
+                            <a:srgbClr val="FFFFFF"/>
+                          </a:solidFill>
+                        </a:defRPr>
+                      </a:pPr>
+                      <a:r>
+                        <a:rPr dirty="0"/>
+                        <a:t>RMSE</a:t>
+                      </a:r>
+                    </a:p>
+                  </a:txBody>
+                  <a:tcPr>
+                    <a:solidFill>
+                      <a:srgbClr val="003366"/>
+                    </a:solidFill>
+                  </a:tcPr>
+                </a:tc>
+                <a:tc>
+                  <a:txBody>
+                    <a:bodyPr/>
+                    <a:lstStyle/>
+                    <a:p>
+                      <a:pPr algn="ctr">
+                        <a:defRPr sz="1400" b="1">
+                          <a:solidFill>
+                            <a:srgbClr val="FFFFFF"/>
+                          </a:solidFill>
+                        </a:defRPr>
+                      </a:pPr>
+                      <a:r>
+                        <a:rPr dirty="0"/>
+                        <a:t>R²</a:t>
+                      </a:r>
+                    </a:p>
+                  </a:txBody>
+                  <a:tcPr>
+                    <a:solidFill>
+                      <a:srgbClr val="003366"/>
+                    </a:solidFill>
+                  </a:tcPr>
+                </a:tc>
+                <a:tc>
+                  <a:txBody>
+                    <a:bodyPr/>
+                    <a:lstStyle/>
+                    <a:p>
+                      <a:pPr algn="ctr">
+                        <a:defRPr sz="1400" b="1">
+                          <a:solidFill>
+                            <a:srgbClr val="FFFFFF"/>
+                          </a:solidFill>
+                        </a:defRPr>
+                      </a:pPr>
+                      <a:r>
+                        <a:rPr dirty="0"/>
+                        <a:t>CV R²</a:t>
+                      </a:r>
+                    </a:p>
+                  </a:txBody>
+                  <a:tcPr>
+                    <a:solidFill>
+                      <a:srgbClr val="003366"/>
+                    </a:solidFill>
+                  </a:tcPr>
+                </a:tc>
+                <a:extLst>
+                  <a:ext uri="{0D108BD9-81ED-4DB2-BD59-A6C34878D82A}">
+                    <a16:rowId xmlns:a16="http://schemas.microsoft.com/office/drawing/2014/main" val="10000"/>
+                  </a:ext>
+                </a:extLst>
+              </a:tr>
+              <a:tr h="365760">
+                <a:tc>
+                  <a:txBody>
+                    <a:bodyPr/>
+                    <a:lstStyle/>
+                    <a:p>
+                      <a:pPr algn="ctr">
+                        <a:defRPr sz="1400">
+                          <a:solidFill>
+                            <a:srgbClr val="646464"/>
+                          </a:solidFill>
+                        </a:defRPr>
+                      </a:pPr>
+                      <a:r>
+                        <a:rPr dirty="0"/>
+                        <a:t>Gradient Boosting</a:t>
+                      </a:r>
+                    </a:p>
+                  </a:txBody>
+                  <a:tcPr/>
+                </a:tc>
+                <a:tc>
+                  <a:txBody>
+                    <a:bodyPr/>
+                    <a:lstStyle/>
+                    <a:p>
+                      <a:pPr algn="ctr">
+                        <a:defRPr sz="1400">
+                          <a:solidFill>
+                            <a:srgbClr val="646464"/>
+                          </a:solidFill>
+                        </a:defRPr>
+                      </a:pPr>
+                      <a:r>
+                        <a:rPr dirty="0"/>
+                        <a:t>37.06</a:t>
+                      </a:r>
+                    </a:p>
+                  </a:txBody>
+                  <a:tcPr/>
+                </a:tc>
+                <a:tc>
+                  <a:txBody>
+                    <a:bodyPr/>
+                    <a:lstStyle/>
+                    <a:p>
+                      <a:pPr algn="ctr">
+                        <a:defRPr sz="1400">
+                          <a:solidFill>
+                            <a:srgbClr val="646464"/>
+                          </a:solidFill>
+                        </a:defRPr>
+                      </a:pPr>
+                      <a:r>
+                        <a:rPr dirty="0"/>
+                        <a:t>0.892</a:t>
+                      </a:r>
+                    </a:p>
+                  </a:txBody>
+                  <a:tcPr/>
+                </a:tc>
+                <a:tc>
+                  <a:txBody>
+                    <a:bodyPr/>
+                    <a:lstStyle/>
+                    <a:p>
+                      <a:pPr algn="ctr">
+                        <a:defRPr sz="1400">
+                          <a:solidFill>
+                            <a:srgbClr val="646464"/>
+                          </a:solidFill>
+                        </a:defRPr>
+                      </a:pPr>
+                      <a:r>
+                        <a:rPr dirty="0"/>
+                        <a:t>0.897</a:t>
+                      </a:r>
+                    </a:p>
+                  </a:txBody>
+                  <a:tcPr/>
+                </a:tc>
+                <a:extLst>
+                  <a:ext uri="{0D108BD9-81ED-4DB2-BD59-A6C34878D82A}">
+                    <a16:rowId xmlns:a16="http://schemas.microsoft.com/office/drawing/2014/main" val="10001"/>
+                  </a:ext>
+                </a:extLst>
+              </a:tr>
+              <a:tr h="365760">
+                <a:tc>
+                  <a:txBody>
+                    <a:bodyPr/>
+                    <a:lstStyle/>
+                    <a:p>
+                      <a:pPr algn="ctr">
+                        <a:defRPr sz="1400">
+                          <a:solidFill>
+                            <a:srgbClr val="646464"/>
+                          </a:solidFill>
+                        </a:defRPr>
+                      </a:pPr>
+                      <a:r>
+                        <a:rPr dirty="0" err="1"/>
+                        <a:t>XGBoost</a:t>
+                      </a:r>
+                    </a:p>
+                  </a:txBody>
+                  <a:tcPr/>
+                </a:tc>
+                <a:tc>
+                  <a:txBody>
+                    <a:bodyPr/>
+                    <a:lstStyle/>
+                    <a:p>
+                      <a:pPr algn="ctr">
+                        <a:defRPr sz="1400">
+                          <a:solidFill>
+                            <a:srgbClr val="646464"/>
+                          </a:solidFill>
+                        </a:defRPr>
+                      </a:pPr>
+                      <a:r>
+                        <a:rPr dirty="0"/>
+                        <a:t>37.53</a:t>
+                      </a:r>
+                    </a:p>
+                  </a:txBody>
+                  <a:tcPr/>
+                </a:tc>
+                <a:tc>
+                  <a:txBody>
+                    <a:bodyPr/>
+                    <a:lstStyle/>
+                    <a:p>
+                      <a:pPr algn="ctr">
+                        <a:defRPr sz="1400">
+                          <a:solidFill>
+                            <a:srgbClr val="646464"/>
+                          </a:solidFill>
+                        </a:defRPr>
+                      </a:pPr>
+                      <a:r>
+                        <a:rPr dirty="0"/>
+                        <a:t>0.889</a:t>
+                      </a:r>
+                    </a:p>
+                  </a:txBody>
+                  <a:tcPr/>
+                </a:tc>
+                <a:tc>
+                  <a:txBody>
+                    <a:bodyPr/>
+                    <a:lstStyle/>
+                    <a:p>
+                      <a:pPr algn="ctr">
+                        <a:defRPr sz="1400">
+                          <a:solidFill>
+                            <a:srgbClr val="646464"/>
+                          </a:solidFill>
+                        </a:defRPr>
+                      </a:pPr>
+                      <a:r>
+                        <a:rPr dirty="0"/>
+                        <a:t>0.900</a:t>
+                      </a:r>
+                    </a:p>
+                  </a:txBody>
+                  <a:tcPr/>
+                </a:tc>
+                <a:extLst>
+                  <a:ext uri="{0D108BD9-81ED-4DB2-BD59-A6C34878D82A}">
+                    <a16:rowId xmlns:a16="http://schemas.microsoft.com/office/drawing/2014/main" val="10002"/>
+                  </a:ext>
+                </a:extLst>
+              </a:tr>
+              <a:tr h="365760">
+                <a:tc>
+                  <a:txBody>
+                    <a:bodyPr/>
+                    <a:lstStyle/>
+                    <a:p>
+                      <a:pPr algn="ctr">
+                        <a:defRPr sz="1400">
+                          <a:solidFill>
+                            <a:srgbClr val="646464"/>
+                          </a:solidFill>
+                        </a:defRPr>
+                      </a:pPr>
+                      <a:r>
+                        <a:rPr dirty="0"/>
+                        <a:t>Random Forest</a:t>
+                      </a:r>
+                    </a:p>
+                  </a:txBody>
+                  <a:tcPr/>
+                </a:tc>
+                <a:tc>
+                  <a:txBody>
+                    <a:bodyPr/>
+                    <a:lstStyle/>
+                    <a:p>
+                      <a:pPr algn="ctr">
+                        <a:defRPr sz="1400">
+                          <a:solidFill>
+                            <a:srgbClr val="646464"/>
+                          </a:solidFill>
+                        </a:defRPr>
+                      </a:pPr>
+                      <a:r>
+                        <a:rPr dirty="0"/>
+                        <a:t>37.80</a:t>
+                      </a:r>
+                    </a:p>
+                  </a:txBody>
+                  <a:tcPr/>
+                </a:tc>
+                <a:tc>
+                  <a:txBody>
+                    <a:bodyPr/>
+                    <a:lstStyle/>
+                    <a:p>
+                      <a:pPr algn="ctr">
+                        <a:defRPr sz="1400">
+                          <a:solidFill>
+                            <a:srgbClr val="646464"/>
+                          </a:solidFill>
+                        </a:defRPr>
+                      </a:pPr>
+                      <a:r>
+                        <a:rPr dirty="0"/>
+                        <a:t>0.888</a:t>
+                      </a:r>
+                    </a:p>
+                  </a:txBody>
+                  <a:tcPr/>
+                </a:tc>
+                <a:tc>
+                  <a:txBody>
+                    <a:bodyPr/>
+                    <a:lstStyle/>
+                    <a:p>
+                      <a:pPr algn="ctr">
+                        <a:defRPr sz="1400">
+                          <a:solidFill>
+                            <a:srgbClr val="646464"/>
+                          </a:solidFill>
+                        </a:defRPr>
+                      </a:pPr>
+                      <a:r>
+                        <a:rPr dirty="0"/>
+                        <a:t>0.886</a:t>
+                      </a:r>
+                    </a:p>
+                  </a:txBody>
+                  <a:tcPr/>
+                </a:tc>
+                <a:extLst>
+                  <a:ext uri="{0D108BD9-81ED-4DB2-BD59-A6C34878D82A}">
+                    <a16:rowId xmlns:a16="http://schemas.microsoft.com/office/drawing/2014/main" val="10003"/>
+                  </a:ext>
+                </a:extLst>
+              </a:tr>
+              <a:tr h="365760">
+                <a:tc>
+                  <a:txBody>
+                    <a:bodyPr/>
+                    <a:lstStyle/>
+                    <a:p>
+                      <a:pPr algn="ctr">
+                        <a:defRPr sz="1400">
+                          <a:solidFill>
+                            <a:srgbClr val="646464"/>
+                          </a:solidFill>
+                        </a:defRPr>
+                      </a:pPr>
+                      <a:r>
+                        <a:rPr dirty="0" err="1"/>
+                        <a:t>Régression</a:t>
+                      </a:r>
+                      <a:r>
+                        <a:rPr dirty="0"/>
+                        <a:t> </a:t>
+                      </a:r>
+                      <a:r>
+                        <a:rPr dirty="0" err="1"/>
+                        <a:t>Linéaire</a:t>
+                      </a:r>
+                    </a:p>
+                  </a:txBody>
+                  <a:tcPr/>
+                </a:tc>
+                <a:tc>
+                  <a:txBody>
+                    <a:bodyPr/>
+                    <a:lstStyle/>
+                    <a:p>
+                      <a:pPr algn="ctr">
+                        <a:defRPr sz="1400">
+                          <a:solidFill>
+                            <a:srgbClr val="646464"/>
+                          </a:solidFill>
+                        </a:defRPr>
+                      </a:pPr>
+                      <a:r>
+                        <a:rPr dirty="0"/>
+                        <a:t>42.89</a:t>
+                      </a:r>
+                    </a:p>
+                  </a:txBody>
+                  <a:tcPr/>
+                </a:tc>
+                <a:tc>
+                  <a:txBody>
+                    <a:bodyPr/>
+                    <a:lstStyle/>
+                    <a:p>
+                      <a:pPr algn="ctr">
+                        <a:defRPr sz="1400">
+                          <a:solidFill>
+                            <a:srgbClr val="646464"/>
+                          </a:solidFill>
+                        </a:defRPr>
+                      </a:pPr>
+                      <a:r>
+                        <a:rPr dirty="0"/>
+                        <a:t>0.856</a:t>
+                      </a:r>
+                    </a:p>
+                  </a:txBody>
+                  <a:tcPr/>
+                </a:tc>
+                <a:tc>
+                  <a:txBody>
+                    <a:bodyPr/>
+                    <a:lstStyle/>
+                    <a:p>
+                      <a:pPr algn="ctr">
+                        <a:defRPr sz="1400">
+                          <a:solidFill>
+                            <a:srgbClr val="646464"/>
+                          </a:solidFill>
+                        </a:defRPr>
+                      </a:pPr>
+                      <a:r>
+                        <a:rPr dirty="0"/>
+                        <a:t>0.855</a:t>
+                      </a:r>
+                    </a:p>
+                  </a:txBody>
+                  <a:tcPr/>
+                </a:tc>
+                <a:extLst>
+                  <a:ext uri="{0D108BD9-81ED-4DB2-BD59-A6C34878D82A}">
+                    <a16:rowId xmlns:a16="http://schemas.microsoft.com/office/drawing/2014/main" val="10004"/>
+                  </a:ext>
+                </a:extLst>
+              </a:tr>
+              <a:tr h="365760">
+                <a:tc>
+                  <a:txBody>
+                    <a:bodyPr/>
+                    <a:lstStyle/>
+                    <a:p>
+                      <a:pPr lvl="0" algn="ctr">
+                        <a:buNone/>
+                        <a:defRPr sz="1400">
+                          <a:solidFill>
+                            <a:srgbClr val="646464"/>
+                          </a:solidFill>
+                        </a:defRPr>
+                      </a:pPr>
+                      <a:r>
+                        <a:rPr lang="fr-FR" dirty="0"/>
+                        <a:t>Ridge</a:t>
+                      </a:r>
+                      <a:endParaRPr dirty="0"/>
+                    </a:p>
+                  </a:txBody>
+                  <a:tcPr/>
+                </a:tc>
+                <a:tc>
+                  <a:txBody>
+                    <a:bodyPr/>
+                    <a:lstStyle/>
+                    <a:p>
+                      <a:pPr lvl="0" algn="ctr">
+                        <a:buNone/>
+                        <a:defRPr sz="1400">
+                          <a:solidFill>
+                            <a:srgbClr val="646464"/>
+                          </a:solidFill>
+                        </a:defRPr>
+                      </a:pPr>
+                      <a:r>
+                        <a:rPr lang="fr-FR" dirty="0"/>
+                        <a:t>43.23</a:t>
+                      </a:r>
+                      <a:endParaRPr dirty="0"/>
+                    </a:p>
+                  </a:txBody>
+                  <a:tcPr/>
+                </a:tc>
+                <a:tc>
+                  <a:txBody>
+                    <a:bodyPr/>
+                    <a:lstStyle/>
+                    <a:p>
+                      <a:pPr lvl="0" algn="ctr">
+                        <a:buNone/>
+                        <a:defRPr sz="1400">
+                          <a:solidFill>
+                            <a:srgbClr val="646464"/>
+                          </a:solidFill>
+                        </a:defRPr>
+                      </a:pPr>
+                      <a:r>
+                        <a:rPr lang="fr-FR" dirty="0"/>
+                        <a:t>0.853</a:t>
+                      </a:r>
+                      <a:endParaRPr dirty="0"/>
+                    </a:p>
+                  </a:txBody>
+                  <a:tcPr/>
+                </a:tc>
+                <a:tc>
+                  <a:txBody>
+                    <a:bodyPr/>
+                    <a:lstStyle/>
+                    <a:p>
+                      <a:pPr lvl="0" algn="ctr">
+                        <a:buNone/>
+                        <a:defRPr sz="1400">
+                          <a:solidFill>
+                            <a:srgbClr val="646464"/>
+                          </a:solidFill>
+                        </a:defRPr>
+                      </a:pPr>
+                      <a:r>
+                        <a:rPr lang="fr-FR" dirty="0"/>
+                        <a:t>0.857</a:t>
+                      </a:r>
+                      <a:endParaRPr dirty="0"/>
+                    </a:p>
+                  </a:txBody>
+                  <a:tcPr/>
+                </a:tc>
+                <a:extLst>
+                  <a:ext uri="{0D108BD9-81ED-4DB2-BD59-A6C34878D82A}">
+                    <a16:rowId xmlns:a16="http://schemas.microsoft.com/office/drawing/2014/main" val="507570065"/>
+                  </a:ext>
+                </a:extLst>
+              </a:tr>
+              <a:tr h="365760">
+                <a:tc>
+                  <a:txBody>
+                    <a:bodyPr/>
+                    <a:lstStyle/>
+                    <a:p>
+                      <a:pPr lvl="0" algn="ctr">
+                        <a:buNone/>
+                        <a:defRPr sz="1400">
+                          <a:solidFill>
+                            <a:srgbClr val="646464"/>
+                          </a:solidFill>
+                        </a:defRPr>
+                      </a:pPr>
+                      <a:r>
+                        <a:rPr lang="fr-FR" dirty="0"/>
+                        <a:t>Lasso</a:t>
+                      </a:r>
+                      <a:endParaRPr dirty="0"/>
+                    </a:p>
+                  </a:txBody>
+                  <a:tcPr/>
+                </a:tc>
+                <a:tc>
+                  <a:txBody>
+                    <a:bodyPr/>
+                    <a:lstStyle/>
+                    <a:p>
+                      <a:pPr lvl="0" algn="ctr">
+                        <a:buNone/>
+                        <a:defRPr sz="1400">
+                          <a:solidFill>
+                            <a:srgbClr val="646464"/>
+                          </a:solidFill>
+                        </a:defRPr>
+                      </a:pPr>
+                      <a:r>
+                        <a:rPr lang="fr-FR" dirty="0"/>
+                        <a:t>43.87</a:t>
+                      </a:r>
+                      <a:endParaRPr dirty="0"/>
+                    </a:p>
+                  </a:txBody>
+                  <a:tcPr/>
+                </a:tc>
+                <a:tc>
+                  <a:txBody>
+                    <a:bodyPr/>
+                    <a:lstStyle/>
+                    <a:p>
+                      <a:pPr lvl="0" algn="ctr">
+                        <a:buNone/>
+                        <a:defRPr sz="1400">
+                          <a:solidFill>
+                            <a:srgbClr val="646464"/>
+                          </a:solidFill>
+                        </a:defRPr>
+                      </a:pPr>
+                      <a:r>
+                        <a:rPr lang="fr-FR" dirty="0"/>
+                        <a:t>0.849</a:t>
+                      </a:r>
+                      <a:endParaRPr dirty="0"/>
+                    </a:p>
+                  </a:txBody>
+                  <a:tcPr/>
+                </a:tc>
+                <a:tc>
+                  <a:txBody>
+                    <a:bodyPr/>
+                    <a:lstStyle/>
+                    <a:p>
+                      <a:pPr lvl="0" algn="ctr">
+                        <a:buNone/>
+                        <a:defRPr sz="1400">
+                          <a:solidFill>
+                            <a:srgbClr val="646464"/>
+                          </a:solidFill>
+                        </a:defRPr>
+                      </a:pPr>
+                      <a:r>
+                        <a:rPr lang="fr-FR" dirty="0"/>
+                        <a:t>0.856</a:t>
+                      </a:r>
+                      <a:endParaRPr dirty="0"/>
+                    </a:p>
+                  </a:txBody>
+                  <a:tcPr/>
+                </a:tc>
+                <a:extLst>
+                  <a:ext uri="{0D108BD9-81ED-4DB2-BD59-A6C34878D82A}">
+                    <a16:rowId xmlns:a16="http://schemas.microsoft.com/office/drawing/2014/main" val="257398421"/>
+                  </a:ext>
+                </a:extLst>
+              </a:tr>
+              <a:tr h="365760">
+                <a:tc>
+                  <a:txBody>
+                    <a:bodyPr/>
+                    <a:lstStyle/>
+                    <a:p>
+                      <a:pPr lvl="0" algn="ctr">
+                        <a:buNone/>
+                        <a:defRPr sz="1400">
+                          <a:solidFill>
+                            <a:srgbClr val="646464"/>
+                          </a:solidFill>
+                        </a:defRPr>
+                      </a:pPr>
+                      <a:r>
+                        <a:rPr lang="fr-FR" dirty="0" err="1"/>
+                        <a:t>LightGBM</a:t>
+                      </a:r>
+                      <a:endParaRPr dirty="0" err="1"/>
+                    </a:p>
+                  </a:txBody>
+                  <a:tcPr/>
+                </a:tc>
+                <a:tc>
+                  <a:txBody>
+                    <a:bodyPr/>
+                    <a:lstStyle/>
+                    <a:p>
+                      <a:pPr lvl="0" algn="ctr">
+                        <a:buNone/>
+                        <a:defRPr sz="1400">
+                          <a:solidFill>
+                            <a:srgbClr val="646464"/>
+                          </a:solidFill>
+                        </a:defRPr>
+                      </a:pPr>
+                      <a:r>
+                        <a:rPr lang="fr-FR" dirty="0"/>
+                        <a:t>45.41</a:t>
+                      </a:r>
+                      <a:endParaRPr dirty="0"/>
+                    </a:p>
+                  </a:txBody>
+                  <a:tcPr/>
+                </a:tc>
+                <a:tc>
+                  <a:txBody>
+                    <a:bodyPr/>
+                    <a:lstStyle/>
+                    <a:p>
+                      <a:pPr lvl="0" algn="ctr">
+                        <a:buNone/>
+                        <a:defRPr sz="1400">
+                          <a:solidFill>
+                            <a:srgbClr val="646464"/>
+                          </a:solidFill>
+                        </a:defRPr>
+                      </a:pPr>
+                      <a:r>
+                        <a:rPr lang="fr-FR" dirty="0"/>
+                        <a:t>0.838</a:t>
+                      </a:r>
+                      <a:endParaRPr dirty="0"/>
+                    </a:p>
+                  </a:txBody>
+                  <a:tcPr/>
+                </a:tc>
+                <a:tc>
+                  <a:txBody>
+                    <a:bodyPr/>
+                    <a:lstStyle/>
+                    <a:p>
+                      <a:pPr lvl="0" algn="ctr">
+                        <a:buNone/>
+                        <a:defRPr sz="1400">
+                          <a:solidFill>
+                            <a:srgbClr val="646464"/>
+                          </a:solidFill>
+                        </a:defRPr>
+                      </a:pPr>
+                      <a:r>
+                        <a:rPr lang="fr-FR" dirty="0"/>
+                        <a:t>0.825</a:t>
+                      </a:r>
+                      <a:endParaRPr dirty="0"/>
+                    </a:p>
+                  </a:txBody>
+                  <a:tcPr/>
+                </a:tc>
+                <a:extLst>
+                  <a:ext uri="{0D108BD9-81ED-4DB2-BD59-A6C34878D82A}">
+                    <a16:rowId xmlns:a16="http://schemas.microsoft.com/office/drawing/2014/main" val="2524180920"/>
+                  </a:ext>
+                </a:extLst>
+              </a:tr>
+            </a:tbl>
+          </a:graphicData>
+        </a:graphic>
+      </p:graphicFrame>
     </p:spTree>
   </p:cSld>
   <p:clrMapOvr>
@@ -3693,25 +4328,44 @@
 </file>
 
 <file path=ppt/slides/slide12.xml><?xml version="1.0" encoding="utf-8"?>
-<p:sld xmlns:a="http://schemas.openxmlformats.org/drawingml/2006/main" xmlns:p="http://schemas.openxmlformats.org/presentationml/2006/main" xmlns:r="http://schemas.openxmlformats.org/officeDocument/2006/relationships">
+<p:sld xmlns:a="http://schemas.openxmlformats.org/drawingml/2006/main" xmlns:r="http://schemas.openxmlformats.org/officeDocument/2006/relationships" xmlns:p="http://schemas.openxmlformats.org/presentationml/2006/main">
   <p:cSld>
     <p:spTree>
       <p:nvGrpSpPr>
-        <p:cNvPr id="1" name=""/>
+        <p:cNvPr id="1" name="">
+          <a:extLst>
+            <a:ext uri="{FF2B5EF4-FFF2-40B4-BE49-F238E27FC236}">
+              <a16:creationId xmlns:a16="http://schemas.microsoft.com/office/drawing/2014/main" id="{C11870BF-AAC0-F9AC-1C72-AEB2541CFA2F}"/>
+            </a:ext>
+          </a:extLst>
+        </p:cNvPr>
         <p:cNvGrpSpPr/>
         <p:nvPr/>
       </p:nvGrpSpPr>
-      <p:grpSpPr/>
-      <p:sp>
-        <p:nvSpPr>
-          <p:cNvPr id="2" name="TextBox 1"/>
+      <p:grpSpPr>
+        <a:xfrm>
+          <a:off x="0" y="0"/>
+          <a:ext cx="0" cy="0"/>
+          <a:chOff x="0" y="0"/>
+          <a:chExt cx="0" cy="0"/>
+        </a:xfrm>
+      </p:grpSpPr>
+      <p:sp>
+        <p:nvSpPr>
+          <p:cNvPr id="2" name="TextBox 1">
+            <a:extLst>
+              <a:ext uri="{FF2B5EF4-FFF2-40B4-BE49-F238E27FC236}">
+                <a16:creationId xmlns:a16="http://schemas.microsoft.com/office/drawing/2014/main" id="{C2CA2546-80CA-2869-860D-DC2645A382A0}"/>
+              </a:ext>
+            </a:extLst>
+          </p:cNvPr>
           <p:cNvSpPr txBox="1"/>
           <p:nvPr/>
         </p:nvSpPr>
         <p:spPr>
           <a:xfrm>
             <a:off x="457200" y="274320"/>
-            <a:ext cx="8229600" cy="731520"/>
+            <a:ext cx="4100161" cy="523220"/>
           </a:xfrm>
           <a:prstGeom prst="rect">
             <a:avLst/>
@@ -3719,7 +4373,7 @@
           <a:noFill/>
         </p:spPr>
         <p:txBody>
-          <a:bodyPr wrap="none">
+          <a:bodyPr wrap="none" lIns="91440" tIns="45720" rIns="91440" bIns="45720" anchor="t">
             <a:spAutoFit/>
           </a:bodyPr>
           <a:lstStyle/>
@@ -3732,14 +4386,29 @@
               </a:defRPr>
             </a:pPr>
             <a:r>
-              <a:t>Prédictions vs Valeurs Réelles</a:t>
-            </a:r>
-          </a:p>
-        </p:txBody>
-      </p:sp>
-      <p:sp>
-        <p:nvSpPr>
-          <p:cNvPr id="3" name="Rectangle 2"/>
+              <a:rPr dirty="0"/>
+              <a:t>Régression - </a:t>
+            </a:r>
+            <a:r>
+              <a:rPr lang="fr-FR" dirty="0"/>
+              <a:t> Corrélations</a:t>
+            </a:r>
+            <a:endParaRPr lang="fr-FR" dirty="0">
+              <a:ea typeface="Calibri"/>
+              <a:cs typeface="Calibri"/>
+            </a:endParaRPr>
+          </a:p>
+        </p:txBody>
+      </p:sp>
+      <p:sp>
+        <p:nvSpPr>
+          <p:cNvPr id="3" name="Rectangle 2">
+            <a:extLst>
+              <a:ext uri="{FF2B5EF4-FFF2-40B4-BE49-F238E27FC236}">
+                <a16:creationId xmlns:a16="http://schemas.microsoft.com/office/drawing/2014/main" id="{D7979FEA-7B37-E238-3524-807CF82AAC56}"/>
+              </a:ext>
+            </a:extLst>
+          </p:cNvPr>
           <p:cNvSpPr/>
           <p:nvPr/>
         </p:nvSpPr>
@@ -3777,12 +4446,19 @@
           <a:lstStyle/>
           <a:p>
             <a:pPr algn="ctr"/>
+            <a:endParaRPr/>
           </a:p>
         </p:txBody>
       </p:sp>
       <p:pic>
         <p:nvPicPr>
-          <p:cNvPr id="4" name="Picture 3" descr="predictions_vs_reel.png"/>
+          <p:cNvPr id="6" name="Image 5" descr="Une image contenant texte, capture d’écran, diagramme, ligne&#10;&#10;Le contenu généré par l’IA peut être incorrect.">
+            <a:extLst>
+              <a:ext uri="{FF2B5EF4-FFF2-40B4-BE49-F238E27FC236}">
+                <a16:creationId xmlns:a16="http://schemas.microsoft.com/office/drawing/2014/main" id="{3A5E7733-CEF4-B0B9-C13F-CE6A854A02A4}"/>
+              </a:ext>
+            </a:extLst>
+          </p:cNvPr>
           <p:cNvPicPr>
             <a:picLocks noChangeAspect="1"/>
           </p:cNvPicPr>
@@ -3796,32 +4472,8 @@
         </p:blipFill>
         <p:spPr>
           <a:xfrm>
-            <a:off x="274320" y="1280160"/>
-            <a:ext cx="4297680" cy="3683726"/>
-          </a:xfrm>
-          <a:prstGeom prst="rect">
-            <a:avLst/>
-          </a:prstGeom>
-        </p:spPr>
-      </p:pic>
-      <p:pic>
-        <p:nvPicPr>
-          <p:cNvPr id="5" name="Picture 4" descr="predictions_vs_reel_zoom.png"/>
-          <p:cNvPicPr>
-            <a:picLocks noChangeAspect="1"/>
-          </p:cNvPicPr>
-          <p:nvPr/>
-        </p:nvPicPr>
-        <p:blipFill>
-          <a:blip r:embed="rId3"/>
-          <a:stretch>
-            <a:fillRect/>
-          </a:stretch>
-        </p:blipFill>
-        <p:spPr>
-          <a:xfrm>
-            <a:off x="4663440" y="1280160"/>
-            <a:ext cx="4297680" cy="3683726"/>
+            <a:off x="1177501" y="1217312"/>
+            <a:ext cx="6788997" cy="5435444"/>
           </a:xfrm>
           <a:prstGeom prst="rect">
             <a:avLst/>
@@ -3829,6 +4481,11 @@
         </p:spPr>
       </p:pic>
     </p:spTree>
+    <p:extLst>
+      <p:ext uri="{BB962C8B-B14F-4D97-AF65-F5344CB8AC3E}">
+        <p14:creationId xmlns:p14="http://schemas.microsoft.com/office/powerpoint/2010/main" val="3476038495"/>
+      </p:ext>
+    </p:extLst>
   </p:cSld>
   <p:clrMapOvr>
     <a:masterClrMapping/>
@@ -3837,7 +4494,7 @@
 </file>
 
 <file path=ppt/slides/slide13.xml><?xml version="1.0" encoding="utf-8"?>
-<p:sld xmlns:a="http://schemas.openxmlformats.org/drawingml/2006/main" xmlns:p="http://schemas.openxmlformats.org/presentationml/2006/main" xmlns:r="http://schemas.openxmlformats.org/officeDocument/2006/relationships">
+<p:sld xmlns:a="http://schemas.openxmlformats.org/drawingml/2006/main" xmlns:r="http://schemas.openxmlformats.org/officeDocument/2006/relationships" xmlns:p="http://schemas.openxmlformats.org/presentationml/2006/main">
   <p:cSld>
     <p:spTree>
       <p:nvGrpSpPr>
@@ -3845,7 +4502,14 @@
         <p:cNvGrpSpPr/>
         <p:nvPr/>
       </p:nvGrpSpPr>
-      <p:grpSpPr/>
+      <p:grpSpPr>
+        <a:xfrm>
+          <a:off x="0" y="0"/>
+          <a:ext cx="0" cy="0"/>
+          <a:chOff x="0" y="0"/>
+          <a:chExt cx="0" cy="0"/>
+        </a:xfrm>
+      </p:grpSpPr>
       <p:sp>
         <p:nvSpPr>
           <p:cNvPr id="2" name="TextBox 1"/>
@@ -3876,7 +4540,7 @@
               </a:defRPr>
             </a:pPr>
             <a:r>
-              <a:t>Solution - Taux de Risque Normalisés</a:t>
+              <a:t>Analyse Critique - Corrélation Paradoxale</a:t>
             </a:r>
           </a:p>
         </p:txBody>
@@ -3921,6 +4585,7 @@
           <a:lstStyle/>
           <a:p>
             <a:pPr algn="ctr"/>
+            <a:endParaRPr/>
           </a:p>
         </p:txBody>
       </p:sp>
@@ -3933,7 +4598,7 @@
         <p:spPr>
           <a:xfrm>
             <a:off x="457200" y="1188720"/>
-            <a:ext cx="8229600" cy="4572000"/>
+            <a:ext cx="8229600" cy="3816429"/>
           </a:xfrm>
           <a:prstGeom prst="rect">
             <a:avLst/>
@@ -3941,7 +4606,7 @@
           <a:noFill/>
         </p:spPr>
         <p:txBody>
-          <a:bodyPr wrap="square">
+          <a:bodyPr wrap="square" lIns="91440" tIns="45720" rIns="91440" bIns="45720" anchor="t">
             <a:spAutoFit/>
           </a:bodyPr>
           <a:lstStyle/>
@@ -3957,7 +4622,24 @@
               </a:defRPr>
             </a:pPr>
             <a:r>
-              <a:t>• Intégration des données de population INSEE</a:t>
+              <a:rPr dirty="0"/>
+              <a:t>• Plus </a:t>
+            </a:r>
+            <a:r>
+              <a:rPr dirty="0" err="1"/>
+              <a:t>d'aménagements</a:t>
+            </a:r>
+            <a:r>
+              <a:rPr dirty="0"/>
+              <a:t> → plus </a:t>
+            </a:r>
+            <a:r>
+              <a:rPr dirty="0" err="1"/>
+              <a:t>d'accidents</a:t>
+            </a:r>
+            <a:r>
+              <a:rPr dirty="0"/>
+              <a:t> (r = 0.60)</a:t>
             </a:r>
           </a:p>
           <a:p>
@@ -3971,9 +4653,10 @@
                 </a:solidFill>
               </a:defRPr>
             </a:pPr>
-            <a:r>
-              <a:t>• </a:t>
-            </a:r>
+            <a:endParaRPr dirty="0">
+              <a:ea typeface="Calibri"/>
+              <a:cs typeface="Calibri"/>
+            </a:endParaRPr>
           </a:p>
           <a:p>
             <a:pPr>
@@ -3987,8 +4670,53 @@
               </a:defRPr>
             </a:pPr>
             <a:r>
-              <a:t>• Deux nouvelles métriques :</a:t>
-            </a:r>
+              <a:rPr dirty="0"/>
+              <a:t>• Est-</a:t>
+            </a:r>
+            <a:r>
+              <a:rPr dirty="0" err="1"/>
+              <a:t>ce</a:t>
+            </a:r>
+            <a:r>
+              <a:rPr dirty="0"/>
+              <a:t> </a:t>
+            </a:r>
+            <a:r>
+              <a:rPr dirty="0" err="1"/>
+              <a:t>que</a:t>
+            </a:r>
+            <a:r>
+              <a:rPr dirty="0"/>
+              <a:t> les </a:t>
+            </a:r>
+            <a:r>
+              <a:rPr dirty="0" err="1"/>
+              <a:t>aménagements</a:t>
+            </a:r>
+            <a:r>
+              <a:rPr dirty="0"/>
+              <a:t> </a:t>
+            </a:r>
+            <a:r>
+              <a:rPr dirty="0" err="1"/>
+              <a:t>sont</a:t>
+            </a:r>
+            <a:r>
+              <a:rPr dirty="0"/>
+              <a:t> </a:t>
+            </a:r>
+            <a:r>
+              <a:rPr dirty="0" err="1"/>
+              <a:t>dangereux</a:t>
+            </a:r>
+            <a:r>
+              <a:rPr dirty="0"/>
+              <a:t> ? NON !</a:t>
+            </a:r>
+            <a:endParaRPr dirty="0">
+              <a:ea typeface="Calibri"/>
+              <a:cs typeface="Calibri"/>
+            </a:endParaRPr>
           </a:p>
           <a:p>
             <a:pPr>
@@ -4001,9 +4729,10 @@
                 </a:solidFill>
               </a:defRPr>
             </a:pPr>
-            <a:r>
-              <a:t>• </a:t>
-            </a:r>
+            <a:endParaRPr dirty="0">
+              <a:ea typeface="Calibri"/>
+              <a:cs typeface="Calibri"/>
+            </a:endParaRPr>
           </a:p>
           <a:p>
             <a:pPr>
@@ -4017,8 +4746,21 @@
               </a:defRPr>
             </a:pPr>
             <a:r>
-              <a:t>•    Taux par km = Accidents / Longueur aménagements (km)</a:t>
-            </a:r>
+              <a:rPr dirty="0"/>
+              <a:t>• </a:t>
+            </a:r>
+            <a:r>
+              <a:rPr dirty="0" err="1"/>
+              <a:t>Biais</a:t>
+            </a:r>
+            <a:r>
+              <a:rPr dirty="0"/>
+              <a:t> de confusion :</a:t>
+            </a:r>
+            <a:endParaRPr dirty="0">
+              <a:ea typeface="Calibri"/>
+              <a:cs typeface="Calibri"/>
+            </a:endParaRPr>
           </a:p>
           <a:p>
             <a:pPr>
@@ -4032,8 +4774,33 @@
               </a:defRPr>
             </a:pPr>
             <a:r>
-              <a:t>•    → Compare indépendamment du niveau d'équipement</a:t>
-            </a:r>
+              <a:rPr dirty="0"/>
+              <a:t>• </a:t>
+            </a:r>
+            <a:r>
+              <a:rPr lang="fr-FR" dirty="0"/>
+              <a:t>- </a:t>
+            </a:r>
+            <a:r>
+              <a:rPr dirty="0"/>
+              <a:t>Plus </a:t>
+            </a:r>
+            <a:r>
+              <a:rPr dirty="0" err="1"/>
+              <a:t>d'aménagements</a:t>
+            </a:r>
+            <a:r>
+              <a:rPr dirty="0"/>
+              <a:t> → plus de </a:t>
+            </a:r>
+            <a:r>
+              <a:rPr dirty="0" err="1"/>
+              <a:t>cyclistes</a:t>
+            </a:r>
+            <a:endParaRPr dirty="0" err="1">
+              <a:ea typeface="Calibri"/>
+              <a:cs typeface="Calibri"/>
+            </a:endParaRPr>
           </a:p>
           <a:p>
             <a:pPr>
@@ -4047,8 +4814,53 @@
               </a:defRPr>
             </a:pPr>
             <a:r>
+              <a:rPr dirty="0"/>
               <a:t>• </a:t>
             </a:r>
+            <a:r>
+              <a:rPr lang="fr-FR" dirty="0"/>
+              <a:t>- </a:t>
+            </a:r>
+            <a:r>
+              <a:rPr dirty="0"/>
+              <a:t>Plus de </a:t>
+            </a:r>
+            <a:r>
+              <a:rPr dirty="0" err="1"/>
+              <a:t>cyclistes</a:t>
+            </a:r>
+            <a:r>
+              <a:rPr dirty="0"/>
+              <a:t> → plus </a:t>
+            </a:r>
+            <a:r>
+              <a:rPr dirty="0" err="1"/>
+              <a:t>d'accidents</a:t>
+            </a:r>
+            <a:r>
+              <a:rPr dirty="0"/>
+              <a:t> (</a:t>
+            </a:r>
+            <a:r>
+              <a:rPr dirty="0" err="1"/>
+              <a:t>en</a:t>
+            </a:r>
+            <a:r>
+              <a:rPr dirty="0"/>
+              <a:t> </a:t>
+            </a:r>
+            <a:r>
+              <a:rPr dirty="0" err="1"/>
+              <a:t>absolu</a:t>
+            </a:r>
+            <a:r>
+              <a:rPr dirty="0"/>
+              <a:t>)</a:t>
+            </a:r>
+            <a:endParaRPr dirty="0">
+              <a:ea typeface="Calibri"/>
+              <a:cs typeface="Calibri"/>
+            </a:endParaRPr>
           </a:p>
           <a:p>
             <a:pPr>
@@ -4061,9 +4873,10 @@
                 </a:solidFill>
               </a:defRPr>
             </a:pPr>
-            <a:r>
-              <a:t>•    Taux pour 10k hab = (Accidents / Population) × 10 000</a:t>
-            </a:r>
+            <a:endParaRPr dirty="0">
+              <a:ea typeface="Calibri"/>
+              <a:cs typeface="Calibri"/>
+            </a:endParaRPr>
           </a:p>
           <a:p>
             <a:pPr>
@@ -4077,38 +4890,73 @@
               </a:defRPr>
             </a:pPr>
             <a:r>
-              <a:t>•    → Métrique classique en épidémiologie</a:t>
-            </a:r>
-          </a:p>
-          <a:p>
-            <a:pPr>
-              <a:spcAft>
-                <a:spcPts val="1200"/>
-              </a:spcAft>
-              <a:defRPr sz="1800">
-                <a:solidFill>
-                  <a:srgbClr val="646464"/>
-                </a:solidFill>
-              </a:defRPr>
-            </a:pPr>
-            <a:r>
-              <a:t>• </a:t>
-            </a:r>
-          </a:p>
-          <a:p>
-            <a:pPr>
-              <a:spcAft>
-                <a:spcPts val="1200"/>
-              </a:spcAft>
-              <a:defRPr sz="1800">
-                <a:solidFill>
-                  <a:srgbClr val="646464"/>
-                </a:solidFill>
-              </a:defRPr>
-            </a:pPr>
-            <a:r>
-              <a:t>• Objectif : éliminer l'effet de taille</a:t>
-            </a:r>
+              <a:rPr dirty="0"/>
+              <a:t>• Le </a:t>
+            </a:r>
+            <a:r>
+              <a:rPr dirty="0" err="1"/>
+              <a:t>modèle</a:t>
+            </a:r>
+            <a:r>
+              <a:rPr dirty="0"/>
+              <a:t> </a:t>
+            </a:r>
+            <a:r>
+              <a:rPr dirty="0" err="1"/>
+              <a:t>apprend</a:t>
+            </a:r>
+            <a:r>
+              <a:rPr dirty="0"/>
+              <a:t> </a:t>
+            </a:r>
+            <a:r>
+              <a:rPr dirty="0" err="1"/>
+              <a:t>cette</a:t>
+            </a:r>
+            <a:r>
+              <a:rPr dirty="0"/>
+              <a:t> </a:t>
+            </a:r>
+            <a:r>
+              <a:rPr dirty="0" err="1"/>
+              <a:t>corrélation</a:t>
+            </a:r>
+            <a:r>
+              <a:rPr dirty="0"/>
+              <a:t>, </a:t>
+            </a:r>
+            <a:r>
+              <a:rPr dirty="0" err="1"/>
+              <a:t>mais</a:t>
+            </a:r>
+            <a:r>
+              <a:rPr dirty="0"/>
+              <a:t> </a:t>
+            </a:r>
+            <a:r>
+              <a:rPr dirty="0" err="1"/>
+              <a:t>elle</a:t>
+            </a:r>
+            <a:r>
+              <a:rPr dirty="0"/>
+              <a:t> </a:t>
+            </a:r>
+            <a:r>
+              <a:rPr dirty="0" err="1"/>
+              <a:t>n'est</a:t>
+            </a:r>
+            <a:r>
+              <a:rPr dirty="0"/>
+              <a:t> pas </a:t>
+            </a:r>
+            <a:r>
+              <a:rPr dirty="0" err="1"/>
+              <a:t>causale</a:t>
+            </a:r>
+            <a:endParaRPr dirty="0" err="1">
+              <a:ea typeface="Calibri"/>
+              <a:cs typeface="Calibri"/>
+            </a:endParaRPr>
           </a:p>
         </p:txBody>
       </p:sp>
@@ -4121,7 +4969,7 @@
 </file>
 
 <file path=ppt/slides/slide14.xml><?xml version="1.0" encoding="utf-8"?>
-<p:sld xmlns:a="http://schemas.openxmlformats.org/drawingml/2006/main" xmlns:p="http://schemas.openxmlformats.org/presentationml/2006/main" xmlns:r="http://schemas.openxmlformats.org/officeDocument/2006/relationships">
+<p:sld xmlns:a="http://schemas.openxmlformats.org/drawingml/2006/main" xmlns:r="http://schemas.openxmlformats.org/officeDocument/2006/relationships" xmlns:p="http://schemas.openxmlformats.org/presentationml/2006/main">
   <p:cSld>
     <p:spTree>
       <p:nvGrpSpPr>
@@ -4129,7 +4977,14 @@
         <p:cNvGrpSpPr/>
         <p:nvPr/>
       </p:nvGrpSpPr>
-      <p:grpSpPr/>
+      <p:grpSpPr>
+        <a:xfrm>
+          <a:off x="0" y="0"/>
+          <a:ext cx="0" cy="0"/>
+          <a:chOff x="0" y="0"/>
+          <a:chExt cx="0" cy="0"/>
+        </a:xfrm>
+      </p:grpSpPr>
       <p:sp>
         <p:nvSpPr>
           <p:cNvPr id="2" name="TextBox 1"/>
@@ -4160,7 +5015,7 @@
               </a:defRPr>
             </a:pPr>
             <a:r>
-              <a:t>Taux de Risque - Résultats</a:t>
+              <a:t>Analyse Critique - Effet Paris et MAPE</a:t>
             </a:r>
           </a:p>
         </p:txBody>
@@ -4205,6 +5060,7 @@
           <a:lstStyle/>
           <a:p>
             <a:pPr algn="ctr"/>
+            <a:endParaRPr/>
           </a:p>
         </p:txBody>
       </p:sp>
@@ -4217,7 +5073,7 @@
         <p:spPr>
           <a:xfrm>
             <a:off x="457200" y="1188720"/>
-            <a:ext cx="8229600" cy="4572000"/>
+            <a:ext cx="8229600" cy="4247317"/>
           </a:xfrm>
           <a:prstGeom prst="rect">
             <a:avLst/>
@@ -4225,7 +5081,7 @@
           <a:noFill/>
         </p:spPr>
         <p:txBody>
-          <a:bodyPr wrap="square">
+          <a:bodyPr wrap="square" lIns="91440" tIns="45720" rIns="91440" bIns="45720" anchor="t">
             <a:spAutoFit/>
           </a:bodyPr>
           <a:lstStyle/>
@@ -4241,7 +5097,16 @@
               </a:defRPr>
             </a:pPr>
             <a:r>
-              <a:t>• Performances nettement inférieures mais plus honnêtes</a:t>
+              <a:rPr dirty="0"/>
+              <a:t>• </a:t>
+            </a:r>
+            <a:r>
+              <a:rPr dirty="0" err="1"/>
+              <a:t>Effet</a:t>
+            </a:r>
+            <a:r>
+              <a:rPr dirty="0"/>
+              <a:t> Paris :</a:t>
             </a:r>
           </a:p>
           <a:p>
@@ -4256,8 +5121,25 @@
               </a:defRPr>
             </a:pPr>
             <a:r>
-              <a:t>• Le modèle ne peut plus exploiter l'effet de taille</a:t>
-            </a:r>
+              <a:rPr dirty="0"/>
+              <a:t>• </a:t>
+            </a:r>
+            <a:r>
+              <a:rPr lang="fr-FR" dirty="0"/>
+              <a:t>- </a:t>
+            </a:r>
+            <a:r>
+              <a:rPr dirty="0"/>
+              <a:t>20 arrondissements = 61% des accidents de </a:t>
+            </a:r>
+            <a:r>
+              <a:rPr dirty="0" err="1"/>
+              <a:t>l'IDF</a:t>
+            </a:r>
+            <a:endParaRPr dirty="0" err="1">
+              <a:ea typeface="Calibri"/>
+              <a:cs typeface="Calibri"/>
+            </a:endParaRPr>
           </a:p>
           <a:p>
             <a:pPr>
@@ -4271,8 +5153,21 @@
               </a:defRPr>
             </a:pPr>
             <a:r>
-              <a:t>• Paris n'a plus un poids disproportionné</a:t>
-            </a:r>
+              <a:rPr dirty="0"/>
+              <a:t>• </a:t>
+            </a:r>
+            <a:r>
+              <a:rPr lang="fr-FR" dirty="0"/>
+              <a:t>- </a:t>
+            </a:r>
+            <a:r>
+              <a:rPr dirty="0"/>
+              <a:t>13 853 accidents sur 22 609</a:t>
+            </a:r>
+            <a:endParaRPr dirty="0">
+              <a:ea typeface="Calibri"/>
+              <a:cs typeface="Calibri"/>
+            </a:endParaRPr>
           </a:p>
           <a:p>
             <a:pPr>
@@ -4286,8 +5181,1190 @@
               </a:defRPr>
             </a:pPr>
             <a:r>
-              <a:t>• Reflète la complexité réelle du phénomène</a:t>
-            </a:r>
+              <a:rPr dirty="0"/>
+              <a:t>• </a:t>
+            </a:r>
+            <a:r>
+              <a:rPr lang="fr-FR" dirty="0"/>
+              <a:t>- </a:t>
+            </a:r>
+            <a:r>
+              <a:rPr dirty="0"/>
+              <a:t>Le </a:t>
+            </a:r>
+            <a:r>
+              <a:rPr dirty="0" err="1"/>
+              <a:t>modèle</a:t>
+            </a:r>
+            <a:r>
+              <a:rPr dirty="0"/>
+              <a:t> </a:t>
+            </a:r>
+            <a:r>
+              <a:rPr dirty="0" err="1"/>
+              <a:t>apprend</a:t>
+            </a:r>
+            <a:r>
+              <a:rPr dirty="0"/>
+              <a:t> surtout à identifier Paris</a:t>
+            </a:r>
+            <a:endParaRPr dirty="0">
+              <a:ea typeface="Calibri"/>
+              <a:cs typeface="Calibri"/>
+            </a:endParaRPr>
+          </a:p>
+          <a:p>
+            <a:pPr>
+              <a:spcAft>
+                <a:spcPts val="1200"/>
+              </a:spcAft>
+              <a:defRPr sz="1800">
+                <a:solidFill>
+                  <a:srgbClr val="646464"/>
+                </a:solidFill>
+              </a:defRPr>
+            </a:pPr>
+            <a:endParaRPr dirty="0">
+              <a:ea typeface="Calibri"/>
+              <a:cs typeface="Calibri"/>
+            </a:endParaRPr>
+          </a:p>
+          <a:p>
+            <a:pPr>
+              <a:spcAft>
+                <a:spcPts val="1200"/>
+              </a:spcAft>
+              <a:defRPr sz="1800">
+                <a:solidFill>
+                  <a:srgbClr val="646464"/>
+                </a:solidFill>
+              </a:defRPr>
+            </a:pPr>
+            <a:r>
+              <a:rPr dirty="0"/>
+              <a:t>• MAPE </a:t>
+            </a:r>
+            <a:r>
+              <a:rPr dirty="0" err="1"/>
+              <a:t>élevé</a:t>
+            </a:r>
+            <a:r>
+              <a:rPr dirty="0"/>
+              <a:t> :</a:t>
+            </a:r>
+            <a:endParaRPr dirty="0">
+              <a:ea typeface="Calibri"/>
+              <a:cs typeface="Calibri"/>
+            </a:endParaRPr>
+          </a:p>
+          <a:p>
+            <a:pPr>
+              <a:spcAft>
+                <a:spcPts val="1200"/>
+              </a:spcAft>
+              <a:defRPr sz="1800">
+                <a:solidFill>
+                  <a:srgbClr val="646464"/>
+                </a:solidFill>
+              </a:defRPr>
+            </a:pPr>
+            <a:r>
+              <a:rPr dirty="0"/>
+              <a:t>• </a:t>
+            </a:r>
+            <a:r>
+              <a:rPr lang="fr-FR" dirty="0"/>
+              <a:t>- </a:t>
+            </a:r>
+            <a:r>
+              <a:rPr dirty="0"/>
+              <a:t>R² = 89% </a:t>
+            </a:r>
+            <a:r>
+              <a:rPr dirty="0" err="1"/>
+              <a:t>mais</a:t>
+            </a:r>
+            <a:r>
+              <a:rPr dirty="0"/>
+              <a:t> MAPE = 83%</a:t>
+            </a:r>
+            <a:endParaRPr dirty="0">
+              <a:ea typeface="Calibri"/>
+              <a:cs typeface="Calibri"/>
+            </a:endParaRPr>
+          </a:p>
+          <a:p>
+            <a:pPr>
+              <a:spcAft>
+                <a:spcPts val="1200"/>
+              </a:spcAft>
+              <a:defRPr sz="1800">
+                <a:solidFill>
+                  <a:srgbClr val="646464"/>
+                </a:solidFill>
+              </a:defRPr>
+            </a:pPr>
+            <a:r>
+              <a:rPr dirty="0"/>
+              <a:t>• </a:t>
+            </a:r>
+            <a:r>
+              <a:rPr lang="fr-FR" dirty="0"/>
+              <a:t>- </a:t>
+            </a:r>
+            <a:r>
+              <a:rPr dirty="0" err="1"/>
+              <a:t>Prédictions</a:t>
+            </a:r>
+            <a:r>
+              <a:rPr dirty="0"/>
+              <a:t> </a:t>
+            </a:r>
+            <a:r>
+              <a:rPr dirty="0" err="1"/>
+              <a:t>imprécises</a:t>
+            </a:r>
+            <a:r>
+              <a:rPr dirty="0"/>
+              <a:t> pour les petites communes</a:t>
+            </a:r>
+            <a:endParaRPr dirty="0">
+              <a:ea typeface="Calibri"/>
+              <a:cs typeface="Calibri"/>
+            </a:endParaRPr>
+          </a:p>
+          <a:p>
+            <a:pPr>
+              <a:spcAft>
+                <a:spcPts val="1200"/>
+              </a:spcAft>
+              <a:defRPr sz="1800">
+                <a:solidFill>
+                  <a:srgbClr val="646464"/>
+                </a:solidFill>
+              </a:defRPr>
+            </a:pPr>
+            <a:endParaRPr dirty="0">
+              <a:ea typeface="Calibri"/>
+              <a:cs typeface="Calibri"/>
+            </a:endParaRPr>
+          </a:p>
+          <a:p>
+            <a:pPr>
+              <a:spcAft>
+                <a:spcPts val="1200"/>
+              </a:spcAft>
+              <a:defRPr sz="1800">
+                <a:solidFill>
+                  <a:srgbClr val="646464"/>
+                </a:solidFill>
+              </a:defRPr>
+            </a:pPr>
+            <a:r>
+              <a:rPr dirty="0"/>
+              <a:t>• Distribution </a:t>
+            </a:r>
+            <a:r>
+              <a:rPr dirty="0" err="1"/>
+              <a:t>asymétrique</a:t>
+            </a:r>
+            <a:r>
+              <a:rPr dirty="0"/>
+              <a:t> : 33.6% des communes sans accident</a:t>
+            </a:r>
+            <a:endParaRPr dirty="0">
+              <a:ea typeface="Calibri"/>
+              <a:cs typeface="Calibri"/>
+            </a:endParaRPr>
+          </a:p>
+        </p:txBody>
+      </p:sp>
+    </p:spTree>
+  </p:cSld>
+  <p:clrMapOvr>
+    <a:masterClrMapping/>
+  </p:clrMapOvr>
+</p:sld>
+</file>
+
+<file path=ppt/slides/slide15.xml><?xml version="1.0" encoding="utf-8"?>
+<p:sld xmlns:a="http://schemas.openxmlformats.org/drawingml/2006/main" xmlns:r="http://schemas.openxmlformats.org/officeDocument/2006/relationships" xmlns:p="http://schemas.openxmlformats.org/presentationml/2006/main">
+  <p:cSld>
+    <p:spTree>
+      <p:nvGrpSpPr>
+        <p:cNvPr id="1" name=""/>
+        <p:cNvGrpSpPr/>
+        <p:nvPr/>
+      </p:nvGrpSpPr>
+      <p:grpSpPr>
+        <a:xfrm>
+          <a:off x="0" y="0"/>
+          <a:ext cx="0" cy="0"/>
+          <a:chOff x="0" y="0"/>
+          <a:chExt cx="0" cy="0"/>
+        </a:xfrm>
+      </p:grpSpPr>
+      <p:sp>
+        <p:nvSpPr>
+          <p:cNvPr id="2" name="TextBox 1"/>
+          <p:cNvSpPr txBox="1"/>
+          <p:nvPr/>
+        </p:nvSpPr>
+        <p:spPr>
+          <a:xfrm>
+            <a:off x="457200" y="274320"/>
+            <a:ext cx="8229600" cy="731520"/>
+          </a:xfrm>
+          <a:prstGeom prst="rect">
+            <a:avLst/>
+          </a:prstGeom>
+          <a:noFill/>
+        </p:spPr>
+        <p:txBody>
+          <a:bodyPr wrap="none">
+            <a:spAutoFit/>
+          </a:bodyPr>
+          <a:lstStyle/>
+          <a:p>
+            <a:pPr>
+              <a:defRPr sz="2800" b="1">
+                <a:solidFill>
+                  <a:srgbClr val="003366"/>
+                </a:solidFill>
+              </a:defRPr>
+            </a:pPr>
+            <a:r>
+              <a:t>Prédictions vs Valeurs Réelles</a:t>
+            </a:r>
+          </a:p>
+        </p:txBody>
+      </p:sp>
+      <p:sp>
+        <p:nvSpPr>
+          <p:cNvPr id="3" name="Rectangle 2"/>
+          <p:cNvSpPr/>
+          <p:nvPr/>
+        </p:nvSpPr>
+        <p:spPr>
+          <a:xfrm>
+            <a:off x="457200" y="1005840"/>
+            <a:ext cx="8229600" cy="27432"/>
+          </a:xfrm>
+          <a:prstGeom prst="rect">
+            <a:avLst/>
+          </a:prstGeom>
+          <a:solidFill>
+            <a:srgbClr val="006699"/>
+          </a:solidFill>
+          <a:ln>
+            <a:noFill/>
+          </a:ln>
+        </p:spPr>
+        <p:style>
+          <a:lnRef idx="1">
+            <a:schemeClr val="accent1"/>
+          </a:lnRef>
+          <a:fillRef idx="3">
+            <a:schemeClr val="accent1"/>
+          </a:fillRef>
+          <a:effectRef idx="2">
+            <a:schemeClr val="accent1"/>
+          </a:effectRef>
+          <a:fontRef idx="minor">
+            <a:schemeClr val="lt1"/>
+          </a:fontRef>
+        </p:style>
+        <p:txBody>
+          <a:bodyPr rtlCol="0" anchor="ctr"/>
+          <a:lstStyle/>
+          <a:p>
+            <a:pPr algn="ctr"/>
+            <a:endParaRPr/>
+          </a:p>
+        </p:txBody>
+      </p:sp>
+      <p:pic>
+        <p:nvPicPr>
+          <p:cNvPr id="4" name="Picture 3" descr="predictions_vs_reel.png"/>
+          <p:cNvPicPr>
+            <a:picLocks noChangeAspect="1"/>
+          </p:cNvPicPr>
+          <p:nvPr/>
+        </p:nvPicPr>
+        <p:blipFill>
+          <a:blip r:embed="rId2"/>
+          <a:stretch>
+            <a:fillRect/>
+          </a:stretch>
+        </p:blipFill>
+        <p:spPr>
+          <a:xfrm>
+            <a:off x="1431788" y="1135476"/>
+            <a:ext cx="6279844" cy="5340352"/>
+          </a:xfrm>
+          <a:prstGeom prst="rect">
+            <a:avLst/>
+          </a:prstGeom>
+        </p:spPr>
+      </p:pic>
+    </p:spTree>
+  </p:cSld>
+  <p:clrMapOvr>
+    <a:masterClrMapping/>
+  </p:clrMapOvr>
+</p:sld>
+</file>
+
+<file path=ppt/slides/slide16.xml><?xml version="1.0" encoding="utf-8"?>
+<p:sld xmlns:a="http://schemas.openxmlformats.org/drawingml/2006/main" xmlns:r="http://schemas.openxmlformats.org/officeDocument/2006/relationships" xmlns:p="http://schemas.openxmlformats.org/presentationml/2006/main">
+  <p:cSld>
+    <p:spTree>
+      <p:nvGrpSpPr>
+        <p:cNvPr id="1" name="">
+          <a:extLst>
+            <a:ext uri="{FF2B5EF4-FFF2-40B4-BE49-F238E27FC236}">
+              <a16:creationId xmlns:a16="http://schemas.microsoft.com/office/drawing/2014/main" id="{2642216B-5A67-4E33-DE84-D24CFD6CFDDD}"/>
+            </a:ext>
+          </a:extLst>
+        </p:cNvPr>
+        <p:cNvGrpSpPr/>
+        <p:nvPr/>
+      </p:nvGrpSpPr>
+      <p:grpSpPr>
+        <a:xfrm>
+          <a:off x="0" y="0"/>
+          <a:ext cx="0" cy="0"/>
+          <a:chOff x="0" y="0"/>
+          <a:chExt cx="0" cy="0"/>
+        </a:xfrm>
+      </p:grpSpPr>
+      <p:sp>
+        <p:nvSpPr>
+          <p:cNvPr id="2" name="TextBox 1">
+            <a:extLst>
+              <a:ext uri="{FF2B5EF4-FFF2-40B4-BE49-F238E27FC236}">
+                <a16:creationId xmlns:a16="http://schemas.microsoft.com/office/drawing/2014/main" id="{B3CF5382-1B43-627A-9590-D3286B4E1BA4}"/>
+              </a:ext>
+            </a:extLst>
+          </p:cNvPr>
+          <p:cNvSpPr txBox="1"/>
+          <p:nvPr/>
+        </p:nvSpPr>
+        <p:spPr>
+          <a:xfrm>
+            <a:off x="457200" y="274320"/>
+            <a:ext cx="8229600" cy="731520"/>
+          </a:xfrm>
+          <a:prstGeom prst="rect">
+            <a:avLst/>
+          </a:prstGeom>
+          <a:noFill/>
+        </p:spPr>
+        <p:txBody>
+          <a:bodyPr wrap="none">
+            <a:spAutoFit/>
+          </a:bodyPr>
+          <a:lstStyle/>
+          <a:p>
+            <a:pPr>
+              <a:defRPr sz="2800" b="1">
+                <a:solidFill>
+                  <a:srgbClr val="003366"/>
+                </a:solidFill>
+              </a:defRPr>
+            </a:pPr>
+            <a:r>
+              <a:t>Prédictions vs Valeurs Réelles</a:t>
+            </a:r>
+          </a:p>
+        </p:txBody>
+      </p:sp>
+      <p:sp>
+        <p:nvSpPr>
+          <p:cNvPr id="3" name="Rectangle 2">
+            <a:extLst>
+              <a:ext uri="{FF2B5EF4-FFF2-40B4-BE49-F238E27FC236}">
+                <a16:creationId xmlns:a16="http://schemas.microsoft.com/office/drawing/2014/main" id="{EF4F0654-EA5B-B4CC-6A4D-25365FF2B53F}"/>
+              </a:ext>
+            </a:extLst>
+          </p:cNvPr>
+          <p:cNvSpPr/>
+          <p:nvPr/>
+        </p:nvSpPr>
+        <p:spPr>
+          <a:xfrm>
+            <a:off x="457200" y="1005840"/>
+            <a:ext cx="8229600" cy="27432"/>
+          </a:xfrm>
+          <a:prstGeom prst="rect">
+            <a:avLst/>
+          </a:prstGeom>
+          <a:solidFill>
+            <a:srgbClr val="006699"/>
+          </a:solidFill>
+          <a:ln>
+            <a:noFill/>
+          </a:ln>
+        </p:spPr>
+        <p:style>
+          <a:lnRef idx="1">
+            <a:schemeClr val="accent1"/>
+          </a:lnRef>
+          <a:fillRef idx="3">
+            <a:schemeClr val="accent1"/>
+          </a:fillRef>
+          <a:effectRef idx="2">
+            <a:schemeClr val="accent1"/>
+          </a:effectRef>
+          <a:fontRef idx="minor">
+            <a:schemeClr val="lt1"/>
+          </a:fontRef>
+        </p:style>
+        <p:txBody>
+          <a:bodyPr rtlCol="0" anchor="ctr"/>
+          <a:lstStyle/>
+          <a:p>
+            <a:pPr algn="ctr"/>
+            <a:endParaRPr/>
+          </a:p>
+        </p:txBody>
+      </p:sp>
+      <p:pic>
+        <p:nvPicPr>
+          <p:cNvPr id="5" name="Picture 4" descr="predictions_vs_reel_zoom.png">
+            <a:extLst>
+              <a:ext uri="{FF2B5EF4-FFF2-40B4-BE49-F238E27FC236}">
+                <a16:creationId xmlns:a16="http://schemas.microsoft.com/office/drawing/2014/main" id="{92BB05BD-DFF5-22F9-FE84-7304E1A272CB}"/>
+              </a:ext>
+            </a:extLst>
+          </p:cNvPr>
+          <p:cNvPicPr>
+            <a:picLocks noChangeAspect="1"/>
+          </p:cNvPicPr>
+          <p:nvPr/>
+        </p:nvPicPr>
+        <p:blipFill>
+          <a:blip r:embed="rId2"/>
+          <a:stretch>
+            <a:fillRect/>
+          </a:stretch>
+        </p:blipFill>
+        <p:spPr>
+          <a:xfrm>
+            <a:off x="1458700" y="1149945"/>
+            <a:ext cx="6229205" cy="5325884"/>
+          </a:xfrm>
+          <a:prstGeom prst="rect">
+            <a:avLst/>
+          </a:prstGeom>
+        </p:spPr>
+      </p:pic>
+    </p:spTree>
+    <p:extLst>
+      <p:ext uri="{BB962C8B-B14F-4D97-AF65-F5344CB8AC3E}">
+        <p14:creationId xmlns:p14="http://schemas.microsoft.com/office/powerpoint/2010/main" val="2365940318"/>
+      </p:ext>
+    </p:extLst>
+  </p:cSld>
+  <p:clrMapOvr>
+    <a:masterClrMapping/>
+  </p:clrMapOvr>
+</p:sld>
+</file>
+
+<file path=ppt/slides/slide17.xml><?xml version="1.0" encoding="utf-8"?>
+<p:sld xmlns:a="http://schemas.openxmlformats.org/drawingml/2006/main" xmlns:r="http://schemas.openxmlformats.org/officeDocument/2006/relationships" xmlns:p="http://schemas.openxmlformats.org/presentationml/2006/main">
+  <p:cSld>
+    <p:spTree>
+      <p:nvGrpSpPr>
+        <p:cNvPr id="1" name=""/>
+        <p:cNvGrpSpPr/>
+        <p:nvPr/>
+      </p:nvGrpSpPr>
+      <p:grpSpPr>
+        <a:xfrm>
+          <a:off x="0" y="0"/>
+          <a:ext cx="0" cy="0"/>
+          <a:chOff x="0" y="0"/>
+          <a:chExt cx="0" cy="0"/>
+        </a:xfrm>
+      </p:grpSpPr>
+      <p:sp>
+        <p:nvSpPr>
+          <p:cNvPr id="2" name="TextBox 1"/>
+          <p:cNvSpPr txBox="1"/>
+          <p:nvPr/>
+        </p:nvSpPr>
+        <p:spPr>
+          <a:xfrm>
+            <a:off x="457200" y="274320"/>
+            <a:ext cx="8229600" cy="731520"/>
+          </a:xfrm>
+          <a:prstGeom prst="rect">
+            <a:avLst/>
+          </a:prstGeom>
+          <a:noFill/>
+        </p:spPr>
+        <p:txBody>
+          <a:bodyPr wrap="none">
+            <a:spAutoFit/>
+          </a:bodyPr>
+          <a:lstStyle/>
+          <a:p>
+            <a:pPr>
+              <a:defRPr sz="2800" b="1">
+                <a:solidFill>
+                  <a:srgbClr val="003366"/>
+                </a:solidFill>
+              </a:defRPr>
+            </a:pPr>
+            <a:r>
+              <a:t>Solution - Taux de Risque Normalisés</a:t>
+            </a:r>
+          </a:p>
+        </p:txBody>
+      </p:sp>
+      <p:sp>
+        <p:nvSpPr>
+          <p:cNvPr id="3" name="Rectangle 2"/>
+          <p:cNvSpPr/>
+          <p:nvPr/>
+        </p:nvSpPr>
+        <p:spPr>
+          <a:xfrm>
+            <a:off x="457200" y="1005840"/>
+            <a:ext cx="8229600" cy="27432"/>
+          </a:xfrm>
+          <a:prstGeom prst="rect">
+            <a:avLst/>
+          </a:prstGeom>
+          <a:solidFill>
+            <a:srgbClr val="006699"/>
+          </a:solidFill>
+          <a:ln>
+            <a:noFill/>
+          </a:ln>
+        </p:spPr>
+        <p:style>
+          <a:lnRef idx="1">
+            <a:schemeClr val="accent1"/>
+          </a:lnRef>
+          <a:fillRef idx="3">
+            <a:schemeClr val="accent1"/>
+          </a:fillRef>
+          <a:effectRef idx="2">
+            <a:schemeClr val="accent1"/>
+          </a:effectRef>
+          <a:fontRef idx="minor">
+            <a:schemeClr val="lt1"/>
+          </a:fontRef>
+        </p:style>
+        <p:txBody>
+          <a:bodyPr rtlCol="0" anchor="ctr"/>
+          <a:lstStyle/>
+          <a:p>
+            <a:pPr algn="ctr"/>
+            <a:endParaRPr/>
+          </a:p>
+        </p:txBody>
+      </p:sp>
+      <p:sp>
+        <p:nvSpPr>
+          <p:cNvPr id="4" name="TextBox 3"/>
+          <p:cNvSpPr txBox="1"/>
+          <p:nvPr/>
+        </p:nvSpPr>
+        <p:spPr>
+          <a:xfrm>
+            <a:off x="457200" y="1188720"/>
+            <a:ext cx="8229600" cy="4247317"/>
+          </a:xfrm>
+          <a:prstGeom prst="rect">
+            <a:avLst/>
+          </a:prstGeom>
+          <a:noFill/>
+        </p:spPr>
+        <p:txBody>
+          <a:bodyPr wrap="square" lIns="91440" tIns="45720" rIns="91440" bIns="45720" anchor="t">
+            <a:spAutoFit/>
+          </a:bodyPr>
+          <a:lstStyle/>
+          <a:p>
+            <a:pPr>
+              <a:spcAft>
+                <a:spcPts val="1200"/>
+              </a:spcAft>
+              <a:defRPr sz="1800">
+                <a:solidFill>
+                  <a:srgbClr val="646464"/>
+                </a:solidFill>
+              </a:defRPr>
+            </a:pPr>
+            <a:r>
+              <a:rPr dirty="0"/>
+              <a:t>• </a:t>
+            </a:r>
+            <a:r>
+              <a:rPr dirty="0" err="1"/>
+              <a:t>Intégration</a:t>
+            </a:r>
+            <a:r>
+              <a:rPr dirty="0"/>
+              <a:t> des données de population INSEE</a:t>
+            </a:r>
+          </a:p>
+          <a:p>
+            <a:pPr>
+              <a:spcAft>
+                <a:spcPts val="1200"/>
+              </a:spcAft>
+              <a:defRPr sz="1800">
+                <a:solidFill>
+                  <a:srgbClr val="646464"/>
+                </a:solidFill>
+              </a:defRPr>
+            </a:pPr>
+            <a:endParaRPr lang="fr-FR" dirty="0"/>
+          </a:p>
+          <a:p>
+            <a:pPr>
+              <a:spcAft>
+                <a:spcPts val="1200"/>
+              </a:spcAft>
+              <a:defRPr sz="1800">
+                <a:solidFill>
+                  <a:srgbClr val="646464"/>
+                </a:solidFill>
+              </a:defRPr>
+            </a:pPr>
+            <a:r>
+              <a:rPr dirty="0"/>
+              <a:t>• Deux </a:t>
+            </a:r>
+            <a:r>
+              <a:rPr dirty="0" err="1"/>
+              <a:t>nouvelles</a:t>
+            </a:r>
+            <a:r>
+              <a:rPr dirty="0"/>
+              <a:t> </a:t>
+            </a:r>
+            <a:r>
+              <a:rPr dirty="0" err="1"/>
+              <a:t>métriques</a:t>
+            </a:r>
+            <a:r>
+              <a:rPr dirty="0"/>
+              <a:t> :</a:t>
+            </a:r>
+            <a:endParaRPr dirty="0">
+              <a:ea typeface="Calibri"/>
+              <a:cs typeface="Calibri"/>
+            </a:endParaRPr>
+          </a:p>
+          <a:p>
+            <a:pPr>
+              <a:spcAft>
+                <a:spcPts val="1200"/>
+              </a:spcAft>
+              <a:defRPr sz="1800">
+                <a:solidFill>
+                  <a:srgbClr val="646464"/>
+                </a:solidFill>
+              </a:defRPr>
+            </a:pPr>
+            <a:r>
+              <a:rPr dirty="0"/>
+              <a:t>• </a:t>
+            </a:r>
+            <a:r>
+              <a:rPr dirty="0" err="1"/>
+              <a:t>Taux</a:t>
+            </a:r>
+            <a:r>
+              <a:rPr dirty="0"/>
+              <a:t> par km = Accidents / Longueur </a:t>
+            </a:r>
+            <a:r>
+              <a:rPr dirty="0" err="1"/>
+              <a:t>aménagements</a:t>
+            </a:r>
+            <a:r>
+              <a:rPr dirty="0"/>
+              <a:t> (km)</a:t>
+            </a:r>
+            <a:endParaRPr dirty="0">
+              <a:ea typeface="Calibri"/>
+              <a:cs typeface="Calibri"/>
+            </a:endParaRPr>
+          </a:p>
+          <a:p>
+            <a:pPr>
+              <a:spcAft>
+                <a:spcPts val="1200"/>
+              </a:spcAft>
+              <a:defRPr sz="1800">
+                <a:solidFill>
+                  <a:srgbClr val="646464"/>
+                </a:solidFill>
+              </a:defRPr>
+            </a:pPr>
+            <a:r>
+              <a:rPr dirty="0"/>
+              <a:t>   → Compare </a:t>
+            </a:r>
+            <a:r>
+              <a:rPr dirty="0" err="1"/>
+              <a:t>indépendamment</a:t>
+            </a:r>
+            <a:r>
+              <a:rPr dirty="0"/>
+              <a:t> du </a:t>
+            </a:r>
+            <a:r>
+              <a:rPr dirty="0" err="1"/>
+              <a:t>niveau</a:t>
+            </a:r>
+            <a:r>
+              <a:rPr dirty="0"/>
+              <a:t> </a:t>
+            </a:r>
+            <a:r>
+              <a:rPr dirty="0" err="1"/>
+              <a:t>d'équipement</a:t>
+            </a:r>
+            <a:endParaRPr dirty="0" err="1">
+              <a:ea typeface="Calibri"/>
+              <a:cs typeface="Calibri"/>
+            </a:endParaRPr>
+          </a:p>
+          <a:p>
+            <a:pPr>
+              <a:spcAft>
+                <a:spcPts val="1200"/>
+              </a:spcAft>
+              <a:defRPr sz="1800">
+                <a:solidFill>
+                  <a:srgbClr val="646464"/>
+                </a:solidFill>
+              </a:defRPr>
+            </a:pPr>
+            <a:endParaRPr dirty="0">
+              <a:ea typeface="Calibri"/>
+              <a:cs typeface="Calibri"/>
+            </a:endParaRPr>
+          </a:p>
+          <a:p>
+            <a:pPr>
+              <a:spcAft>
+                <a:spcPts val="1200"/>
+              </a:spcAft>
+              <a:defRPr sz="1800">
+                <a:solidFill>
+                  <a:srgbClr val="646464"/>
+                </a:solidFill>
+              </a:defRPr>
+            </a:pPr>
+            <a:r>
+              <a:rPr dirty="0"/>
+              <a:t>• </a:t>
+            </a:r>
+            <a:r>
+              <a:rPr dirty="0" err="1"/>
+              <a:t>Taux</a:t>
+            </a:r>
+            <a:r>
+              <a:rPr dirty="0"/>
+              <a:t> pour 10k </a:t>
+            </a:r>
+            <a:r>
+              <a:rPr dirty="0" err="1"/>
+              <a:t>hab</a:t>
+            </a:r>
+            <a:r>
+              <a:rPr dirty="0"/>
+              <a:t> = (Accidents / Population) × 10 000</a:t>
+            </a:r>
+            <a:endParaRPr dirty="0">
+              <a:ea typeface="Calibri"/>
+              <a:cs typeface="Calibri"/>
+            </a:endParaRPr>
+          </a:p>
+          <a:p>
+            <a:pPr>
+              <a:spcAft>
+                <a:spcPts val="1200"/>
+              </a:spcAft>
+              <a:defRPr sz="1800">
+                <a:solidFill>
+                  <a:srgbClr val="646464"/>
+                </a:solidFill>
+              </a:defRPr>
+            </a:pPr>
+            <a:r>
+              <a:rPr lang="fr-FR" dirty="0"/>
+              <a:t>   </a:t>
+            </a:r>
+            <a:r>
+              <a:rPr dirty="0"/>
+              <a:t>→ </a:t>
+            </a:r>
+            <a:r>
+              <a:rPr dirty="0" err="1"/>
+              <a:t>Métrique</a:t>
+            </a:r>
+            <a:r>
+              <a:rPr dirty="0"/>
+              <a:t> </a:t>
+            </a:r>
+            <a:r>
+              <a:rPr dirty="0" err="1"/>
+              <a:t>classique</a:t>
+            </a:r>
+            <a:r>
+              <a:rPr dirty="0"/>
+              <a:t> </a:t>
+            </a:r>
+            <a:r>
+              <a:rPr dirty="0" err="1"/>
+              <a:t>en</a:t>
+            </a:r>
+            <a:r>
+              <a:rPr dirty="0"/>
+              <a:t> </a:t>
+            </a:r>
+            <a:r>
+              <a:rPr dirty="0" err="1"/>
+              <a:t>épidémiologie</a:t>
+            </a:r>
+            <a:endParaRPr dirty="0" err="1">
+              <a:ea typeface="Calibri"/>
+              <a:cs typeface="Calibri"/>
+            </a:endParaRPr>
+          </a:p>
+          <a:p>
+            <a:pPr>
+              <a:spcAft>
+                <a:spcPts val="1200"/>
+              </a:spcAft>
+              <a:defRPr sz="1800">
+                <a:solidFill>
+                  <a:srgbClr val="646464"/>
+                </a:solidFill>
+              </a:defRPr>
+            </a:pPr>
+            <a:endParaRPr lang="fr-FR" dirty="0"/>
+          </a:p>
+          <a:p>
+            <a:pPr>
+              <a:spcAft>
+                <a:spcPts val="1200"/>
+              </a:spcAft>
+              <a:defRPr sz="1800">
+                <a:solidFill>
+                  <a:srgbClr val="646464"/>
+                </a:solidFill>
+              </a:defRPr>
+            </a:pPr>
+            <a:r>
+              <a:rPr dirty="0"/>
+              <a:t>• Objectif : </a:t>
+            </a:r>
+            <a:r>
+              <a:rPr dirty="0" err="1"/>
+              <a:t>éliminer</a:t>
+            </a:r>
+            <a:r>
+              <a:rPr dirty="0"/>
+              <a:t> </a:t>
+            </a:r>
+            <a:r>
+              <a:rPr dirty="0" err="1"/>
+              <a:t>l'effet</a:t>
+            </a:r>
+            <a:r>
+              <a:rPr dirty="0"/>
+              <a:t> de taille</a:t>
+            </a:r>
+            <a:endParaRPr dirty="0">
+              <a:ea typeface="Calibri"/>
+              <a:cs typeface="Calibri"/>
+            </a:endParaRPr>
+          </a:p>
+        </p:txBody>
+      </p:sp>
+    </p:spTree>
+  </p:cSld>
+  <p:clrMapOvr>
+    <a:masterClrMapping/>
+  </p:clrMapOvr>
+</p:sld>
+</file>
+
+<file path=ppt/slides/slide18.xml><?xml version="1.0" encoding="utf-8"?>
+<p:sld xmlns:a="http://schemas.openxmlformats.org/drawingml/2006/main" xmlns:r="http://schemas.openxmlformats.org/officeDocument/2006/relationships" xmlns:p="http://schemas.openxmlformats.org/presentationml/2006/main">
+  <p:cSld>
+    <p:spTree>
+      <p:nvGrpSpPr>
+        <p:cNvPr id="1" name=""/>
+        <p:cNvGrpSpPr/>
+        <p:nvPr/>
+      </p:nvGrpSpPr>
+      <p:grpSpPr>
+        <a:xfrm>
+          <a:off x="0" y="0"/>
+          <a:ext cx="0" cy="0"/>
+          <a:chOff x="0" y="0"/>
+          <a:chExt cx="0" cy="0"/>
+        </a:xfrm>
+      </p:grpSpPr>
+      <p:sp>
+        <p:nvSpPr>
+          <p:cNvPr id="2" name="TextBox 1"/>
+          <p:cNvSpPr txBox="1"/>
+          <p:nvPr/>
+        </p:nvSpPr>
+        <p:spPr>
+          <a:xfrm>
+            <a:off x="457200" y="274320"/>
+            <a:ext cx="8229600" cy="731520"/>
+          </a:xfrm>
+          <a:prstGeom prst="rect">
+            <a:avLst/>
+          </a:prstGeom>
+          <a:noFill/>
+        </p:spPr>
+        <p:txBody>
+          <a:bodyPr wrap="none">
+            <a:spAutoFit/>
+          </a:bodyPr>
+          <a:lstStyle/>
+          <a:p>
+            <a:pPr>
+              <a:defRPr sz="2800" b="1">
+                <a:solidFill>
+                  <a:srgbClr val="003366"/>
+                </a:solidFill>
+              </a:defRPr>
+            </a:pPr>
+            <a:r>
+              <a:t>Taux de Risque - Résultats</a:t>
+            </a:r>
+          </a:p>
+        </p:txBody>
+      </p:sp>
+      <p:sp>
+        <p:nvSpPr>
+          <p:cNvPr id="3" name="Rectangle 2"/>
+          <p:cNvSpPr/>
+          <p:nvPr/>
+        </p:nvSpPr>
+        <p:spPr>
+          <a:xfrm>
+            <a:off x="457200" y="1005840"/>
+            <a:ext cx="8229600" cy="27432"/>
+          </a:xfrm>
+          <a:prstGeom prst="rect">
+            <a:avLst/>
+          </a:prstGeom>
+          <a:solidFill>
+            <a:srgbClr val="006699"/>
+          </a:solidFill>
+          <a:ln>
+            <a:noFill/>
+          </a:ln>
+        </p:spPr>
+        <p:style>
+          <a:lnRef idx="1">
+            <a:schemeClr val="accent1"/>
+          </a:lnRef>
+          <a:fillRef idx="3">
+            <a:schemeClr val="accent1"/>
+          </a:fillRef>
+          <a:effectRef idx="2">
+            <a:schemeClr val="accent1"/>
+          </a:effectRef>
+          <a:fontRef idx="minor">
+            <a:schemeClr val="lt1"/>
+          </a:fontRef>
+        </p:style>
+        <p:txBody>
+          <a:bodyPr rtlCol="0" anchor="ctr"/>
+          <a:lstStyle/>
+          <a:p>
+            <a:pPr algn="ctr"/>
+            <a:endParaRPr/>
+          </a:p>
+        </p:txBody>
+      </p:sp>
+      <p:sp>
+        <p:nvSpPr>
+          <p:cNvPr id="4" name="TextBox 3"/>
+          <p:cNvSpPr txBox="1"/>
+          <p:nvPr/>
+        </p:nvSpPr>
+        <p:spPr>
+          <a:xfrm>
+            <a:off x="457200" y="1188720"/>
+            <a:ext cx="8229600" cy="1661993"/>
+          </a:xfrm>
+          <a:prstGeom prst="rect">
+            <a:avLst/>
+          </a:prstGeom>
+          <a:noFill/>
+        </p:spPr>
+        <p:txBody>
+          <a:bodyPr wrap="square" lIns="91440" tIns="45720" rIns="91440" bIns="45720" anchor="t">
+            <a:spAutoFit/>
+          </a:bodyPr>
+          <a:lstStyle/>
+          <a:p>
+            <a:pPr>
+              <a:spcAft>
+                <a:spcPts val="1200"/>
+              </a:spcAft>
+              <a:defRPr sz="1800">
+                <a:solidFill>
+                  <a:srgbClr val="646464"/>
+                </a:solidFill>
+              </a:defRPr>
+            </a:pPr>
+            <a:r>
+              <a:rPr dirty="0"/>
+              <a:t>• Performances nettement inférieures mais plus </a:t>
+            </a:r>
+            <a:r>
+              <a:rPr lang="fr-FR" dirty="0"/>
+              <a:t>réalistes</a:t>
+            </a:r>
+            <a:endParaRPr lang="fr-FR" dirty="0">
+              <a:ea typeface="Calibri"/>
+              <a:cs typeface="Calibri"/>
+            </a:endParaRPr>
+          </a:p>
+          <a:p>
+            <a:pPr>
+              <a:spcAft>
+                <a:spcPts val="1200"/>
+              </a:spcAft>
+              <a:defRPr sz="1800">
+                <a:solidFill>
+                  <a:srgbClr val="646464"/>
+                </a:solidFill>
+              </a:defRPr>
+            </a:pPr>
+            <a:r>
+              <a:rPr dirty="0"/>
+              <a:t>• Le </a:t>
+            </a:r>
+            <a:r>
+              <a:rPr dirty="0" err="1"/>
+              <a:t>modèle</a:t>
+            </a:r>
+            <a:r>
+              <a:rPr dirty="0"/>
+              <a:t> ne </a:t>
+            </a:r>
+            <a:r>
+              <a:rPr dirty="0" err="1"/>
+              <a:t>peut</a:t>
+            </a:r>
+            <a:r>
+              <a:rPr dirty="0"/>
+              <a:t> plus exploiter </a:t>
+            </a:r>
+            <a:r>
+              <a:rPr dirty="0" err="1"/>
+              <a:t>l'effet</a:t>
+            </a:r>
+            <a:r>
+              <a:rPr dirty="0"/>
+              <a:t> de taille</a:t>
+            </a:r>
+            <a:endParaRPr dirty="0">
+              <a:ea typeface="Calibri"/>
+              <a:cs typeface="Calibri"/>
+            </a:endParaRPr>
+          </a:p>
+          <a:p>
+            <a:pPr>
+              <a:spcAft>
+                <a:spcPts val="1200"/>
+              </a:spcAft>
+              <a:defRPr sz="1800">
+                <a:solidFill>
+                  <a:srgbClr val="646464"/>
+                </a:solidFill>
+              </a:defRPr>
+            </a:pPr>
+            <a:r>
+              <a:rPr dirty="0"/>
+              <a:t>• Paris </a:t>
+            </a:r>
+            <a:r>
+              <a:rPr dirty="0" err="1"/>
+              <a:t>n'a</a:t>
+            </a:r>
+            <a:r>
+              <a:rPr dirty="0"/>
+              <a:t> plus un </a:t>
+            </a:r>
+            <a:r>
+              <a:rPr dirty="0" err="1"/>
+              <a:t>poids</a:t>
+            </a:r>
+            <a:r>
+              <a:rPr dirty="0"/>
+              <a:t> </a:t>
+            </a:r>
+            <a:r>
+              <a:rPr dirty="0" err="1"/>
+              <a:t>disproportionné</a:t>
+            </a:r>
+            <a:endParaRPr dirty="0" err="1">
+              <a:ea typeface="Calibri"/>
+              <a:cs typeface="Calibri"/>
+            </a:endParaRPr>
+          </a:p>
+          <a:p>
+            <a:pPr>
+              <a:spcAft>
+                <a:spcPts val="1200"/>
+              </a:spcAft>
+              <a:defRPr sz="1800">
+                <a:solidFill>
+                  <a:srgbClr val="646464"/>
+                </a:solidFill>
+              </a:defRPr>
+            </a:pPr>
+            <a:r>
+              <a:rPr dirty="0"/>
+              <a:t>• </a:t>
+            </a:r>
+            <a:r>
+              <a:rPr dirty="0" err="1"/>
+              <a:t>Reflète</a:t>
+            </a:r>
+            <a:r>
+              <a:rPr dirty="0"/>
+              <a:t> la </a:t>
+            </a:r>
+            <a:r>
+              <a:rPr dirty="0" err="1"/>
+              <a:t>complexité</a:t>
+            </a:r>
+            <a:r>
+              <a:rPr dirty="0"/>
+              <a:t> </a:t>
+            </a:r>
+            <a:r>
+              <a:rPr lang="fr-FR" dirty="0"/>
+              <a:t>du problème </a:t>
+            </a:r>
+            <a:endParaRPr>
+              <a:ea typeface="Calibri"/>
+              <a:cs typeface="Calibri"/>
+            </a:endParaRPr>
           </a:p>
         </p:txBody>
       </p:sp>
@@ -4310,10 +6387,34 @@
                 <a:tableStyleId>{5C22544A-7EE6-4342-B048-85BDC9FD1C3A}</a:tableStyleId>
               </a:tblPr>
               <a:tblGrid>
-                <a:gridCol w="2057400"/>
-                <a:gridCol w="2057400"/>
-                <a:gridCol w="2057400"/>
-                <a:gridCol w="2057400"/>
+                <a:gridCol w="2057400">
+                  <a:extLst>
+                    <a:ext uri="{9D8B030D-6E8A-4147-A177-3AD203B41FA5}">
+                      <a16:colId xmlns:a16="http://schemas.microsoft.com/office/drawing/2014/main" val="20000"/>
+                    </a:ext>
+                  </a:extLst>
+                </a:gridCol>
+                <a:gridCol w="2057400">
+                  <a:extLst>
+                    <a:ext uri="{9D8B030D-6E8A-4147-A177-3AD203B41FA5}">
+                      <a16:colId xmlns:a16="http://schemas.microsoft.com/office/drawing/2014/main" val="20001"/>
+                    </a:ext>
+                  </a:extLst>
+                </a:gridCol>
+                <a:gridCol w="2057400">
+                  <a:extLst>
+                    <a:ext uri="{9D8B030D-6E8A-4147-A177-3AD203B41FA5}">
+                      <a16:colId xmlns:a16="http://schemas.microsoft.com/office/drawing/2014/main" val="20002"/>
+                    </a:ext>
+                  </a:extLst>
+                </a:gridCol>
+                <a:gridCol w="2057400">
+                  <a:extLst>
+                    <a:ext uri="{9D8B030D-6E8A-4147-A177-3AD203B41FA5}">
+                      <a16:colId xmlns:a16="http://schemas.microsoft.com/office/drawing/2014/main" val="20003"/>
+                    </a:ext>
+                  </a:extLst>
+                </a:gridCol>
               </a:tblGrid>
               <a:tr h="365760">
                 <a:tc>
@@ -4408,6 +6509,11 @@
                     </a:solidFill>
                   </a:tcPr>
                 </a:tc>
+                <a:extLst>
+                  <a:ext uri="{0D108BD9-81ED-4DB2-BD59-A6C34878D82A}">
+                    <a16:rowId xmlns:a16="http://schemas.microsoft.com/office/drawing/2014/main" val="10000"/>
+                  </a:ext>
+                </a:extLst>
               </a:tr>
               <a:tr h="365760">
                 <a:tc>
@@ -4486,6 +6592,11 @@
                   </a:txBody>
                   <a:tcPr/>
                 </a:tc>
+                <a:extLst>
+                  <a:ext uri="{0D108BD9-81ED-4DB2-BD59-A6C34878D82A}">
+                    <a16:rowId xmlns:a16="http://schemas.microsoft.com/office/drawing/2014/main" val="10001"/>
+                  </a:ext>
+                </a:extLst>
               </a:tr>
               <a:tr h="365760">
                 <a:tc>
@@ -4564,6 +6675,11 @@
                   </a:txBody>
                   <a:tcPr/>
                 </a:tc>
+                <a:extLst>
+                  <a:ext uri="{0D108BD9-81ED-4DB2-BD59-A6C34878D82A}">
+                    <a16:rowId xmlns:a16="http://schemas.microsoft.com/office/drawing/2014/main" val="10002"/>
+                  </a:ext>
+                </a:extLst>
               </a:tr>
             </a:tbl>
           </a:graphicData>
@@ -4577,8 +6693,8 @@
 </p:sld>
 </file>
 
-<file path=ppt/slides/slide15.xml><?xml version="1.0" encoding="utf-8"?>
-<p:sld xmlns:a="http://schemas.openxmlformats.org/drawingml/2006/main" xmlns:p="http://schemas.openxmlformats.org/presentationml/2006/main" xmlns:r="http://schemas.openxmlformats.org/officeDocument/2006/relationships">
+<file path=ppt/slides/slide19.xml><?xml version="1.0" encoding="utf-8"?>
+<p:sld xmlns:a="http://schemas.openxmlformats.org/drawingml/2006/main" xmlns:r="http://schemas.openxmlformats.org/officeDocument/2006/relationships" xmlns:p="http://schemas.openxmlformats.org/presentationml/2006/main">
   <p:cSld>
     <p:spTree>
       <p:nvGrpSpPr>
@@ -4586,7 +6702,14 @@
         <p:cNvGrpSpPr/>
         <p:nvPr/>
       </p:nvGrpSpPr>
-      <p:grpSpPr/>
+      <p:grpSpPr>
+        <a:xfrm>
+          <a:off x="0" y="0"/>
+          <a:ext cx="0" cy="0"/>
+          <a:chOff x="0" y="0"/>
+          <a:chExt cx="0" cy="0"/>
+        </a:xfrm>
+      </p:grpSpPr>
       <p:sp>
         <p:nvSpPr>
           <p:cNvPr id="2" name="TextBox 1"/>
@@ -4662,6 +6785,7 @@
           <a:lstStyle/>
           <a:p>
             <a:pPr algn="ctr"/>
+            <a:endParaRPr/>
           </a:p>
         </p:txBody>
       </p:sp>
@@ -4752,10 +6876,34 @@
                 <a:tableStyleId>{5C22544A-7EE6-4342-B048-85BDC9FD1C3A}</a:tableStyleId>
               </a:tblPr>
               <a:tblGrid>
-                <a:gridCol w="2057400"/>
-                <a:gridCol w="2057400"/>
-                <a:gridCol w="2057400"/>
-                <a:gridCol w="2057400"/>
+                <a:gridCol w="2057400">
+                  <a:extLst>
+                    <a:ext uri="{9D8B030D-6E8A-4147-A177-3AD203B41FA5}">
+                      <a16:colId xmlns:a16="http://schemas.microsoft.com/office/drawing/2014/main" val="20000"/>
+                    </a:ext>
+                  </a:extLst>
+                </a:gridCol>
+                <a:gridCol w="2057400">
+                  <a:extLst>
+                    <a:ext uri="{9D8B030D-6E8A-4147-A177-3AD203B41FA5}">
+                      <a16:colId xmlns:a16="http://schemas.microsoft.com/office/drawing/2014/main" val="20001"/>
+                    </a:ext>
+                  </a:extLst>
+                </a:gridCol>
+                <a:gridCol w="2057400">
+                  <a:extLst>
+                    <a:ext uri="{9D8B030D-6E8A-4147-A177-3AD203B41FA5}">
+                      <a16:colId xmlns:a16="http://schemas.microsoft.com/office/drawing/2014/main" val="20002"/>
+                    </a:ext>
+                  </a:extLst>
+                </a:gridCol>
+                <a:gridCol w="2057400">
+                  <a:extLst>
+                    <a:ext uri="{9D8B030D-6E8A-4147-A177-3AD203B41FA5}">
+                      <a16:colId xmlns:a16="http://schemas.microsoft.com/office/drawing/2014/main" val="20003"/>
+                    </a:ext>
+                  </a:extLst>
+                </a:gridCol>
               </a:tblGrid>
               <a:tr h="365760">
                 <a:tc>
@@ -4850,6 +6998,11 @@
                     </a:solidFill>
                   </a:tcPr>
                 </a:tc>
+                <a:extLst>
+                  <a:ext uri="{0D108BD9-81ED-4DB2-BD59-A6C34878D82A}">
+                    <a16:rowId xmlns:a16="http://schemas.microsoft.com/office/drawing/2014/main" val="10000"/>
+                  </a:ext>
+                </a:extLst>
               </a:tr>
               <a:tr h="365760">
                 <a:tc>
@@ -4928,6 +7081,11 @@
                   </a:txBody>
                   <a:tcPr/>
                 </a:tc>
+                <a:extLst>
+                  <a:ext uri="{0D108BD9-81ED-4DB2-BD59-A6C34878D82A}">
+                    <a16:rowId xmlns:a16="http://schemas.microsoft.com/office/drawing/2014/main" val="10001"/>
+                  </a:ext>
+                </a:extLst>
               </a:tr>
               <a:tr h="365760">
                 <a:tc>
@@ -5006,6 +7164,11 @@
                   </a:txBody>
                   <a:tcPr/>
                 </a:tc>
+                <a:extLst>
+                  <a:ext uri="{0D108BD9-81ED-4DB2-BD59-A6C34878D82A}">
+                    <a16:rowId xmlns:a16="http://schemas.microsoft.com/office/drawing/2014/main" val="10002"/>
+                  </a:ext>
+                </a:extLst>
               </a:tr>
               <a:tr h="365760">
                 <a:tc>
@@ -5084,6 +7247,11 @@
                   </a:txBody>
                   <a:tcPr/>
                 </a:tc>
+                <a:extLst>
+                  <a:ext uri="{0D108BD9-81ED-4DB2-BD59-A6C34878D82A}">
+                    <a16:rowId xmlns:a16="http://schemas.microsoft.com/office/drawing/2014/main" val="10003"/>
+                  </a:ext>
+                </a:extLst>
               </a:tr>
               <a:tr h="365760">
                 <a:tc>
@@ -5162,6 +7330,11 @@
                   </a:txBody>
                   <a:tcPr/>
                 </a:tc>
+                <a:extLst>
+                  <a:ext uri="{0D108BD9-81ED-4DB2-BD59-A6C34878D82A}">
+                    <a16:rowId xmlns:a16="http://schemas.microsoft.com/office/drawing/2014/main" val="10004"/>
+                  </a:ext>
+                </a:extLst>
               </a:tr>
             </a:tbl>
           </a:graphicData>
@@ -5175,8 +7348,8 @@
 </p:sld>
 </file>
 
-<file path=ppt/slides/slide16.xml><?xml version="1.0" encoding="utf-8"?>
-<p:sld xmlns:a="http://schemas.openxmlformats.org/drawingml/2006/main" xmlns:p="http://schemas.openxmlformats.org/presentationml/2006/main" xmlns:r="http://schemas.openxmlformats.org/officeDocument/2006/relationships">
+<file path=ppt/slides/slide2.xml><?xml version="1.0" encoding="utf-8"?>
+<p:sld xmlns:a="http://schemas.openxmlformats.org/drawingml/2006/main" xmlns:r="http://schemas.openxmlformats.org/officeDocument/2006/relationships" xmlns:p="http://schemas.openxmlformats.org/presentationml/2006/main">
   <p:cSld>
     <p:spTree>
       <p:nvGrpSpPr>
@@ -5184,7 +7357,14 @@
         <p:cNvGrpSpPr/>
         <p:nvPr/>
       </p:nvGrpSpPr>
-      <p:grpSpPr/>
+      <p:grpSpPr>
+        <a:xfrm>
+          <a:off x="0" y="0"/>
+          <a:ext cx="0" cy="0"/>
+          <a:chOff x="0" y="0"/>
+          <a:chExt cx="0" cy="0"/>
+        </a:xfrm>
+      </p:grpSpPr>
       <p:sp>
         <p:nvSpPr>
           <p:cNvPr id="2" name="TextBox 1"/>
@@ -5215,7 +7395,7 @@
               </a:defRPr>
             </a:pPr>
             <a:r>
-              <a:t>Limites de l'Étude</a:t>
+              <a:t>Contexte et Problématique</a:t>
             </a:r>
           </a:p>
         </p:txBody>
@@ -5260,6 +7440,7 @@
           <a:lstStyle/>
           <a:p>
             <a:pPr algn="ctr"/>
+            <a:endParaRPr/>
           </a:p>
         </p:txBody>
       </p:sp>
@@ -5296,7 +7477,7 @@
               </a:defRPr>
             </a:pPr>
             <a:r>
-              <a:t>• Sous-déclaration des accidents (accidents mineurs)</a:t>
+              <a:t>• Essor du vélo en Île-de-France (Vélib', pistes cyclables)</a:t>
             </a:r>
           </a:p>
           <a:p>
@@ -5311,7 +7492,7 @@
               </a:defRPr>
             </a:pPr>
             <a:r>
-              <a:t>• </a:t>
+              <a:t>• Politiques de mobilité durable en expansion</a:t>
             </a:r>
           </a:p>
           <a:p>
@@ -5326,7 +7507,7 @@
               </a:defRPr>
             </a:pPr>
             <a:r>
-              <a:t>• Couverture limitée : 69 compteurs pour toute l'IDF</a:t>
+              <a:t>• Enjeu de sécurité routière majeur</a:t>
             </a:r>
           </a:p>
           <a:p>
@@ -5341,7 +7522,7 @@
               </a:defRPr>
             </a:pPr>
             <a:r>
-              <a:t>• </a:t>
+              <a:t>• 22 609 accidents de vélo enregistrés en Île-de-France</a:t>
             </a:r>
           </a:p>
           <a:p>
@@ -5356,82 +7537,7 @@
               </a:defRPr>
             </a:pPr>
             <a:r>
-              <a:t>• Variables manquantes :</a:t>
-            </a:r>
-          </a:p>
-          <a:p>
-            <a:pPr>
-              <a:spcAft>
-                <a:spcPts val="1200"/>
-              </a:spcAft>
-              <a:defRPr sz="1800">
-                <a:solidFill>
-                  <a:srgbClr val="646464"/>
-                </a:solidFill>
-              </a:defRPr>
-            </a:pPr>
-            <a:r>
-              <a:t>•    • Trafic automobile</a:t>
-            </a:r>
-          </a:p>
-          <a:p>
-            <a:pPr>
-              <a:spcAft>
-                <a:spcPts val="1200"/>
-              </a:spcAft>
-              <a:defRPr sz="1800">
-                <a:solidFill>
-                  <a:srgbClr val="646464"/>
-                </a:solidFill>
-              </a:defRPr>
-            </a:pPr>
-            <a:r>
-              <a:t>•    • Caractéristiques urbanistiques</a:t>
-            </a:r>
-          </a:p>
-          <a:p>
-            <a:pPr>
-              <a:spcAft>
-                <a:spcPts val="1200"/>
-              </a:spcAft>
-              <a:defRPr sz="1800">
-                <a:solidFill>
-                  <a:srgbClr val="646464"/>
-                </a:solidFill>
-              </a:defRPr>
-            </a:pPr>
-            <a:r>
-              <a:t>•    • Météo détaillée</a:t>
-            </a:r>
-          </a:p>
-          <a:p>
-            <a:pPr>
-              <a:spcAft>
-                <a:spcPts val="1200"/>
-              </a:spcAft>
-              <a:defRPr sz="1800">
-                <a:solidFill>
-                  <a:srgbClr val="646464"/>
-                </a:solidFill>
-              </a:defRPr>
-            </a:pPr>
-            <a:r>
-              <a:t>• </a:t>
-            </a:r>
-          </a:p>
-          <a:p>
-            <a:pPr>
-              <a:spcAft>
-                <a:spcPts val="1200"/>
-              </a:spcAft>
-              <a:defRPr sz="1800">
-                <a:solidFill>
-                  <a:srgbClr val="646464"/>
-                </a:solidFill>
-              </a:defRPr>
-            </a:pPr>
-            <a:r>
-              <a:t>• 33.6% de communes sans accident → modèles Zero-Inflated ?</a:t>
+              <a:t>• Question : peut-on prédire et prévenir ces accidents ?</a:t>
             </a:r>
           </a:p>
         </p:txBody>
@@ -5444,8 +7550,8 @@
 </p:sld>
 </file>
 
-<file path=ppt/slides/slide17.xml><?xml version="1.0" encoding="utf-8"?>
-<p:sld xmlns:a="http://schemas.openxmlformats.org/drawingml/2006/main" xmlns:p="http://schemas.openxmlformats.org/presentationml/2006/main" xmlns:r="http://schemas.openxmlformats.org/officeDocument/2006/relationships">
+<file path=ppt/slides/slide20.xml><?xml version="1.0" encoding="utf-8"?>
+<p:sld xmlns:a="http://schemas.openxmlformats.org/drawingml/2006/main" xmlns:r="http://schemas.openxmlformats.org/officeDocument/2006/relationships" xmlns:p="http://schemas.openxmlformats.org/presentationml/2006/main">
   <p:cSld>
     <p:spTree>
       <p:nvGrpSpPr>
@@ -5453,7 +7559,14 @@
         <p:cNvGrpSpPr/>
         <p:nvPr/>
       </p:nvGrpSpPr>
-      <p:grpSpPr/>
+      <p:grpSpPr>
+        <a:xfrm>
+          <a:off x="0" y="0"/>
+          <a:ext cx="0" cy="0"/>
+          <a:chOff x="0" y="0"/>
+          <a:chExt cx="0" cy="0"/>
+        </a:xfrm>
+      </p:grpSpPr>
       <p:sp>
         <p:nvSpPr>
           <p:cNvPr id="2" name="TextBox 1"/>
@@ -5484,7 +7597,7 @@
               </a:defRPr>
             </a:pPr>
             <a:r>
-              <a:t>Conclusion</a:t>
+              <a:t>Limites de l'Étude</a:t>
             </a:r>
           </a:p>
         </p:txBody>
@@ -5529,6 +7642,7 @@
           <a:lstStyle/>
           <a:p>
             <a:pPr algn="ctr"/>
+            <a:endParaRPr/>
           </a:p>
         </p:txBody>
       </p:sp>
@@ -5541,7 +7655,7 @@
         <p:spPr>
           <a:xfrm>
             <a:off x="457200" y="1188720"/>
-            <a:ext cx="8229600" cy="4572000"/>
+            <a:ext cx="8229600" cy="4247317"/>
           </a:xfrm>
           <a:prstGeom prst="rect">
             <a:avLst/>
@@ -5549,7 +7663,7 @@
           <a:noFill/>
         </p:spPr>
         <p:txBody>
-          <a:bodyPr wrap="square">
+          <a:bodyPr wrap="square" lIns="91440" tIns="45720" rIns="91440" bIns="45720" anchor="t">
             <a:spAutoFit/>
           </a:bodyPr>
           <a:lstStyle/>
@@ -5565,7 +7679,24 @@
               </a:defRPr>
             </a:pPr>
             <a:r>
-              <a:t>• ✓ Classification efficace pour identifier les communes prioritaires</a:t>
+              <a:rPr dirty="0"/>
+              <a:t>• Sous-</a:t>
+            </a:r>
+            <a:r>
+              <a:rPr dirty="0" err="1"/>
+              <a:t>déclaration</a:t>
+            </a:r>
+            <a:r>
+              <a:rPr dirty="0"/>
+              <a:t> des accidents (accidents </a:t>
+            </a:r>
+            <a:r>
+              <a:rPr dirty="0" err="1"/>
+              <a:t>mineurs</a:t>
+            </a:r>
+            <a:r>
+              <a:rPr dirty="0"/>
+              <a:t>)</a:t>
             </a:r>
           </a:p>
           <a:p>
@@ -5579,9 +7710,10 @@
                 </a:solidFill>
               </a:defRPr>
             </a:pPr>
-            <a:r>
-              <a:t>• </a:t>
-            </a:r>
+            <a:endParaRPr dirty="0">
+              <a:ea typeface="Calibri"/>
+              <a:cs typeface="Calibri"/>
+            </a:endParaRPr>
           </a:p>
           <a:p>
             <a:pPr>
@@ -5595,8 +7727,33 @@
               </a:defRPr>
             </a:pPr>
             <a:r>
-              <a:t>• ⚠ Régression brute biaisée par l'effet de taille</a:t>
-            </a:r>
+              <a:rPr dirty="0"/>
+              <a:t>• Couverture </a:t>
+            </a:r>
+            <a:r>
+              <a:rPr dirty="0" err="1"/>
+              <a:t>limitée</a:t>
+            </a:r>
+            <a:r>
+              <a:rPr dirty="0"/>
+              <a:t> : 69 </a:t>
+            </a:r>
+            <a:r>
+              <a:rPr dirty="0" err="1"/>
+              <a:t>compteurs</a:t>
+            </a:r>
+            <a:r>
+              <a:rPr dirty="0"/>
+              <a:t> pour toute </a:t>
+            </a:r>
+            <a:r>
+              <a:rPr dirty="0" err="1"/>
+              <a:t>l'IDF</a:t>
+            </a:r>
+            <a:endParaRPr dirty="0" err="1">
+              <a:ea typeface="Calibri"/>
+              <a:cs typeface="Calibri"/>
+            </a:endParaRPr>
           </a:p>
           <a:p>
             <a:pPr>
@@ -5609,9 +7766,10 @@
                 </a:solidFill>
               </a:defRPr>
             </a:pPr>
-            <a:r>
-              <a:t>• </a:t>
-            </a:r>
+            <a:endParaRPr dirty="0">
+              <a:ea typeface="Calibri"/>
+              <a:cs typeface="Calibri"/>
+            </a:endParaRPr>
           </a:p>
           <a:p>
             <a:pPr>
@@ -5625,8 +7783,21 @@
               </a:defRPr>
             </a:pPr>
             <a:r>
-              <a:t>• ✓ Taux normalisés : approche méthodologiquement rigoureuse</a:t>
-            </a:r>
+              <a:rPr dirty="0"/>
+              <a:t>• Variables </a:t>
+            </a:r>
+            <a:r>
+              <a:rPr dirty="0" err="1"/>
+              <a:t>manquantes</a:t>
+            </a:r>
+            <a:r>
+              <a:rPr dirty="0"/>
+              <a:t> :</a:t>
+            </a:r>
+            <a:endParaRPr dirty="0">
+              <a:ea typeface="Calibri"/>
+              <a:cs typeface="Calibri"/>
+            </a:endParaRPr>
           </a:p>
           <a:p>
             <a:pPr>
@@ -5640,8 +7811,25 @@
               </a:defRPr>
             </a:pPr>
             <a:r>
+              <a:rPr dirty="0"/>
               <a:t>• </a:t>
             </a:r>
+            <a:r>
+              <a:rPr lang="fr-FR" dirty="0"/>
+              <a:t>- </a:t>
+            </a:r>
+            <a:r>
+              <a:rPr dirty="0" err="1"/>
+              <a:t>Trafic</a:t>
+            </a:r>
+            <a:r>
+              <a:rPr dirty="0"/>
+              <a:t> automobile</a:t>
+            </a:r>
+            <a:endParaRPr dirty="0">
+              <a:ea typeface="Calibri"/>
+              <a:cs typeface="Calibri"/>
+            </a:endParaRPr>
           </a:p>
           <a:p>
             <a:pPr>
@@ -5655,8 +7843,29 @@
               </a:defRPr>
             </a:pPr>
             <a:r>
-              <a:t>• Enseignement principal :</a:t>
-            </a:r>
+              <a:rPr dirty="0"/>
+              <a:t>• </a:t>
+            </a:r>
+            <a:r>
+              <a:rPr lang="fr-FR" dirty="0"/>
+              <a:t>- </a:t>
+            </a:r>
+            <a:r>
+              <a:rPr dirty="0" err="1"/>
+              <a:t>Caractéristiques</a:t>
+            </a:r>
+            <a:r>
+              <a:rPr dirty="0"/>
+              <a:t> </a:t>
+            </a:r>
+            <a:r>
+              <a:rPr dirty="0" err="1"/>
+              <a:t>urbanistiques</a:t>
+            </a:r>
+            <a:endParaRPr dirty="0" err="1">
+              <a:ea typeface="Calibri"/>
+              <a:cs typeface="Calibri"/>
+            </a:endParaRPr>
           </a:p>
           <a:p>
             <a:pPr>
@@ -5670,8 +7879,29 @@
               </a:defRPr>
             </a:pPr>
             <a:r>
-              <a:t>•    Performance ≠ Validité</a:t>
-            </a:r>
+              <a:rPr dirty="0"/>
+              <a:t>• </a:t>
+            </a:r>
+            <a:r>
+              <a:rPr lang="fr-FR" dirty="0"/>
+              <a:t>- </a:t>
+            </a:r>
+            <a:r>
+              <a:rPr dirty="0" err="1"/>
+              <a:t>Météo</a:t>
+            </a:r>
+            <a:r>
+              <a:rPr dirty="0"/>
+              <a:t> </a:t>
+            </a:r>
+            <a:r>
+              <a:rPr dirty="0" err="1"/>
+              <a:t>détaillée</a:t>
+            </a:r>
+            <a:endParaRPr dirty="0" err="1">
+              <a:ea typeface="Calibri"/>
+              <a:cs typeface="Calibri"/>
+            </a:endParaRPr>
           </a:p>
           <a:p>
             <a:pPr>
@@ -5684,9 +7914,38 @@
                 </a:solidFill>
               </a:defRPr>
             </a:pPr>
-            <a:r>
-              <a:t>•    L'analyse critique des données est essentielle</a:t>
-            </a:r>
+            <a:endParaRPr dirty="0">
+              <a:ea typeface="Calibri"/>
+              <a:cs typeface="Calibri"/>
+            </a:endParaRPr>
+          </a:p>
+          <a:p>
+            <a:pPr>
+              <a:spcAft>
+                <a:spcPts val="1200"/>
+              </a:spcAft>
+              <a:defRPr sz="1800">
+                <a:solidFill>
+                  <a:srgbClr val="646464"/>
+                </a:solidFill>
+              </a:defRPr>
+            </a:pPr>
+            <a:r>
+              <a:rPr dirty="0"/>
+              <a:t>• 33.6% de communes sans accident → </a:t>
+            </a:r>
+            <a:r>
+              <a:rPr dirty="0" err="1"/>
+              <a:t>modèles</a:t>
+            </a:r>
+            <a:r>
+              <a:rPr dirty="0"/>
+              <a:t> Zero-Inflated ?</a:t>
+            </a:r>
+            <a:endParaRPr dirty="0">
+              <a:ea typeface="Calibri"/>
+              <a:cs typeface="Calibri"/>
+            </a:endParaRPr>
           </a:p>
         </p:txBody>
       </p:sp>
@@ -5698,8 +7957,8 @@
 </p:sld>
 </file>
 
-<file path=ppt/slides/slide18.xml><?xml version="1.0" encoding="utf-8"?>
-<p:sld xmlns:a="http://schemas.openxmlformats.org/drawingml/2006/main" xmlns:p="http://schemas.openxmlformats.org/presentationml/2006/main" xmlns:r="http://schemas.openxmlformats.org/officeDocument/2006/relationships">
+<file path=ppt/slides/slide21.xml><?xml version="1.0" encoding="utf-8"?>
+<p:sld xmlns:a="http://schemas.openxmlformats.org/drawingml/2006/main" xmlns:r="http://schemas.openxmlformats.org/officeDocument/2006/relationships" xmlns:p="http://schemas.openxmlformats.org/presentationml/2006/main">
   <p:cSld>
     <p:spTree>
       <p:nvGrpSpPr>
@@ -5707,72 +7966,14 @@
         <p:cNvGrpSpPr/>
         <p:nvPr/>
       </p:nvGrpSpPr>
-      <p:grpSpPr/>
-      <p:sp>
-        <p:nvSpPr>
-          <p:cNvPr id="2" name="TextBox 1"/>
-          <p:cNvSpPr txBox="1"/>
-          <p:nvPr/>
-        </p:nvSpPr>
-        <p:spPr>
-          <a:xfrm>
-            <a:off x="457200" y="2286000"/>
-            <a:ext cx="8229600" cy="1371600"/>
-          </a:xfrm>
-          <a:prstGeom prst="rect">
-            <a:avLst/>
-          </a:prstGeom>
-          <a:noFill/>
-        </p:spPr>
-        <p:txBody>
-          <a:bodyPr wrap="square">
-            <a:spAutoFit/>
-          </a:bodyPr>
-          <a:lstStyle/>
-          <a:p>
-            <a:pPr algn="ctr">
-              <a:defRPr sz="4000" b="1">
-                <a:solidFill>
-                  <a:srgbClr val="003366"/>
-                </a:solidFill>
-              </a:defRPr>
-            </a:pPr>
-            <a:r>
-              <a:t>Merci pour votre attention</a:t>
-            </a:r>
-          </a:p>
-          <a:p>
-            <a:pPr algn="ctr">
-              <a:defRPr sz="2400">
-                <a:solidFill>
-                  <a:srgbClr val="646464"/>
-                </a:solidFill>
-              </a:defRPr>
-            </a:pPr>
-            <a:r>
-              <a:t>Questions ?</a:t>
-            </a:r>
-          </a:p>
-        </p:txBody>
-      </p:sp>
-    </p:spTree>
-  </p:cSld>
-  <p:clrMapOvr>
-    <a:masterClrMapping/>
-  </p:clrMapOvr>
-</p:sld>
-</file>
-
-<file path=ppt/slides/slide2.xml><?xml version="1.0" encoding="utf-8"?>
-<p:sld xmlns:a="http://schemas.openxmlformats.org/drawingml/2006/main" xmlns:p="http://schemas.openxmlformats.org/presentationml/2006/main" xmlns:r="http://schemas.openxmlformats.org/officeDocument/2006/relationships">
-  <p:cSld>
-    <p:spTree>
-      <p:nvGrpSpPr>
-        <p:cNvPr id="1" name=""/>
-        <p:cNvGrpSpPr/>
-        <p:nvPr/>
-      </p:nvGrpSpPr>
-      <p:grpSpPr/>
+      <p:grpSpPr>
+        <a:xfrm>
+          <a:off x="0" y="0"/>
+          <a:ext cx="0" cy="0"/>
+          <a:chOff x="0" y="0"/>
+          <a:chExt cx="0" cy="0"/>
+        </a:xfrm>
+      </p:grpSpPr>
       <p:sp>
         <p:nvSpPr>
           <p:cNvPr id="2" name="TextBox 1"/>
@@ -5803,7 +8004,7 @@
               </a:defRPr>
             </a:pPr>
             <a:r>
-              <a:t>Contexte et Problématique</a:t>
+              <a:t>Conclusion</a:t>
             </a:r>
           </a:p>
         </p:txBody>
@@ -5848,6 +8049,7 @@
           <a:lstStyle/>
           <a:p>
             <a:pPr algn="ctr"/>
+            <a:endParaRPr/>
           </a:p>
         </p:txBody>
       </p:sp>
@@ -5860,7 +8062,7 @@
         <p:spPr>
           <a:xfrm>
             <a:off x="457200" y="1188720"/>
-            <a:ext cx="8229600" cy="4572000"/>
+            <a:ext cx="8229600" cy="4247317"/>
           </a:xfrm>
           <a:prstGeom prst="rect">
             <a:avLst/>
@@ -5868,83 +8070,337 @@
           <a:noFill/>
         </p:spPr>
         <p:txBody>
+          <a:bodyPr wrap="square" lIns="91440" tIns="45720" rIns="91440" bIns="45720" anchor="t">
+            <a:spAutoFit/>
+          </a:bodyPr>
+          <a:lstStyle/>
+          <a:p>
+            <a:pPr>
+              <a:spcAft>
+                <a:spcPts val="1200"/>
+              </a:spcAft>
+              <a:defRPr sz="1800">
+                <a:solidFill>
+                  <a:srgbClr val="646464"/>
+                </a:solidFill>
+              </a:defRPr>
+            </a:pPr>
+            <a:r>
+              <a:rPr dirty="0"/>
+              <a:t>• ✓ Classification efficace pour identifier les communes prioritaires</a:t>
+            </a:r>
+            <a:endParaRPr lang="fr-FR" dirty="0">
+              <a:ea typeface="Calibri"/>
+              <a:cs typeface="Calibri"/>
+            </a:endParaRPr>
+          </a:p>
+          <a:p>
+            <a:pPr>
+              <a:spcAft>
+                <a:spcPts val="1200"/>
+              </a:spcAft>
+              <a:defRPr sz="1800">
+                <a:solidFill>
+                  <a:srgbClr val="646464"/>
+                </a:solidFill>
+              </a:defRPr>
+            </a:pPr>
+            <a:endParaRPr dirty="0">
+              <a:ea typeface="Calibri"/>
+              <a:cs typeface="Calibri"/>
+            </a:endParaRPr>
+          </a:p>
+          <a:p>
+            <a:pPr>
+              <a:spcAft>
+                <a:spcPts val="1200"/>
+              </a:spcAft>
+              <a:defRPr sz="1800">
+                <a:solidFill>
+                  <a:srgbClr val="646464"/>
+                </a:solidFill>
+              </a:defRPr>
+            </a:pPr>
+            <a:r>
+              <a:rPr dirty="0"/>
+              <a:t>• ⚠ </a:t>
+            </a:r>
+            <a:r>
+              <a:rPr dirty="0" err="1"/>
+              <a:t>Régression</a:t>
+            </a:r>
+            <a:r>
+              <a:rPr dirty="0"/>
+              <a:t> brute </a:t>
+            </a:r>
+            <a:r>
+              <a:rPr dirty="0" err="1"/>
+              <a:t>biaisée</a:t>
+            </a:r>
+            <a:r>
+              <a:rPr dirty="0"/>
+              <a:t> par </a:t>
+            </a:r>
+            <a:r>
+              <a:rPr dirty="0" err="1"/>
+              <a:t>l'effet</a:t>
+            </a:r>
+            <a:r>
+              <a:rPr dirty="0"/>
+              <a:t> de taille</a:t>
+            </a:r>
+            <a:endParaRPr dirty="0">
+              <a:ea typeface="Calibri"/>
+              <a:cs typeface="Calibri"/>
+            </a:endParaRPr>
+          </a:p>
+          <a:p>
+            <a:pPr>
+              <a:spcAft>
+                <a:spcPts val="1200"/>
+              </a:spcAft>
+              <a:defRPr sz="1800">
+                <a:solidFill>
+                  <a:srgbClr val="646464"/>
+                </a:solidFill>
+              </a:defRPr>
+            </a:pPr>
+            <a:endParaRPr dirty="0">
+              <a:ea typeface="Calibri"/>
+              <a:cs typeface="Calibri"/>
+            </a:endParaRPr>
+          </a:p>
+          <a:p>
+            <a:pPr>
+              <a:spcAft>
+                <a:spcPts val="1200"/>
+              </a:spcAft>
+              <a:defRPr sz="1800">
+                <a:solidFill>
+                  <a:srgbClr val="646464"/>
+                </a:solidFill>
+              </a:defRPr>
+            </a:pPr>
+            <a:r>
+              <a:rPr dirty="0"/>
+              <a:t>• ✓ </a:t>
+            </a:r>
+            <a:r>
+              <a:rPr dirty="0" err="1"/>
+              <a:t>Taux</a:t>
+            </a:r>
+            <a:r>
+              <a:rPr dirty="0"/>
+              <a:t> </a:t>
+            </a:r>
+            <a:r>
+              <a:rPr dirty="0" err="1"/>
+              <a:t>normalisés</a:t>
+            </a:r>
+            <a:r>
+              <a:rPr dirty="0"/>
+              <a:t> : </a:t>
+            </a:r>
+            <a:r>
+              <a:rPr dirty="0" err="1"/>
+              <a:t>approche</a:t>
+            </a:r>
+            <a:r>
+              <a:rPr dirty="0"/>
+              <a:t> </a:t>
+            </a:r>
+            <a:r>
+              <a:rPr lang="fr-FR" dirty="0"/>
+              <a:t>plus réaliste </a:t>
+            </a:r>
+            <a:endParaRPr dirty="0">
+              <a:ea typeface="Calibri"/>
+              <a:cs typeface="Calibri"/>
+            </a:endParaRPr>
+          </a:p>
+          <a:p>
+            <a:pPr>
+              <a:spcAft>
+                <a:spcPts val="1200"/>
+              </a:spcAft>
+              <a:defRPr sz="1800">
+                <a:solidFill>
+                  <a:srgbClr val="646464"/>
+                </a:solidFill>
+              </a:defRPr>
+            </a:pPr>
+            <a:endParaRPr dirty="0">
+              <a:ea typeface="Calibri"/>
+              <a:cs typeface="Calibri"/>
+            </a:endParaRPr>
+          </a:p>
+          <a:p>
+            <a:pPr>
+              <a:spcAft>
+                <a:spcPts val="1200"/>
+              </a:spcAft>
+              <a:defRPr sz="1800">
+                <a:solidFill>
+                  <a:srgbClr val="646464"/>
+                </a:solidFill>
+              </a:defRPr>
+            </a:pPr>
+            <a:r>
+              <a:rPr dirty="0"/>
+              <a:t>• </a:t>
+            </a:r>
+            <a:r>
+              <a:rPr lang="fr-FR" dirty="0"/>
+              <a:t>Enseignement</a:t>
+            </a:r>
+            <a:r>
+              <a:rPr dirty="0"/>
+              <a:t> principal :</a:t>
+            </a:r>
+            <a:endParaRPr dirty="0">
+              <a:ea typeface="Calibri"/>
+              <a:cs typeface="Calibri"/>
+            </a:endParaRPr>
+          </a:p>
+          <a:p>
+            <a:pPr>
+              <a:spcAft>
+                <a:spcPts val="1200"/>
+              </a:spcAft>
+              <a:defRPr sz="1800">
+                <a:solidFill>
+                  <a:srgbClr val="646464"/>
+                </a:solidFill>
+              </a:defRPr>
+            </a:pPr>
+            <a:r>
+              <a:rPr dirty="0"/>
+              <a:t>• Performance ≠ </a:t>
+            </a:r>
+            <a:r>
+              <a:rPr dirty="0" err="1"/>
+              <a:t>Validité</a:t>
+            </a:r>
+            <a:endParaRPr dirty="0" err="1">
+              <a:ea typeface="Calibri"/>
+              <a:cs typeface="Calibri"/>
+            </a:endParaRPr>
+          </a:p>
+          <a:p>
+            <a:pPr>
+              <a:spcAft>
+                <a:spcPts val="1200"/>
+              </a:spcAft>
+              <a:defRPr sz="1800">
+                <a:solidFill>
+                  <a:srgbClr val="646464"/>
+                </a:solidFill>
+              </a:defRPr>
+            </a:pPr>
+            <a:endParaRPr lang="fr-FR" dirty="0"/>
+          </a:p>
+          <a:p>
+            <a:pPr>
+              <a:spcAft>
+                <a:spcPts val="1200"/>
+              </a:spcAft>
+              <a:defRPr sz="1800">
+                <a:solidFill>
+                  <a:srgbClr val="646464"/>
+                </a:solidFill>
+              </a:defRPr>
+            </a:pPr>
+            <a:r>
+              <a:rPr dirty="0"/>
+              <a:t>• </a:t>
+            </a:r>
+            <a:r>
+              <a:rPr dirty="0" err="1"/>
+              <a:t>L'analyse</a:t>
+            </a:r>
+            <a:r>
+              <a:rPr dirty="0"/>
+              <a:t> critique des données est </a:t>
+            </a:r>
+            <a:r>
+              <a:rPr dirty="0" err="1"/>
+              <a:t>essentielle</a:t>
+            </a:r>
+            <a:endParaRPr dirty="0" err="1">
+              <a:ea typeface="Calibri"/>
+              <a:cs typeface="Calibri"/>
+            </a:endParaRPr>
+          </a:p>
+        </p:txBody>
+      </p:sp>
+    </p:spTree>
+  </p:cSld>
+  <p:clrMapOvr>
+    <a:masterClrMapping/>
+  </p:clrMapOvr>
+</p:sld>
+</file>
+
+<file path=ppt/slides/slide22.xml><?xml version="1.0" encoding="utf-8"?>
+<p:sld xmlns:a="http://schemas.openxmlformats.org/drawingml/2006/main" xmlns:r="http://schemas.openxmlformats.org/officeDocument/2006/relationships" xmlns:p="http://schemas.openxmlformats.org/presentationml/2006/main">
+  <p:cSld>
+    <p:spTree>
+      <p:nvGrpSpPr>
+        <p:cNvPr id="1" name=""/>
+        <p:cNvGrpSpPr/>
+        <p:nvPr/>
+      </p:nvGrpSpPr>
+      <p:grpSpPr>
+        <a:xfrm>
+          <a:off x="0" y="0"/>
+          <a:ext cx="0" cy="0"/>
+          <a:chOff x="0" y="0"/>
+          <a:chExt cx="0" cy="0"/>
+        </a:xfrm>
+      </p:grpSpPr>
+      <p:sp>
+        <p:nvSpPr>
+          <p:cNvPr id="2" name="TextBox 1"/>
+          <p:cNvSpPr txBox="1"/>
+          <p:nvPr/>
+        </p:nvSpPr>
+        <p:spPr>
+          <a:xfrm>
+            <a:off x="457200" y="2286000"/>
+            <a:ext cx="8229600" cy="1371600"/>
+          </a:xfrm>
+          <a:prstGeom prst="rect">
+            <a:avLst/>
+          </a:prstGeom>
+          <a:noFill/>
+        </p:spPr>
+        <p:txBody>
           <a:bodyPr wrap="square">
             <a:spAutoFit/>
           </a:bodyPr>
           <a:lstStyle/>
           <a:p>
-            <a:pPr>
-              <a:spcAft>
-                <a:spcPts val="1200"/>
-              </a:spcAft>
-              <a:defRPr sz="1800">
+            <a:pPr algn="ctr">
+              <a:defRPr sz="4000" b="1">
+                <a:solidFill>
+                  <a:srgbClr val="003366"/>
+                </a:solidFill>
+              </a:defRPr>
+            </a:pPr>
+            <a:r>
+              <a:t>Merci pour votre attention</a:t>
+            </a:r>
+          </a:p>
+          <a:p>
+            <a:pPr algn="ctr">
+              <a:defRPr sz="2400">
                 <a:solidFill>
                   <a:srgbClr val="646464"/>
                 </a:solidFill>
               </a:defRPr>
             </a:pPr>
             <a:r>
-              <a:t>• Essor du vélo en Île-de-France (Vélib', pistes cyclables)</a:t>
-            </a:r>
-          </a:p>
-          <a:p>
-            <a:pPr>
-              <a:spcAft>
-                <a:spcPts val="1200"/>
-              </a:spcAft>
-              <a:defRPr sz="1800">
-                <a:solidFill>
-                  <a:srgbClr val="646464"/>
-                </a:solidFill>
-              </a:defRPr>
-            </a:pPr>
-            <a:r>
-              <a:t>• Politiques de mobilité durable en expansion</a:t>
-            </a:r>
-          </a:p>
-          <a:p>
-            <a:pPr>
-              <a:spcAft>
-                <a:spcPts val="1200"/>
-              </a:spcAft>
-              <a:defRPr sz="1800">
-                <a:solidFill>
-                  <a:srgbClr val="646464"/>
-                </a:solidFill>
-              </a:defRPr>
-            </a:pPr>
-            <a:r>
-              <a:t>• Enjeu de sécurité routière majeur</a:t>
-            </a:r>
-          </a:p>
-          <a:p>
-            <a:pPr>
-              <a:spcAft>
-                <a:spcPts val="1200"/>
-              </a:spcAft>
-              <a:defRPr sz="1800">
-                <a:solidFill>
-                  <a:srgbClr val="646464"/>
-                </a:solidFill>
-              </a:defRPr>
-            </a:pPr>
-            <a:r>
-              <a:t>• 22 609 accidents de vélo enregistrés en Île-de-France</a:t>
-            </a:r>
-          </a:p>
-          <a:p>
-            <a:pPr>
-              <a:spcAft>
-                <a:spcPts val="1200"/>
-              </a:spcAft>
-              <a:defRPr sz="1800">
-                <a:solidFill>
-                  <a:srgbClr val="646464"/>
-                </a:solidFill>
-              </a:defRPr>
-            </a:pPr>
-            <a:r>
-              <a:t>• Question : peut-on prédire et prévenir ces accidents ?</a:t>
+              <a:t>Questions ?</a:t>
             </a:r>
           </a:p>
         </p:txBody>
@@ -5958,7 +8414,7 @@
 </file>
 
 <file path=ppt/slides/slide3.xml><?xml version="1.0" encoding="utf-8"?>
-<p:sld xmlns:a="http://schemas.openxmlformats.org/drawingml/2006/main" xmlns:p="http://schemas.openxmlformats.org/presentationml/2006/main" xmlns:r="http://schemas.openxmlformats.org/officeDocument/2006/relationships">
+<p:sld xmlns:a="http://schemas.openxmlformats.org/drawingml/2006/main" xmlns:r="http://schemas.openxmlformats.org/officeDocument/2006/relationships" xmlns:p="http://schemas.openxmlformats.org/presentationml/2006/main">
   <p:cSld>
     <p:spTree>
       <p:nvGrpSpPr>
@@ -5966,7 +8422,14 @@
         <p:cNvGrpSpPr/>
         <p:nvPr/>
       </p:nvGrpSpPr>
-      <p:grpSpPr/>
+      <p:grpSpPr>
+        <a:xfrm>
+          <a:off x="0" y="0"/>
+          <a:ext cx="0" cy="0"/>
+          <a:chOff x="0" y="0"/>
+          <a:chExt cx="0" cy="0"/>
+        </a:xfrm>
+      </p:grpSpPr>
       <p:sp>
         <p:nvSpPr>
           <p:cNvPr id="2" name="TextBox 1"/>
@@ -6042,6 +8505,7 @@
           <a:lstStyle/>
           <a:p>
             <a:pPr algn="ctr"/>
+            <a:endParaRPr/>
           </a:p>
         </p:txBody>
       </p:sp>
@@ -6122,7 +8586,7 @@
 </file>
 
 <file path=ppt/slides/slide4.xml><?xml version="1.0" encoding="utf-8"?>
-<p:sld xmlns:a="http://schemas.openxmlformats.org/drawingml/2006/main" xmlns:p="http://schemas.openxmlformats.org/presentationml/2006/main" xmlns:r="http://schemas.openxmlformats.org/officeDocument/2006/relationships">
+<p:sld xmlns:a="http://schemas.openxmlformats.org/drawingml/2006/main" xmlns:r="http://schemas.openxmlformats.org/officeDocument/2006/relationships" xmlns:p="http://schemas.openxmlformats.org/presentationml/2006/main">
   <p:cSld>
     <p:spTree>
       <p:nvGrpSpPr>
@@ -6130,7 +8594,14 @@
         <p:cNvGrpSpPr/>
         <p:nvPr/>
       </p:nvGrpSpPr>
-      <p:grpSpPr/>
+      <p:grpSpPr>
+        <a:xfrm>
+          <a:off x="0" y="0"/>
+          <a:ext cx="0" cy="0"/>
+          <a:chOff x="0" y="0"/>
+          <a:chExt cx="0" cy="0"/>
+        </a:xfrm>
+      </p:grpSpPr>
       <p:sp>
         <p:nvSpPr>
           <p:cNvPr id="2" name="TextBox 1"/>
@@ -6206,6 +8677,7 @@
           <a:lstStyle/>
           <a:p>
             <a:pPr algn="ctr"/>
+            <a:endParaRPr/>
           </a:p>
         </p:txBody>
       </p:sp>
@@ -6331,7 +8803,7 @@
 </file>
 
 <file path=ppt/slides/slide5.xml><?xml version="1.0" encoding="utf-8"?>
-<p:sld xmlns:a="http://schemas.openxmlformats.org/drawingml/2006/main" xmlns:p="http://schemas.openxmlformats.org/presentationml/2006/main" xmlns:r="http://schemas.openxmlformats.org/officeDocument/2006/relationships">
+<p:sld xmlns:a="http://schemas.openxmlformats.org/drawingml/2006/main" xmlns:r="http://schemas.openxmlformats.org/officeDocument/2006/relationships" xmlns:p="http://schemas.openxmlformats.org/presentationml/2006/main">
   <p:cSld>
     <p:spTree>
       <p:nvGrpSpPr>
@@ -6339,7 +8811,14 @@
         <p:cNvGrpSpPr/>
         <p:nvPr/>
       </p:nvGrpSpPr>
-      <p:grpSpPr/>
+      <p:grpSpPr>
+        <a:xfrm>
+          <a:off x="0" y="0"/>
+          <a:ext cx="0" cy="0"/>
+          <a:chOff x="0" y="0"/>
+          <a:chExt cx="0" cy="0"/>
+        </a:xfrm>
+      </p:grpSpPr>
       <p:sp>
         <p:nvSpPr>
           <p:cNvPr id="2" name="TextBox 1"/>
@@ -6415,6 +8894,7 @@
           <a:lstStyle/>
           <a:p>
             <a:pPr algn="ctr"/>
+            <a:endParaRPr/>
           </a:p>
         </p:txBody>
       </p:sp>
@@ -6427,7 +8907,7 @@
         <p:spPr>
           <a:xfrm>
             <a:off x="457200" y="1188720"/>
-            <a:ext cx="8229600" cy="4572000"/>
+            <a:ext cx="8229600" cy="2954655"/>
           </a:xfrm>
           <a:prstGeom prst="rect">
             <a:avLst/>
@@ -6435,7 +8915,7 @@
           <a:noFill/>
         </p:spPr>
         <p:txBody>
-          <a:bodyPr wrap="square">
+          <a:bodyPr wrap="square" lIns="91440" tIns="45720" rIns="91440" bIns="45720" anchor="t">
             <a:spAutoFit/>
           </a:bodyPr>
           <a:lstStyle/>
@@ -6451,7 +8931,16 @@
               </a:defRPr>
             </a:pPr>
             <a:r>
-              <a:t>• Fusion au niveau communal (code INSEE)</a:t>
+              <a:rPr dirty="0"/>
+              <a:t>• Fusion au </a:t>
+            </a:r>
+            <a:r>
+              <a:rPr dirty="0" err="1"/>
+              <a:t>niveau</a:t>
+            </a:r>
+            <a:r>
+              <a:rPr dirty="0"/>
+              <a:t> communal (code INSEE)</a:t>
             </a:r>
           </a:p>
           <a:p>
@@ -6466,8 +8955,13 @@
               </a:defRPr>
             </a:pPr>
             <a:r>
-              <a:t>• Dataset final : 1 124 communes, 44 variables</a:t>
-            </a:r>
+              <a:rPr dirty="0"/>
+              <a:t>• Dataset final : 1 124 communes</a:t>
+            </a:r>
+            <a:endParaRPr dirty="0">
+              <a:ea typeface="Calibri"/>
+              <a:cs typeface="Calibri"/>
+            </a:endParaRPr>
           </a:p>
           <a:p>
             <a:pPr>
@@ -6481,8 +8975,33 @@
               </a:defRPr>
             </a:pPr>
             <a:r>
-              <a:t>• Features créées :</a:t>
-            </a:r>
+              <a:rPr dirty="0"/>
+              <a:t>• </a:t>
+            </a:r>
+            <a:r>
+              <a:rPr lang="fr-FR" dirty="0"/>
+              <a:t>Exemples </a:t>
+            </a:r>
+            <a:r>
+              <a:rPr lang="fr-FR" dirty="0" err="1"/>
+              <a:t>features</a:t>
+            </a:r>
+            <a:r>
+              <a:rPr dirty="0"/>
+              <a:t> </a:t>
+            </a:r>
+            <a:r>
+              <a:rPr dirty="0" err="1"/>
+              <a:t>créées</a:t>
+            </a:r>
+            <a:r>
+              <a:rPr dirty="0"/>
+              <a:t> :</a:t>
+            </a:r>
+            <a:endParaRPr dirty="0">
+              <a:ea typeface="Calibri"/>
+              <a:cs typeface="Calibri"/>
+            </a:endParaRPr>
           </a:p>
           <a:p>
             <a:pPr>
@@ -6496,8 +9015,29 @@
               </a:defRPr>
             </a:pPr>
             <a:r>
-              <a:t>•    • nb_accidents, nb_accidents_graves</a:t>
-            </a:r>
+              <a:rPr dirty="0"/>
+              <a:t>• </a:t>
+            </a:r>
+            <a:r>
+              <a:rPr lang="fr-FR" dirty="0"/>
+              <a:t> -  </a:t>
+            </a:r>
+            <a:r>
+              <a:rPr dirty="0" err="1"/>
+              <a:t>nb_accidents</a:t>
+            </a:r>
+            <a:r>
+              <a:rPr dirty="0"/>
+              <a:t>, </a:t>
+            </a:r>
+            <a:r>
+              <a:rPr dirty="0" err="1"/>
+              <a:t>nb_accidents_graves</a:t>
+            </a:r>
+            <a:endParaRPr dirty="0" err="1">
+              <a:ea typeface="Calibri"/>
+              <a:cs typeface="Calibri"/>
+            </a:endParaRPr>
           </a:p>
           <a:p>
             <a:pPr>
@@ -6511,8 +9051,29 @@
               </a:defRPr>
             </a:pPr>
             <a:r>
-              <a:t>•    • longueur_totale_amenagements, ratio_pistes_cyclables</a:t>
-            </a:r>
+              <a:rPr dirty="0"/>
+              <a:t>•  </a:t>
+            </a:r>
+            <a:r>
+              <a:rPr lang="fr-FR" dirty="0"/>
+              <a:t>-  </a:t>
+            </a:r>
+            <a:r>
+              <a:rPr dirty="0" err="1"/>
+              <a:t>longueur_totale_amenagements</a:t>
+            </a:r>
+            <a:r>
+              <a:rPr dirty="0"/>
+              <a:t>, </a:t>
+            </a:r>
+            <a:r>
+              <a:rPr dirty="0" err="1"/>
+              <a:t>ratio_pistes_cyclables</a:t>
+            </a:r>
+            <a:endParaRPr dirty="0" err="1">
+              <a:ea typeface="Calibri"/>
+              <a:cs typeface="Calibri"/>
+            </a:endParaRPr>
           </a:p>
           <a:p>
             <a:pPr>
@@ -6526,8 +9087,33 @@
               </a:defRPr>
             </a:pPr>
             <a:r>
-              <a:t>•    • taux_risque_par_km, taux_risque_par_habitant</a:t>
-            </a:r>
+              <a:rPr dirty="0"/>
+              <a:t>•  </a:t>
+            </a:r>
+            <a:r>
+              <a:rPr lang="fr-FR" dirty="0"/>
+              <a:t>-</a:t>
+            </a:r>
+            <a:r>
+              <a:rPr dirty="0"/>
+              <a:t> </a:t>
+            </a:r>
+            <a:r>
+              <a:rPr dirty="0" err="1"/>
+              <a:t>taux_risque_par_km</a:t>
+            </a:r>
+            <a:r>
+              <a:rPr dirty="0"/>
+              <a:t>, </a:t>
+            </a:r>
+            <a:r>
+              <a:rPr dirty="0" err="1"/>
+              <a:t>taux_risque_par_habitant</a:t>
+            </a:r>
+            <a:endParaRPr dirty="0" err="1">
+              <a:ea typeface="Calibri"/>
+              <a:cs typeface="Calibri"/>
+            </a:endParaRPr>
           </a:p>
           <a:p>
             <a:pPr>
@@ -6541,8 +9127,37 @@
               </a:defRPr>
             </a:pPr>
             <a:r>
-              <a:t>•    • risque_eleve (variable binaire)</a:t>
-            </a:r>
+              <a:rPr dirty="0"/>
+              <a:t>•  </a:t>
+            </a:r>
+            <a:r>
+              <a:rPr lang="fr-FR" dirty="0"/>
+              <a:t>-</a:t>
+            </a:r>
+            <a:r>
+              <a:rPr dirty="0"/>
+              <a:t> </a:t>
+            </a:r>
+            <a:r>
+              <a:rPr dirty="0" err="1"/>
+              <a:t>risque_eleve</a:t>
+            </a:r>
+            <a:r>
+              <a:rPr dirty="0"/>
+              <a:t> (variable </a:t>
+            </a:r>
+            <a:r>
+              <a:rPr dirty="0" err="1"/>
+              <a:t>binaire</a:t>
+            </a:r>
+            <a:r>
+              <a:rPr dirty="0"/>
+              <a:t>)</a:t>
+            </a:r>
+            <a:endParaRPr dirty="0">
+              <a:ea typeface="Calibri"/>
+              <a:cs typeface="Calibri"/>
+            </a:endParaRPr>
           </a:p>
         </p:txBody>
       </p:sp>
@@ -6555,7 +9170,7 @@
 </file>
 
 <file path=ppt/slides/slide6.xml><?xml version="1.0" encoding="utf-8"?>
-<p:sld xmlns:a="http://schemas.openxmlformats.org/drawingml/2006/main" xmlns:p="http://schemas.openxmlformats.org/presentationml/2006/main" xmlns:r="http://schemas.openxmlformats.org/officeDocument/2006/relationships">
+<p:sld xmlns:a="http://schemas.openxmlformats.org/drawingml/2006/main" xmlns:r="http://schemas.openxmlformats.org/officeDocument/2006/relationships" xmlns:p="http://schemas.openxmlformats.org/presentationml/2006/main">
   <p:cSld>
     <p:spTree>
       <p:nvGrpSpPr>
@@ -6563,7 +9178,14 @@
         <p:cNvGrpSpPr/>
         <p:nvPr/>
       </p:nvGrpSpPr>
-      <p:grpSpPr/>
+      <p:grpSpPr>
+        <a:xfrm>
+          <a:off x="0" y="0"/>
+          <a:ext cx="0" cy="0"/>
+          <a:chOff x="0" y="0"/>
+          <a:chExt cx="0" cy="0"/>
+        </a:xfrm>
+      </p:grpSpPr>
       <p:sp>
         <p:nvSpPr>
           <p:cNvPr id="2" name="TextBox 1"/>
@@ -6639,6 +9261,7 @@
           <a:lstStyle/>
           <a:p>
             <a:pPr algn="ctr"/>
+            <a:endParaRPr/>
           </a:p>
         </p:txBody>
       </p:sp>
@@ -6651,7 +9274,7 @@
         <p:spPr>
           <a:xfrm>
             <a:off x="457200" y="1188720"/>
-            <a:ext cx="8229600" cy="4572000"/>
+            <a:ext cx="8229600" cy="4247317"/>
           </a:xfrm>
           <a:prstGeom prst="rect">
             <a:avLst/>
@@ -6659,7 +9282,7 @@
           <a:noFill/>
         </p:spPr>
         <p:txBody>
-          <a:bodyPr wrap="square">
+          <a:bodyPr wrap="square" lIns="91440" tIns="45720" rIns="91440" bIns="45720" anchor="t">
             <a:spAutoFit/>
           </a:bodyPr>
           <a:lstStyle/>
@@ -6675,7 +9298,24 @@
               </a:defRPr>
             </a:pPr>
             <a:r>
-              <a:t>• Risque élevé : nb_accidents ≥ 75e percentile (≥ 6 accidents)</a:t>
+              <a:rPr dirty="0"/>
+              <a:t>• Risque </a:t>
+            </a:r>
+            <a:r>
+              <a:rPr dirty="0" err="1"/>
+              <a:t>élevé</a:t>
+            </a:r>
+            <a:r>
+              <a:rPr dirty="0"/>
+              <a:t> : </a:t>
+            </a:r>
+            <a:r>
+              <a:rPr dirty="0" err="1"/>
+              <a:t>nb_accidents</a:t>
+            </a:r>
+            <a:r>
+              <a:rPr dirty="0"/>
+              <a:t> ≥ 75e percentile (≥ 6 accidents)</a:t>
             </a:r>
           </a:p>
           <a:p>
@@ -6690,8 +9330,29 @@
               </a:defRPr>
             </a:pPr>
             <a:r>
-              <a:t>• 6 modèles testés :</a:t>
-            </a:r>
+              <a:rPr dirty="0"/>
+              <a:t>• 6 </a:t>
+            </a:r>
+            <a:r>
+              <a:rPr dirty="0" err="1"/>
+              <a:t>modèles</a:t>
+            </a:r>
+            <a:r>
+              <a:rPr dirty="0"/>
+              <a:t> </a:t>
+            </a:r>
+            <a:r>
+              <a:rPr dirty="0" err="1"/>
+              <a:t>testés</a:t>
+            </a:r>
+            <a:r>
+              <a:rPr dirty="0"/>
+              <a:t> :</a:t>
+            </a:r>
+            <a:endParaRPr dirty="0">
+              <a:ea typeface="Calibri"/>
+              <a:cs typeface="Calibri"/>
+            </a:endParaRPr>
           </a:p>
           <a:p>
             <a:pPr>
@@ -6705,8 +9366,29 @@
               </a:defRPr>
             </a:pPr>
             <a:r>
-              <a:t>•    • Régression Logistique (pondération des classes)</a:t>
-            </a:r>
+              <a:rPr dirty="0"/>
+              <a:t>• </a:t>
+            </a:r>
+            <a:r>
+              <a:rPr lang="fr-FR" dirty="0"/>
+              <a:t>- </a:t>
+            </a:r>
+            <a:r>
+              <a:rPr dirty="0" err="1"/>
+              <a:t>Régression</a:t>
+            </a:r>
+            <a:r>
+              <a:rPr dirty="0"/>
+              <a:t> </a:t>
+            </a:r>
+            <a:r>
+              <a:rPr dirty="0" err="1"/>
+              <a:t>Logistique</a:t>
+            </a:r>
+            <a:endParaRPr dirty="0" err="1">
+              <a:ea typeface="Calibri"/>
+              <a:cs typeface="Calibri"/>
+            </a:endParaRPr>
           </a:p>
           <a:p>
             <a:pPr>
@@ -6720,8 +9402,25 @@
               </a:defRPr>
             </a:pPr>
             <a:r>
-              <a:t>•    • Random Forest, SVM (noyau RBF)</a:t>
-            </a:r>
+              <a:rPr dirty="0"/>
+              <a:t>• </a:t>
+            </a:r>
+            <a:r>
+              <a:rPr lang="fr-FR" dirty="0"/>
+              <a:t>- </a:t>
+            </a:r>
+            <a:r>
+              <a:rPr dirty="0"/>
+              <a:t>Random </a:t>
+            </a:r>
+            <a:r>
+              <a:rPr lang="fr-FR" dirty="0"/>
+              <a:t>Forest</a:t>
+            </a:r>
+            <a:endParaRPr lang="fr-FR" dirty="0">
+              <a:ea typeface="Calibri"/>
+              <a:cs typeface="Calibri"/>
+            </a:endParaRPr>
           </a:p>
           <a:p>
             <a:pPr>
@@ -6735,8 +9434,14 @@
               </a:defRPr>
             </a:pPr>
             <a:r>
-              <a:t>•    • Gradient Boosting, XGBoost, LightGBM</a:t>
-            </a:r>
+              <a:rPr lang="en-US" dirty="0"/>
+              <a:t>• </a:t>
+            </a:r>
+            <a:r>
+              <a:rPr lang="fr-FR" dirty="0"/>
+              <a:t>- SVM (RBF)</a:t>
+            </a:r>
+            <a:endParaRPr dirty="0"/>
           </a:p>
           <a:p>
             <a:pPr>
@@ -6750,8 +9455,22 @@
               </a:defRPr>
             </a:pPr>
             <a:r>
-              <a:t>• Validation croisée 5-fold stratifiée</a:t>
-            </a:r>
+              <a:rPr dirty="0"/>
+              <a:t>• </a:t>
+            </a:r>
+            <a:r>
+              <a:rPr lang="fr-FR" dirty="0"/>
+              <a:t>- </a:t>
+            </a:r>
+            <a:r>
+              <a:rPr dirty="0"/>
+              <a:t>Gradient </a:t>
+            </a:r>
+            <a:r>
+              <a:rPr dirty="0" err="1"/>
+              <a:t>Boosting</a:t>
+            </a:r>
+            <a:endParaRPr lang="fr-FR" dirty="0" err="1"/>
           </a:p>
           <a:p>
             <a:pPr>
@@ -6765,8 +9484,105 @@
               </a:defRPr>
             </a:pPr>
             <a:r>
-              <a:t>• Métriques : Accuracy, F1-Score, ROC-AUC</a:t>
-            </a:r>
+              <a:rPr lang="en-US" dirty="0"/>
+              <a:t>• </a:t>
+            </a:r>
+            <a:r>
+              <a:rPr lang="fr-FR" dirty="0"/>
+              <a:t>- </a:t>
+            </a:r>
+            <a:r>
+              <a:rPr dirty="0" err="1"/>
+              <a:t>XGBoost</a:t>
+            </a:r>
+            <a:endParaRPr lang="fr-FR" dirty="0" err="1">
+              <a:ea typeface="Calibri"/>
+              <a:cs typeface="Calibri"/>
+            </a:endParaRPr>
+          </a:p>
+          <a:p>
+            <a:pPr>
+              <a:spcAft>
+                <a:spcPts val="1200"/>
+              </a:spcAft>
+              <a:defRPr sz="1800">
+                <a:solidFill>
+                  <a:srgbClr val="646464"/>
+                </a:solidFill>
+              </a:defRPr>
+            </a:pPr>
+            <a:r>
+              <a:rPr lang="en-US" dirty="0"/>
+              <a:t>• </a:t>
+            </a:r>
+            <a:r>
+              <a:rPr lang="fr-FR" dirty="0"/>
+              <a:t>- </a:t>
+            </a:r>
+            <a:r>
+              <a:rPr dirty="0" err="1"/>
+              <a:t>LightGBM</a:t>
+            </a:r>
+            <a:endParaRPr dirty="0" err="1">
+              <a:ea typeface="Calibri"/>
+              <a:cs typeface="Calibri"/>
+            </a:endParaRPr>
+          </a:p>
+          <a:p>
+            <a:pPr>
+              <a:spcAft>
+                <a:spcPts val="1200"/>
+              </a:spcAft>
+              <a:defRPr sz="1800">
+                <a:solidFill>
+                  <a:srgbClr val="646464"/>
+                </a:solidFill>
+              </a:defRPr>
+            </a:pPr>
+            <a:r>
+              <a:rPr dirty="0"/>
+              <a:t>• Validation </a:t>
+            </a:r>
+            <a:r>
+              <a:rPr dirty="0" err="1"/>
+              <a:t>croisée</a:t>
+            </a:r>
+            <a:r>
+              <a:rPr dirty="0"/>
+              <a:t> 5-fold</a:t>
+            </a:r>
+            <a:endParaRPr dirty="0">
+              <a:ea typeface="Calibri"/>
+              <a:cs typeface="Calibri"/>
+            </a:endParaRPr>
+          </a:p>
+          <a:p>
+            <a:pPr>
+              <a:spcAft>
+                <a:spcPts val="1200"/>
+              </a:spcAft>
+              <a:defRPr sz="1800">
+                <a:solidFill>
+                  <a:srgbClr val="646464"/>
+                </a:solidFill>
+              </a:defRPr>
+            </a:pPr>
+            <a:r>
+              <a:rPr dirty="0"/>
+              <a:t>• </a:t>
+            </a:r>
+            <a:r>
+              <a:rPr dirty="0" err="1"/>
+              <a:t>Métriques</a:t>
+            </a:r>
+            <a:r>
+              <a:rPr dirty="0"/>
+              <a:t> : Accuracy, F1-Score, ROC-AUC</a:t>
+            </a:r>
+            <a:endParaRPr dirty="0">
+              <a:ea typeface="Calibri"/>
+              <a:cs typeface="Calibri"/>
+            </a:endParaRPr>
           </a:p>
         </p:txBody>
       </p:sp>
@@ -6779,7 +9595,7 @@
 </file>
 
 <file path=ppt/slides/slide7.xml><?xml version="1.0" encoding="utf-8"?>
-<p:sld xmlns:a="http://schemas.openxmlformats.org/drawingml/2006/main" xmlns:p="http://schemas.openxmlformats.org/presentationml/2006/main" xmlns:r="http://schemas.openxmlformats.org/officeDocument/2006/relationships">
+<p:sld xmlns:a="http://schemas.openxmlformats.org/drawingml/2006/main" xmlns:r="http://schemas.openxmlformats.org/officeDocument/2006/relationships" xmlns:p="http://schemas.openxmlformats.org/presentationml/2006/main">
   <p:cSld>
     <p:spTree>
       <p:nvGrpSpPr>
@@ -6787,7 +9603,14 @@
         <p:cNvGrpSpPr/>
         <p:nvPr/>
       </p:nvGrpSpPr>
-      <p:grpSpPr/>
+      <p:grpSpPr>
+        <a:xfrm>
+          <a:off x="0" y="0"/>
+          <a:ext cx="0" cy="0"/>
+          <a:chOff x="0" y="0"/>
+          <a:chExt cx="0" cy="0"/>
+        </a:xfrm>
+      </p:grpSpPr>
       <p:sp>
         <p:nvSpPr>
           <p:cNvPr id="2" name="TextBox 1"/>
@@ -6863,6 +9686,7 @@
           <a:lstStyle/>
           <a:p>
             <a:pPr algn="ctr"/>
+            <a:endParaRPr/>
           </a:p>
         </p:txBody>
       </p:sp>
@@ -6940,11 +9764,17 @@
           <p:cNvGraphicFramePr>
             <a:graphicFrameLocks noGrp="1"/>
           </p:cNvGraphicFramePr>
-          <p:nvPr/>
+          <p:nvPr>
+            <p:extLst>
+              <p:ext uri="{D42A27DB-BD31-4B8C-83A1-F6EECF244321}">
+                <p14:modId xmlns:p14="http://schemas.microsoft.com/office/powerpoint/2010/main" val="2064504131"/>
+              </p:ext>
+            </p:extLst>
+          </p:nvPr>
         </p:nvGraphicFramePr>
         <p:xfrm>
-          <a:off x="457200" y="3657600"/>
-          <a:ext cx="8229600" cy="1828800"/>
+          <a:off x="457200" y="3201847"/>
+          <a:ext cx="8229600" cy="2560320"/>
         </p:xfrm>
         <a:graphic>
           <a:graphicData uri="http://schemas.openxmlformats.org/drawingml/2006/table">
@@ -6953,10 +9783,34 @@
                 <a:tableStyleId>{5C22544A-7EE6-4342-B048-85BDC9FD1C3A}</a:tableStyleId>
               </a:tblPr>
               <a:tblGrid>
-                <a:gridCol w="2057400"/>
-                <a:gridCol w="2057400"/>
-                <a:gridCol w="2057400"/>
-                <a:gridCol w="2057400"/>
+                <a:gridCol w="2057400">
+                  <a:extLst>
+                    <a:ext uri="{9D8B030D-6E8A-4147-A177-3AD203B41FA5}">
+                      <a16:colId xmlns:a16="http://schemas.microsoft.com/office/drawing/2014/main" val="20000"/>
+                    </a:ext>
+                  </a:extLst>
+                </a:gridCol>
+                <a:gridCol w="2057400">
+                  <a:extLst>
+                    <a:ext uri="{9D8B030D-6E8A-4147-A177-3AD203B41FA5}">
+                      <a16:colId xmlns:a16="http://schemas.microsoft.com/office/drawing/2014/main" val="20001"/>
+                    </a:ext>
+                  </a:extLst>
+                </a:gridCol>
+                <a:gridCol w="2057400">
+                  <a:extLst>
+                    <a:ext uri="{9D8B030D-6E8A-4147-A177-3AD203B41FA5}">
+                      <a16:colId xmlns:a16="http://schemas.microsoft.com/office/drawing/2014/main" val="20002"/>
+                    </a:ext>
+                  </a:extLst>
+                </a:gridCol>
+                <a:gridCol w="2057400">
+                  <a:extLst>
+                    <a:ext uri="{9D8B030D-6E8A-4147-A177-3AD203B41FA5}">
+                      <a16:colId xmlns:a16="http://schemas.microsoft.com/office/drawing/2014/main" val="20003"/>
+                    </a:ext>
+                  </a:extLst>
+                </a:gridCol>
               </a:tblGrid>
               <a:tr h="365760">
                 <a:tc>
@@ -6972,6 +9826,7 @@
                         </a:defRPr>
                       </a:pPr>
                       <a:r>
+                        <a:rPr dirty="0" err="1"/>
                         <a:t>Modèle</a:t>
                       </a:r>
                     </a:p>
@@ -6995,6 +9850,7 @@
                         </a:defRPr>
                       </a:pPr>
                       <a:r>
+                        <a:rPr dirty="0"/>
                         <a:t>Accuracy</a:t>
                       </a:r>
                     </a:p>
@@ -7018,6 +9874,7 @@
                         </a:defRPr>
                       </a:pPr>
                       <a:r>
+                        <a:rPr dirty="0"/>
                         <a:t>F1-Score</a:t>
                       </a:r>
                     </a:p>
@@ -7041,6 +9898,7 @@
                         </a:defRPr>
                       </a:pPr>
                       <a:r>
+                        <a:rPr dirty="0"/>
                         <a:t>ROC-AUC</a:t>
                       </a:r>
                     </a:p>
@@ -7051,6 +9909,11 @@
                     </a:solidFill>
                   </a:tcPr>
                 </a:tc>
+                <a:extLst>
+                  <a:ext uri="{0D108BD9-81ED-4DB2-BD59-A6C34878D82A}">
+                    <a16:rowId xmlns:a16="http://schemas.microsoft.com/office/drawing/2014/main" val="10000"/>
+                  </a:ext>
+                </a:extLst>
               </a:tr>
               <a:tr h="365760">
                 <a:tc>
@@ -7066,7 +9929,16 @@
                         </a:defRPr>
                       </a:pPr>
                       <a:r>
-                        <a:t>Rég. Logistique</a:t>
+                        <a:rPr dirty="0" err="1"/>
+                        <a:t>Rég</a:t>
+                      </a:r>
+                      <a:r>
+                        <a:rPr dirty="0"/>
+                        <a:t>. </a:t>
+                      </a:r>
+                      <a:r>
+                        <a:rPr dirty="0" err="1"/>
+                        <a:t>Logistique</a:t>
                       </a:r>
                     </a:p>
                   </a:txBody>
@@ -7085,6 +9957,7 @@
                         </a:defRPr>
                       </a:pPr>
                       <a:r>
+                        <a:rPr dirty="0"/>
                         <a:t>0.884</a:t>
                       </a:r>
                     </a:p>
@@ -7104,6 +9977,7 @@
                         </a:defRPr>
                       </a:pPr>
                       <a:r>
+                        <a:rPr dirty="0"/>
                         <a:t>0.794</a:t>
                       </a:r>
                     </a:p>
@@ -7123,12 +9997,18 @@
                         </a:defRPr>
                       </a:pPr>
                       <a:r>
+                        <a:rPr dirty="0"/>
                         <a:t>0.956</a:t>
                       </a:r>
                     </a:p>
                   </a:txBody>
                   <a:tcPr/>
                 </a:tc>
+                <a:extLst>
+                  <a:ext uri="{0D108BD9-81ED-4DB2-BD59-A6C34878D82A}">
+                    <a16:rowId xmlns:a16="http://schemas.microsoft.com/office/drawing/2014/main" val="10001"/>
+                  </a:ext>
+                </a:extLst>
               </a:tr>
               <a:tr h="365760">
                 <a:tc>
@@ -7144,6 +10024,7 @@
                         </a:defRPr>
                       </a:pPr>
                       <a:r>
+                        <a:rPr dirty="0"/>
                         <a:t>Random Forest</a:t>
                       </a:r>
                     </a:p>
@@ -7163,6 +10044,7 @@
                         </a:defRPr>
                       </a:pPr>
                       <a:r>
+                        <a:rPr dirty="0"/>
                         <a:t>0.898</a:t>
                       </a:r>
                     </a:p>
@@ -7182,6 +10064,7 @@
                         </a:defRPr>
                       </a:pPr>
                       <a:r>
+                        <a:rPr dirty="0"/>
                         <a:t>0.793</a:t>
                       </a:r>
                     </a:p>
@@ -7201,12 +10084,18 @@
                         </a:defRPr>
                       </a:pPr>
                       <a:r>
+                        <a:rPr dirty="0"/>
                         <a:t>0.951</a:t>
                       </a:r>
                     </a:p>
                   </a:txBody>
                   <a:tcPr/>
                 </a:tc>
+                <a:extLst>
+                  <a:ext uri="{0D108BD9-81ED-4DB2-BD59-A6C34878D82A}">
+                    <a16:rowId xmlns:a16="http://schemas.microsoft.com/office/drawing/2014/main" val="10002"/>
+                  </a:ext>
+                </a:extLst>
               </a:tr>
               <a:tr h="365760">
                 <a:tc>
@@ -7214,16 +10103,16 @@
                     <a:bodyPr/>
                     <a:lstStyle/>
                     <a:p>
-                      <a:pPr algn="ctr">
-                        <a:defRPr sz="1400">
-                          <a:solidFill>
-                            <a:srgbClr val="646464"/>
-                          </a:solidFill>
-                        </a:defRPr>
-                      </a:pPr>
+                      <a:pPr algn="ctr"/>
                       <a:r>
-                        <a:t>SVM (RBF)</a:t>
+                        <a:rPr dirty="0"/>
+                        <a:t>SVM</a:t>
                       </a:r>
+                      <a:r>
+                        <a:rPr lang="fr-FR" dirty="0"/>
+                        <a:t> (RBF)</a:t>
+                      </a:r>
+                      <a:endParaRPr dirty="0"/>
                     </a:p>
                   </a:txBody>
                   <a:tcPr/>
@@ -7241,6 +10130,7 @@
                         </a:defRPr>
                       </a:pPr>
                       <a:r>
+                        <a:rPr dirty="0"/>
                         <a:t>0.880</a:t>
                       </a:r>
                     </a:p>
@@ -7260,6 +10150,7 @@
                         </a:defRPr>
                       </a:pPr>
                       <a:r>
+                        <a:rPr dirty="0"/>
                         <a:t>0.791</a:t>
                       </a:r>
                     </a:p>
@@ -7279,12 +10170,18 @@
                         </a:defRPr>
                       </a:pPr>
                       <a:r>
+                        <a:rPr dirty="0"/>
                         <a:t>0.953</a:t>
                       </a:r>
                     </a:p>
                   </a:txBody>
                   <a:tcPr/>
                 </a:tc>
+                <a:extLst>
+                  <a:ext uri="{0D108BD9-81ED-4DB2-BD59-A6C34878D82A}">
+                    <a16:rowId xmlns:a16="http://schemas.microsoft.com/office/drawing/2014/main" val="10003"/>
+                  </a:ext>
+                </a:extLst>
               </a:tr>
               <a:tr h="365760">
                 <a:tc>
@@ -7300,6 +10197,7 @@
                         </a:defRPr>
                       </a:pPr>
                       <a:r>
+                        <a:rPr dirty="0"/>
                         <a:t>Gradient Boosting</a:t>
                       </a:r>
                     </a:p>
@@ -7319,6 +10217,7 @@
                         </a:defRPr>
                       </a:pPr>
                       <a:r>
+                        <a:rPr dirty="0"/>
                         <a:t>0.880</a:t>
                       </a:r>
                     </a:p>
@@ -7338,6 +10237,7 @@
                         </a:defRPr>
                       </a:pPr>
                       <a:r>
+                        <a:rPr dirty="0"/>
                         <a:t>0.757</a:t>
                       </a:r>
                     </a:p>
@@ -7357,12 +10257,208 @@
                         </a:defRPr>
                       </a:pPr>
                       <a:r>
+                        <a:rPr dirty="0"/>
                         <a:t>0.953</a:t>
                       </a:r>
                     </a:p>
                   </a:txBody>
                   <a:tcPr/>
                 </a:tc>
+                <a:extLst>
+                  <a:ext uri="{0D108BD9-81ED-4DB2-BD59-A6C34878D82A}">
+                    <a16:rowId xmlns:a16="http://schemas.microsoft.com/office/drawing/2014/main" val="10004"/>
+                  </a:ext>
+                </a:extLst>
+              </a:tr>
+              <a:tr h="365760">
+                <a:tc>
+                  <a:txBody>
+                    <a:bodyPr/>
+                    <a:lstStyle/>
+                    <a:p>
+                      <a:pPr lvl="0" algn="ctr">
+                        <a:buNone/>
+                        <a:defRPr sz="1400">
+                          <a:solidFill>
+                            <a:srgbClr val="646464"/>
+                          </a:solidFill>
+                        </a:defRPr>
+                      </a:pPr>
+                      <a:r>
+                        <a:rPr lang="fr-FR" dirty="0" err="1"/>
+                        <a:t>LightGBM</a:t>
+                      </a:r>
+                      <a:endParaRPr dirty="0" err="1"/>
+                    </a:p>
+                  </a:txBody>
+                  <a:tcPr/>
+                </a:tc>
+                <a:tc>
+                  <a:txBody>
+                    <a:bodyPr/>
+                    <a:lstStyle/>
+                    <a:p>
+                      <a:pPr lvl="0" algn="ctr">
+                        <a:buNone/>
+                        <a:defRPr sz="1400">
+                          <a:solidFill>
+                            <a:srgbClr val="646464"/>
+                          </a:solidFill>
+                        </a:defRPr>
+                      </a:pPr>
+                      <a:r>
+                        <a:rPr lang="fr-FR" dirty="0"/>
+                        <a:t>0.889</a:t>
+                      </a:r>
+                      <a:endParaRPr dirty="0"/>
+                    </a:p>
+                  </a:txBody>
+                  <a:tcPr/>
+                </a:tc>
+                <a:tc>
+                  <a:txBody>
+                    <a:bodyPr/>
+                    <a:lstStyle/>
+                    <a:p>
+                      <a:pPr lvl="0" algn="ctr">
+                        <a:buNone/>
+                        <a:defRPr sz="1400">
+                          <a:solidFill>
+                            <a:srgbClr val="646464"/>
+                          </a:solidFill>
+                        </a:defRPr>
+                      </a:pPr>
+                      <a:r>
+                        <a:rPr lang="fr-FR" dirty="0"/>
+                        <a:t>0.786</a:t>
+                      </a:r>
+                      <a:endParaRPr dirty="0"/>
+                    </a:p>
+                  </a:txBody>
+                  <a:tcPr/>
+                </a:tc>
+                <a:tc>
+                  <a:txBody>
+                    <a:bodyPr/>
+                    <a:lstStyle/>
+                    <a:p>
+                      <a:pPr lvl="0" algn="ctr">
+                        <a:buNone/>
+                        <a:defRPr sz="1400">
+                          <a:solidFill>
+                            <a:srgbClr val="646464"/>
+                          </a:solidFill>
+                        </a:defRPr>
+                      </a:pPr>
+                      <a:r>
+                        <a:rPr lang="fr-FR" dirty="0"/>
+                        <a:t>0.940</a:t>
+                      </a:r>
+                      <a:endParaRPr dirty="0"/>
+                    </a:p>
+                  </a:txBody>
+                  <a:tcPr/>
+                </a:tc>
+                <a:extLst>
+                  <a:ext uri="{0D108BD9-81ED-4DB2-BD59-A6C34878D82A}">
+                    <a16:rowId xmlns:a16="http://schemas.microsoft.com/office/drawing/2014/main" val="4107330809"/>
+                  </a:ext>
+                </a:extLst>
+              </a:tr>
+              <a:tr h="365760">
+                <a:tc>
+                  <a:txBody>
+                    <a:bodyPr/>
+                    <a:lstStyle/>
+                    <a:p>
+                      <a:pPr lvl="0" algn="ctr">
+                        <a:buNone/>
+                        <a:defRPr sz="1400">
+                          <a:solidFill>
+                            <a:srgbClr val="646464"/>
+                          </a:solidFill>
+                        </a:defRPr>
+                      </a:pPr>
+                      <a:r>
+                        <a:rPr lang="fr-FR" dirty="0" err="1"/>
+                        <a:t>XGBoost</a:t>
+                      </a:r>
+                      <a:endParaRPr dirty="0" err="1"/>
+                    </a:p>
+                  </a:txBody>
+                  <a:tcPr/>
+                </a:tc>
+                <a:tc>
+                  <a:txBody>
+                    <a:bodyPr/>
+                    <a:lstStyle/>
+                    <a:p>
+                      <a:pPr lvl="0" algn="ctr">
+                        <a:buNone/>
+                        <a:defRPr sz="1400">
+                          <a:solidFill>
+                            <a:srgbClr val="646464"/>
+                          </a:solidFill>
+                        </a:defRPr>
+                      </a:pPr>
+                      <a:r>
+                        <a:rPr lang="fr-FR" dirty="0"/>
+                        <a:t>0.884</a:t>
+                      </a:r>
+                      <a:endParaRPr dirty="0"/>
+                    </a:p>
+                  </a:txBody>
+                  <a:tcPr/>
+                </a:tc>
+                <a:tc>
+                  <a:txBody>
+                    <a:bodyPr/>
+                    <a:lstStyle/>
+                    <a:p>
+                      <a:pPr lvl="0" algn="ctr">
+                        <a:buNone/>
+                        <a:defRPr sz="1400">
+                          <a:solidFill>
+                            <a:srgbClr val="646464"/>
+                          </a:solidFill>
+                        </a:defRPr>
+                      </a:pPr>
+                      <a:r>
+                        <a:rPr lang="fr-FR" dirty="0"/>
+                        <a:t>0.780</a:t>
+                      </a:r>
+                      <a:endParaRPr dirty="0"/>
+                    </a:p>
+                  </a:txBody>
+                  <a:tcPr/>
+                </a:tc>
+                <a:tc>
+                  <a:txBody>
+                    <a:bodyPr/>
+                    <a:lstStyle/>
+                    <a:p>
+                      <a:pPr lvl="0" algn="ctr">
+                        <a:buNone/>
+                        <a:defRPr sz="1400">
+                          <a:solidFill>
+                            <a:srgbClr val="646464"/>
+                          </a:solidFill>
+                        </a:defRPr>
+                      </a:pPr>
+                      <a:r>
+                        <a:rPr lang="fr-FR" dirty="0"/>
+                        <a:t>0.941</a:t>
+                      </a:r>
+                      <a:endParaRPr dirty="0"/>
+                    </a:p>
+                  </a:txBody>
+                  <a:tcPr/>
+                </a:tc>
+                <a:extLst>
+                  <a:ext uri="{0D108BD9-81ED-4DB2-BD59-A6C34878D82A}">
+                    <a16:rowId xmlns:a16="http://schemas.microsoft.com/office/drawing/2014/main" val="4051752712"/>
+                  </a:ext>
+                </a:extLst>
               </a:tr>
             </a:tbl>
           </a:graphicData>
@@ -7377,7 +10473,7 @@
 </file>
 
 <file path=ppt/slides/slide8.xml><?xml version="1.0" encoding="utf-8"?>
-<p:sld xmlns:a="http://schemas.openxmlformats.org/drawingml/2006/main" xmlns:p="http://schemas.openxmlformats.org/presentationml/2006/main" xmlns:r="http://schemas.openxmlformats.org/officeDocument/2006/relationships">
+<p:sld xmlns:a="http://schemas.openxmlformats.org/drawingml/2006/main" xmlns:r="http://schemas.openxmlformats.org/officeDocument/2006/relationships" xmlns:p="http://schemas.openxmlformats.org/presentationml/2006/main">
   <p:cSld>
     <p:spTree>
       <p:nvGrpSpPr>
@@ -7385,7 +10481,14 @@
         <p:cNvGrpSpPr/>
         <p:nvPr/>
       </p:nvGrpSpPr>
-      <p:grpSpPr/>
+      <p:grpSpPr>
+        <a:xfrm>
+          <a:off x="0" y="0"/>
+          <a:ext cx="0" cy="0"/>
+          <a:chOff x="0" y="0"/>
+          <a:chExt cx="0" cy="0"/>
+        </a:xfrm>
+      </p:grpSpPr>
       <p:sp>
         <p:nvSpPr>
           <p:cNvPr id="2" name="TextBox 1"/>
@@ -7395,7 +10498,7 @@
         <p:spPr>
           <a:xfrm>
             <a:off x="457200" y="274320"/>
-            <a:ext cx="8229600" cy="731520"/>
+            <a:ext cx="4345100" cy="523220"/>
           </a:xfrm>
           <a:prstGeom prst="rect">
             <a:avLst/>
@@ -7403,7 +10506,7 @@
           <a:noFill/>
         </p:spPr>
         <p:txBody>
-          <a:bodyPr wrap="none">
+          <a:bodyPr wrap="none" lIns="91440" tIns="45720" rIns="91440" bIns="45720" anchor="t">
             <a:spAutoFit/>
           </a:bodyPr>
           <a:lstStyle/>
@@ -7416,8 +10519,14 @@
               </a:defRPr>
             </a:pPr>
             <a:r>
-              <a:t>Courbes ROC - Classification</a:t>
-            </a:r>
+              <a:rPr lang="fr-FR" dirty="0"/>
+              <a:t>Classification - </a:t>
+            </a:r>
+            <a:r>
+              <a:rPr dirty="0"/>
+              <a:t>Courbes ROC</a:t>
+            </a:r>
+            <a:endParaRPr lang="fr-FR" dirty="0"/>
           </a:p>
         </p:txBody>
       </p:sp>
@@ -7461,6 +10570,7 @@
           <a:lstStyle/>
           <a:p>
             <a:pPr algn="ctr"/>
+            <a:endParaRPr/>
           </a:p>
         </p:txBody>
       </p:sp>
@@ -7548,8 +10658,8 @@
         </p:blipFill>
         <p:spPr>
           <a:xfrm>
-            <a:off x="5029200" y="1188720"/>
-            <a:ext cx="3657600" cy="2926080"/>
+            <a:off x="2149998" y="2483638"/>
+            <a:ext cx="4844005" cy="3880991"/>
           </a:xfrm>
           <a:prstGeom prst="rect">
             <a:avLst/>
@@ -7565,25 +10675,44 @@
 </file>
 
 <file path=ppt/slides/slide9.xml><?xml version="1.0" encoding="utf-8"?>
-<p:sld xmlns:a="http://schemas.openxmlformats.org/drawingml/2006/main" xmlns:p="http://schemas.openxmlformats.org/presentationml/2006/main" xmlns:r="http://schemas.openxmlformats.org/officeDocument/2006/relationships">
+<p:sld xmlns:a="http://schemas.openxmlformats.org/drawingml/2006/main" xmlns:r="http://schemas.openxmlformats.org/officeDocument/2006/relationships" xmlns:p="http://schemas.openxmlformats.org/presentationml/2006/main">
   <p:cSld>
     <p:spTree>
       <p:nvGrpSpPr>
-        <p:cNvPr id="1" name=""/>
+        <p:cNvPr id="1" name="">
+          <a:extLst>
+            <a:ext uri="{FF2B5EF4-FFF2-40B4-BE49-F238E27FC236}">
+              <a16:creationId xmlns:a16="http://schemas.microsoft.com/office/drawing/2014/main" id="{AAF812C0-6ABB-8907-88FD-B6B74AFFB9EE}"/>
+            </a:ext>
+          </a:extLst>
+        </p:cNvPr>
         <p:cNvGrpSpPr/>
         <p:nvPr/>
       </p:nvGrpSpPr>
-      <p:grpSpPr/>
-      <p:sp>
-        <p:nvSpPr>
-          <p:cNvPr id="2" name="TextBox 1"/>
+      <p:grpSpPr>
+        <a:xfrm>
+          <a:off x="0" y="0"/>
+          <a:ext cx="0" cy="0"/>
+          <a:chOff x="0" y="0"/>
+          <a:chExt cx="0" cy="0"/>
+        </a:xfrm>
+      </p:grpSpPr>
+      <p:sp>
+        <p:nvSpPr>
+          <p:cNvPr id="2" name="TextBox 1">
+            <a:extLst>
+              <a:ext uri="{FF2B5EF4-FFF2-40B4-BE49-F238E27FC236}">
+                <a16:creationId xmlns:a16="http://schemas.microsoft.com/office/drawing/2014/main" id="{1E46855B-596D-CFC4-795B-A4D1212787BB}"/>
+              </a:ext>
+            </a:extLst>
+          </p:cNvPr>
           <p:cNvSpPr txBox="1"/>
           <p:nvPr/>
         </p:nvSpPr>
         <p:spPr>
           <a:xfrm>
             <a:off x="457200" y="274320"/>
-            <a:ext cx="8229600" cy="731520"/>
+            <a:ext cx="5675464" cy="523220"/>
           </a:xfrm>
           <a:prstGeom prst="rect">
             <a:avLst/>
@@ -7591,7 +10720,7 @@
           <a:noFill/>
         </p:spPr>
         <p:txBody>
-          <a:bodyPr wrap="none">
+          <a:bodyPr wrap="none" lIns="91440" tIns="45720" rIns="91440" bIns="45720" anchor="t">
             <a:spAutoFit/>
           </a:bodyPr>
           <a:lstStyle/>
@@ -7604,14 +10733,25 @@
               </a:defRPr>
             </a:pPr>
             <a:r>
-              <a:t>Régression - Résultats Initiaux</a:t>
-            </a:r>
-          </a:p>
-        </p:txBody>
-      </p:sp>
-      <p:sp>
-        <p:nvSpPr>
-          <p:cNvPr id="3" name="Rectangle 2"/>
+              <a:rPr lang="fr-FR" dirty="0"/>
+              <a:t>Classification – Matrice de Confusion</a:t>
+            </a:r>
+            <a:endParaRPr lang="fr-FR" dirty="0">
+              <a:ea typeface="Calibri"/>
+              <a:cs typeface="Calibri"/>
+            </a:endParaRPr>
+          </a:p>
+        </p:txBody>
+      </p:sp>
+      <p:sp>
+        <p:nvSpPr>
+          <p:cNvPr id="3" name="Rectangle 2">
+            <a:extLst>
+              <a:ext uri="{FF2B5EF4-FFF2-40B4-BE49-F238E27FC236}">
+                <a16:creationId xmlns:a16="http://schemas.microsoft.com/office/drawing/2014/main" id="{617E9720-D679-E19E-30C6-18CB89A62FAB}"/>
+              </a:ext>
+            </a:extLst>
+          </p:cNvPr>
           <p:cNvSpPr/>
           <p:nvPr/>
         </p:nvSpPr>
@@ -7649,512 +10789,46 @@
           <a:lstStyle/>
           <a:p>
             <a:pPr algn="ctr"/>
-          </a:p>
-        </p:txBody>
-      </p:sp>
-      <p:sp>
-        <p:nvSpPr>
-          <p:cNvPr id="4" name="TextBox 3"/>
-          <p:cNvSpPr txBox="1"/>
+            <a:endParaRPr/>
+          </a:p>
+        </p:txBody>
+      </p:sp>
+      <p:pic>
+        <p:nvPicPr>
+          <p:cNvPr id="6" name="Image 5" descr="Une image contenant texte, capture d’écran, diagramme, Rectangle&#10;&#10;Le contenu généré par l’IA peut être incorrect.">
+            <a:extLst>
+              <a:ext uri="{FF2B5EF4-FFF2-40B4-BE49-F238E27FC236}">
+                <a16:creationId xmlns:a16="http://schemas.microsoft.com/office/drawing/2014/main" id="{8C4E688F-9921-8598-1EA8-2EFCE49A365D}"/>
+              </a:ext>
+            </a:extLst>
+          </p:cNvPr>
+          <p:cNvPicPr>
+            <a:picLocks noChangeAspect="1"/>
+          </p:cNvPicPr>
           <p:nvPr/>
-        </p:nvSpPr>
+        </p:nvPicPr>
+        <p:blipFill>
+          <a:blip r:embed="rId2"/>
+          <a:stretch>
+            <a:fillRect/>
+          </a:stretch>
+        </p:blipFill>
         <p:spPr>
           <a:xfrm>
-            <a:off x="457200" y="1188720"/>
-            <a:ext cx="8229600" cy="4572000"/>
+            <a:off x="954911" y="1237044"/>
+            <a:ext cx="7234178" cy="5425633"/>
           </a:xfrm>
           <a:prstGeom prst="rect">
             <a:avLst/>
           </a:prstGeom>
-          <a:noFill/>
         </p:spPr>
-        <p:txBody>
-          <a:bodyPr wrap="square">
-            <a:spAutoFit/>
-          </a:bodyPr>
-          <a:lstStyle/>
-          <a:p>
-            <a:pPr>
-              <a:spcAft>
-                <a:spcPts val="1200"/>
-              </a:spcAft>
-              <a:defRPr sz="1800">
-                <a:solidFill>
-                  <a:srgbClr val="646464"/>
-                </a:solidFill>
-              </a:defRPr>
-            </a:pPr>
-            <a:r>
-              <a:t>• Objectif : prédire le nombre exact d'accidents</a:t>
-            </a:r>
-          </a:p>
-          <a:p>
-            <a:pPr>
-              <a:spcAft>
-                <a:spcPts val="1200"/>
-              </a:spcAft>
-              <a:defRPr sz="1800">
-                <a:solidFill>
-                  <a:srgbClr val="646464"/>
-                </a:solidFill>
-              </a:defRPr>
-            </a:pPr>
-            <a:r>
-              <a:t>• Meilleur : Gradient Boosting (R² = 89.2%)</a:t>
-            </a:r>
-          </a:p>
-          <a:p>
-            <a:pPr>
-              <a:spcAft>
-                <a:spcPts val="1200"/>
-              </a:spcAft>
-              <a:defRPr sz="1800">
-                <a:solidFill>
-                  <a:srgbClr val="646464"/>
-                </a:solidFill>
-              </a:defRPr>
-            </a:pPr>
-            <a:r>
-              <a:t>• Résultat apparemment excellent... mais attention !</a:t>
-            </a:r>
-          </a:p>
-        </p:txBody>
-      </p:sp>
-      <p:graphicFrame>
-        <p:nvGraphicFramePr>
-          <p:cNvPr id="5" name="Table 4"/>
-          <p:cNvGraphicFramePr>
-            <a:graphicFrameLocks noGrp="1"/>
-          </p:cNvGraphicFramePr>
-          <p:nvPr/>
-        </p:nvGraphicFramePr>
-        <p:xfrm>
-          <a:off x="457200" y="3657600"/>
-          <a:ext cx="8229600" cy="1828800"/>
-        </p:xfrm>
-        <a:graphic>
-          <a:graphicData uri="http://schemas.openxmlformats.org/drawingml/2006/table">
-            <a:tbl>
-              <a:tblPr firstRow="1" bandRow="1">
-                <a:tableStyleId>{5C22544A-7EE6-4342-B048-85BDC9FD1C3A}</a:tableStyleId>
-              </a:tblPr>
-              <a:tblGrid>
-                <a:gridCol w="2057400"/>
-                <a:gridCol w="2057400"/>
-                <a:gridCol w="2057400"/>
-                <a:gridCol w="2057400"/>
-              </a:tblGrid>
-              <a:tr h="365760">
-                <a:tc>
-                  <a:txBody>
-                    <a:bodyPr/>
-                    <a:lstStyle/>
-                    <a:p>
-                      <a:pPr algn="ctr">
-                        <a:defRPr sz="1400" b="1">
-                          <a:solidFill>
-                            <a:srgbClr val="FFFFFF"/>
-                          </a:solidFill>
-                        </a:defRPr>
-                      </a:pPr>
-                      <a:r>
-                        <a:t>Modèle</a:t>
-                      </a:r>
-                    </a:p>
-                  </a:txBody>
-                  <a:tcPr>
-                    <a:solidFill>
-                      <a:srgbClr val="003366"/>
-                    </a:solidFill>
-                  </a:tcPr>
-                </a:tc>
-                <a:tc>
-                  <a:txBody>
-                    <a:bodyPr/>
-                    <a:lstStyle/>
-                    <a:p>
-                      <a:pPr algn="ctr">
-                        <a:defRPr sz="1400" b="1">
-                          <a:solidFill>
-                            <a:srgbClr val="FFFFFF"/>
-                          </a:solidFill>
-                        </a:defRPr>
-                      </a:pPr>
-                      <a:r>
-                        <a:t>RMSE</a:t>
-                      </a:r>
-                    </a:p>
-                  </a:txBody>
-                  <a:tcPr>
-                    <a:solidFill>
-                      <a:srgbClr val="003366"/>
-                    </a:solidFill>
-                  </a:tcPr>
-                </a:tc>
-                <a:tc>
-                  <a:txBody>
-                    <a:bodyPr/>
-                    <a:lstStyle/>
-                    <a:p>
-                      <a:pPr algn="ctr">
-                        <a:defRPr sz="1400" b="1">
-                          <a:solidFill>
-                            <a:srgbClr val="FFFFFF"/>
-                          </a:solidFill>
-                        </a:defRPr>
-                      </a:pPr>
-                      <a:r>
-                        <a:t>R²</a:t>
-                      </a:r>
-                    </a:p>
-                  </a:txBody>
-                  <a:tcPr>
-                    <a:solidFill>
-                      <a:srgbClr val="003366"/>
-                    </a:solidFill>
-                  </a:tcPr>
-                </a:tc>
-                <a:tc>
-                  <a:txBody>
-                    <a:bodyPr/>
-                    <a:lstStyle/>
-                    <a:p>
-                      <a:pPr algn="ctr">
-                        <a:defRPr sz="1400" b="1">
-                          <a:solidFill>
-                            <a:srgbClr val="FFFFFF"/>
-                          </a:solidFill>
-                        </a:defRPr>
-                      </a:pPr>
-                      <a:r>
-                        <a:t>CV R²</a:t>
-                      </a:r>
-                    </a:p>
-                  </a:txBody>
-                  <a:tcPr>
-                    <a:solidFill>
-                      <a:srgbClr val="003366"/>
-                    </a:solidFill>
-                  </a:tcPr>
-                </a:tc>
-              </a:tr>
-              <a:tr h="365760">
-                <a:tc>
-                  <a:txBody>
-                    <a:bodyPr/>
-                    <a:lstStyle/>
-                    <a:p>
-                      <a:pPr algn="ctr">
-                        <a:defRPr sz="1400">
-                          <a:solidFill>
-                            <a:srgbClr val="646464"/>
-                          </a:solidFill>
-                        </a:defRPr>
-                      </a:pPr>
-                      <a:r>
-                        <a:t>Gradient Boosting</a:t>
-                      </a:r>
-                    </a:p>
-                  </a:txBody>
-                  <a:tcPr/>
-                </a:tc>
-                <a:tc>
-                  <a:txBody>
-                    <a:bodyPr/>
-                    <a:lstStyle/>
-                    <a:p>
-                      <a:pPr algn="ctr">
-                        <a:defRPr sz="1400">
-                          <a:solidFill>
-                            <a:srgbClr val="646464"/>
-                          </a:solidFill>
-                        </a:defRPr>
-                      </a:pPr>
-                      <a:r>
-                        <a:t>37.06</a:t>
-                      </a:r>
-                    </a:p>
-                  </a:txBody>
-                  <a:tcPr/>
-                </a:tc>
-                <a:tc>
-                  <a:txBody>
-                    <a:bodyPr/>
-                    <a:lstStyle/>
-                    <a:p>
-                      <a:pPr algn="ctr">
-                        <a:defRPr sz="1400">
-                          <a:solidFill>
-                            <a:srgbClr val="646464"/>
-                          </a:solidFill>
-                        </a:defRPr>
-                      </a:pPr>
-                      <a:r>
-                        <a:t>0.892</a:t>
-                      </a:r>
-                    </a:p>
-                  </a:txBody>
-                  <a:tcPr/>
-                </a:tc>
-                <a:tc>
-                  <a:txBody>
-                    <a:bodyPr/>
-                    <a:lstStyle/>
-                    <a:p>
-                      <a:pPr algn="ctr">
-                        <a:defRPr sz="1400">
-                          <a:solidFill>
-                            <a:srgbClr val="646464"/>
-                          </a:solidFill>
-                        </a:defRPr>
-                      </a:pPr>
-                      <a:r>
-                        <a:t>0.897</a:t>
-                      </a:r>
-                    </a:p>
-                  </a:txBody>
-                  <a:tcPr/>
-                </a:tc>
-              </a:tr>
-              <a:tr h="365760">
-                <a:tc>
-                  <a:txBody>
-                    <a:bodyPr/>
-                    <a:lstStyle/>
-                    <a:p>
-                      <a:pPr algn="ctr">
-                        <a:defRPr sz="1400">
-                          <a:solidFill>
-                            <a:srgbClr val="646464"/>
-                          </a:solidFill>
-                        </a:defRPr>
-                      </a:pPr>
-                      <a:r>
-                        <a:t>XGBoost</a:t>
-                      </a:r>
-                    </a:p>
-                  </a:txBody>
-                  <a:tcPr/>
-                </a:tc>
-                <a:tc>
-                  <a:txBody>
-                    <a:bodyPr/>
-                    <a:lstStyle/>
-                    <a:p>
-                      <a:pPr algn="ctr">
-                        <a:defRPr sz="1400">
-                          <a:solidFill>
-                            <a:srgbClr val="646464"/>
-                          </a:solidFill>
-                        </a:defRPr>
-                      </a:pPr>
-                      <a:r>
-                        <a:t>37.53</a:t>
-                      </a:r>
-                    </a:p>
-                  </a:txBody>
-                  <a:tcPr/>
-                </a:tc>
-                <a:tc>
-                  <a:txBody>
-                    <a:bodyPr/>
-                    <a:lstStyle/>
-                    <a:p>
-                      <a:pPr algn="ctr">
-                        <a:defRPr sz="1400">
-                          <a:solidFill>
-                            <a:srgbClr val="646464"/>
-                          </a:solidFill>
-                        </a:defRPr>
-                      </a:pPr>
-                      <a:r>
-                        <a:t>0.889</a:t>
-                      </a:r>
-                    </a:p>
-                  </a:txBody>
-                  <a:tcPr/>
-                </a:tc>
-                <a:tc>
-                  <a:txBody>
-                    <a:bodyPr/>
-                    <a:lstStyle/>
-                    <a:p>
-                      <a:pPr algn="ctr">
-                        <a:defRPr sz="1400">
-                          <a:solidFill>
-                            <a:srgbClr val="646464"/>
-                          </a:solidFill>
-                        </a:defRPr>
-                      </a:pPr>
-                      <a:r>
-                        <a:t>0.900</a:t>
-                      </a:r>
-                    </a:p>
-                  </a:txBody>
-                  <a:tcPr/>
-                </a:tc>
-              </a:tr>
-              <a:tr h="365760">
-                <a:tc>
-                  <a:txBody>
-                    <a:bodyPr/>
-                    <a:lstStyle/>
-                    <a:p>
-                      <a:pPr algn="ctr">
-                        <a:defRPr sz="1400">
-                          <a:solidFill>
-                            <a:srgbClr val="646464"/>
-                          </a:solidFill>
-                        </a:defRPr>
-                      </a:pPr>
-                      <a:r>
-                        <a:t>Random Forest</a:t>
-                      </a:r>
-                    </a:p>
-                  </a:txBody>
-                  <a:tcPr/>
-                </a:tc>
-                <a:tc>
-                  <a:txBody>
-                    <a:bodyPr/>
-                    <a:lstStyle/>
-                    <a:p>
-                      <a:pPr algn="ctr">
-                        <a:defRPr sz="1400">
-                          <a:solidFill>
-                            <a:srgbClr val="646464"/>
-                          </a:solidFill>
-                        </a:defRPr>
-                      </a:pPr>
-                      <a:r>
-                        <a:t>37.80</a:t>
-                      </a:r>
-                    </a:p>
-                  </a:txBody>
-                  <a:tcPr/>
-                </a:tc>
-                <a:tc>
-                  <a:txBody>
-                    <a:bodyPr/>
-                    <a:lstStyle/>
-                    <a:p>
-                      <a:pPr algn="ctr">
-                        <a:defRPr sz="1400">
-                          <a:solidFill>
-                            <a:srgbClr val="646464"/>
-                          </a:solidFill>
-                        </a:defRPr>
-                      </a:pPr>
-                      <a:r>
-                        <a:t>0.888</a:t>
-                      </a:r>
-                    </a:p>
-                  </a:txBody>
-                  <a:tcPr/>
-                </a:tc>
-                <a:tc>
-                  <a:txBody>
-                    <a:bodyPr/>
-                    <a:lstStyle/>
-                    <a:p>
-                      <a:pPr algn="ctr">
-                        <a:defRPr sz="1400">
-                          <a:solidFill>
-                            <a:srgbClr val="646464"/>
-                          </a:solidFill>
-                        </a:defRPr>
-                      </a:pPr>
-                      <a:r>
-                        <a:t>0.886</a:t>
-                      </a:r>
-                    </a:p>
-                  </a:txBody>
-                  <a:tcPr/>
-                </a:tc>
-              </a:tr>
-              <a:tr h="365760">
-                <a:tc>
-                  <a:txBody>
-                    <a:bodyPr/>
-                    <a:lstStyle/>
-                    <a:p>
-                      <a:pPr algn="ctr">
-                        <a:defRPr sz="1400">
-                          <a:solidFill>
-                            <a:srgbClr val="646464"/>
-                          </a:solidFill>
-                        </a:defRPr>
-                      </a:pPr>
-                      <a:r>
-                        <a:t>Régression Linéaire</a:t>
-                      </a:r>
-                    </a:p>
-                  </a:txBody>
-                  <a:tcPr/>
-                </a:tc>
-                <a:tc>
-                  <a:txBody>
-                    <a:bodyPr/>
-                    <a:lstStyle/>
-                    <a:p>
-                      <a:pPr algn="ctr">
-                        <a:defRPr sz="1400">
-                          <a:solidFill>
-                            <a:srgbClr val="646464"/>
-                          </a:solidFill>
-                        </a:defRPr>
-                      </a:pPr>
-                      <a:r>
-                        <a:t>42.89</a:t>
-                      </a:r>
-                    </a:p>
-                  </a:txBody>
-                  <a:tcPr/>
-                </a:tc>
-                <a:tc>
-                  <a:txBody>
-                    <a:bodyPr/>
-                    <a:lstStyle/>
-                    <a:p>
-                      <a:pPr algn="ctr">
-                        <a:defRPr sz="1400">
-                          <a:solidFill>
-                            <a:srgbClr val="646464"/>
-                          </a:solidFill>
-                        </a:defRPr>
-                      </a:pPr>
-                      <a:r>
-                        <a:t>0.856</a:t>
-                      </a:r>
-                    </a:p>
-                  </a:txBody>
-                  <a:tcPr/>
-                </a:tc>
-                <a:tc>
-                  <a:txBody>
-                    <a:bodyPr/>
-                    <a:lstStyle/>
-                    <a:p>
-                      <a:pPr algn="ctr">
-                        <a:defRPr sz="1400">
-                          <a:solidFill>
-                            <a:srgbClr val="646464"/>
-                          </a:solidFill>
-                        </a:defRPr>
-                      </a:pPr>
-                      <a:r>
-                        <a:t>0.855</a:t>
-                      </a:r>
-                    </a:p>
-                  </a:txBody>
-                  <a:tcPr/>
-                </a:tc>
-              </a:tr>
-            </a:tbl>
-          </a:graphicData>
-        </a:graphic>
-      </p:graphicFrame>
+      </p:pic>
     </p:spTree>
+    <p:extLst>
+      <p:ext uri="{BB962C8B-B14F-4D97-AF65-F5344CB8AC3E}">
+        <p14:creationId xmlns:p14="http://schemas.microsoft.com/office/powerpoint/2010/main" val="4020624048"/>
+      </p:ext>
+    </p:extLst>
   </p:cSld>
   <p:clrMapOvr>
     <a:masterClrMapping/>
